--- a/BCI - Batch2 - Day13 - IPFS.pptx
+++ b/BCI - Batch2 - Day13 - IPFS.pptx
@@ -11,27 +11,40 @@
     <p:sldId id="1833" r:id="rId3"/>
     <p:sldId id="1387" r:id="rId4"/>
     <p:sldId id="1979" r:id="rId6"/>
-    <p:sldId id="2018" r:id="rId7"/>
-    <p:sldId id="2019" r:id="rId8"/>
-    <p:sldId id="2017" r:id="rId9"/>
-    <p:sldId id="2025" r:id="rId10"/>
-    <p:sldId id="2014" r:id="rId11"/>
-    <p:sldId id="2021" r:id="rId12"/>
-    <p:sldId id="2024" r:id="rId13"/>
-    <p:sldId id="2022" r:id="rId14"/>
-    <p:sldId id="2023" r:id="rId15"/>
-    <p:sldId id="2020" r:id="rId16"/>
-    <p:sldId id="2027" r:id="rId17"/>
-    <p:sldId id="2028" r:id="rId18"/>
-    <p:sldId id="2029" r:id="rId19"/>
-    <p:sldId id="2033" r:id="rId20"/>
-    <p:sldId id="2030" r:id="rId21"/>
-    <p:sldId id="2031" r:id="rId22"/>
-    <p:sldId id="2032" r:id="rId23"/>
-    <p:sldId id="2034" r:id="rId24"/>
-    <p:sldId id="2035" r:id="rId25"/>
-    <p:sldId id="2037" r:id="rId26"/>
-    <p:sldId id="2036" r:id="rId27"/>
+    <p:sldId id="2043" r:id="rId7"/>
+    <p:sldId id="2044" r:id="rId8"/>
+    <p:sldId id="2045" r:id="rId9"/>
+    <p:sldId id="2046" r:id="rId10"/>
+    <p:sldId id="2047" r:id="rId11"/>
+    <p:sldId id="2048" r:id="rId12"/>
+    <p:sldId id="2049" r:id="rId13"/>
+    <p:sldId id="2019" r:id="rId14"/>
+    <p:sldId id="2050" r:id="rId15"/>
+    <p:sldId id="2017" r:id="rId16"/>
+    <p:sldId id="2052" r:id="rId17"/>
+    <p:sldId id="2053" r:id="rId18"/>
+    <p:sldId id="2051" r:id="rId19"/>
+    <p:sldId id="2055" r:id="rId20"/>
+    <p:sldId id="2025" r:id="rId21"/>
+    <p:sldId id="2054" r:id="rId22"/>
+    <p:sldId id="2014" r:id="rId23"/>
+    <p:sldId id="2021" r:id="rId24"/>
+    <p:sldId id="2024" r:id="rId25"/>
+    <p:sldId id="2022" r:id="rId26"/>
+    <p:sldId id="2023" r:id="rId27"/>
+    <p:sldId id="2020" r:id="rId28"/>
+    <p:sldId id="2027" r:id="rId29"/>
+    <p:sldId id="2028" r:id="rId30"/>
+    <p:sldId id="2029" r:id="rId31"/>
+    <p:sldId id="2033" r:id="rId32"/>
+    <p:sldId id="2056" r:id="rId33"/>
+    <p:sldId id="2030" r:id="rId34"/>
+    <p:sldId id="2031" r:id="rId35"/>
+    <p:sldId id="2032" r:id="rId36"/>
+    <p:sldId id="2034" r:id="rId37"/>
+    <p:sldId id="2035" r:id="rId38"/>
+    <p:sldId id="2037" r:id="rId39"/>
+    <p:sldId id="2036" r:id="rId40"/>
   </p:sldIdLst>
   <p:sldSz cx="9144000" cy="6858000" type="screen4x3"/>
   <p:notesSz cx="7315200" cy="9601200"/>
@@ -7319,7 +7332,7 @@
                 <a:latin typeface="Calibri" panose="020F0502020204030204" pitchFamily="34" charset="0"/>
                 <a:cs typeface="Calibri" panose="020F0502020204030204" pitchFamily="34" charset="0"/>
               </a:rPr>
-              <a:t>IPFS Cluster</a:t>
+              <a:t>DAG</a:t>
             </a:r>
             <a:endParaRPr lang="en-US" sz="3200" b="1" dirty="0">
               <a:latin typeface="Calibri" panose="020F0502020204030204" pitchFamily="34" charset="0"/>
@@ -7328,189 +7341,30 @@
           </a:p>
         </p:txBody>
       </p:sp>
-      <p:sp>
-        <p:nvSpPr>
-          <p:cNvPr id="3" name="Content Placeholder 2"/>
-          <p:cNvSpPr>
-            <a:spLocks noGrp="1"/>
-          </p:cNvSpPr>
-          <p:nvPr>
-            <p:ph idx="1"/>
-          </p:nvPr>
-        </p:nvSpPr>
+      <p:pic>
+        <p:nvPicPr>
+          <p:cNvPr id="3" name="图片 2"/>
+          <p:cNvPicPr>
+            <a:picLocks noChangeAspect="1"/>
+          </p:cNvPicPr>
+          <p:nvPr/>
+        </p:nvPicPr>
+        <p:blipFill>
+          <a:blip r:embed="rId1"/>
+          <a:stretch>
+            <a:fillRect/>
+          </a:stretch>
+        </p:blipFill>
         <p:spPr>
           <a:xfrm>
-            <a:off x="628650" y="989044"/>
-            <a:ext cx="7886700" cy="5605719"/>
+            <a:off x="509270" y="1724660"/>
+            <a:ext cx="8006080" cy="4312285"/>
           </a:xfrm>
+          <a:prstGeom prst="rect">
+            <a:avLst/>
+          </a:prstGeom>
         </p:spPr>
-        <p:txBody>
-          <a:bodyPr>
-            <a:normAutofit lnSpcReduction="10000"/>
-          </a:bodyPr>
-          <a:lstStyle/>
-          <a:p>
-            <a:pPr marL="228600" lvl="0" indent="-228600" defTabSz="342900">
-              <a:lnSpc>
-                <a:spcPct val="120000"/>
-              </a:lnSpc>
-              <a:buFont typeface="Arial" panose="020B0604020202020204" pitchFamily="34" charset="0"/>
-              <a:buChar char="•"/>
-            </a:pPr>
-            <a:r>
-              <a:rPr lang="en-US" altLang="en-US" sz="1540" dirty="0">
-                <a:solidFill>
-                  <a:srgbClr val="262626"/>
-                </a:solidFill>
-              </a:rPr>
-              <a:t>IPFS Cluster</a:t>
-            </a:r>
-            <a:endParaRPr lang="en-US" altLang="en-US" sz="1540" dirty="0">
-              <a:solidFill>
-                <a:srgbClr val="262626"/>
-              </a:solidFill>
-            </a:endParaRPr>
-          </a:p>
-          <a:p>
-            <a:pPr marL="228600" lvl="0" indent="-228600" defTabSz="342900">
-              <a:lnSpc>
-                <a:spcPct val="120000"/>
-              </a:lnSpc>
-              <a:buFont typeface="Arial" panose="020B0604020202020204" pitchFamily="34" charset="0"/>
-              <a:buChar char="•"/>
-            </a:pPr>
-            <a:r>
-              <a:rPr lang="en-US" altLang="en-US" sz="1540" dirty="0">
-                <a:solidFill>
-                  <a:srgbClr val="262626"/>
-                </a:solidFill>
-              </a:rPr>
-              <a:t>how to build your CND using IPFS cluster?</a:t>
-            </a:r>
-            <a:endParaRPr lang="en-US" altLang="en-US" sz="1540" dirty="0">
-              <a:solidFill>
-                <a:srgbClr val="262626"/>
-              </a:solidFill>
-            </a:endParaRPr>
-          </a:p>
-          <a:p>
-            <a:pPr marL="228600" lvl="0" indent="-228600" defTabSz="342900">
-              <a:lnSpc>
-                <a:spcPct val="120000"/>
-              </a:lnSpc>
-              <a:buFont typeface="Arial" panose="020B0604020202020204" pitchFamily="34" charset="0"/>
-              <a:buChar char="•"/>
-            </a:pPr>
-            <a:r>
-              <a:rPr lang="en-US" altLang="en-US" sz="1540" dirty="0">
-                <a:solidFill>
-                  <a:srgbClr val="262626"/>
-                </a:solidFill>
-              </a:rPr>
-              <a:t>Step 3.1:</a:t>
-            </a:r>
-            <a:endParaRPr lang="en-US" altLang="en-US" sz="1540" dirty="0">
-              <a:solidFill>
-                <a:srgbClr val="262626"/>
-              </a:solidFill>
-            </a:endParaRPr>
-          </a:p>
-          <a:p>
-            <a:pPr marL="228600" lvl="0" indent="-228600" defTabSz="342900">
-              <a:lnSpc>
-                <a:spcPct val="120000"/>
-              </a:lnSpc>
-              <a:buFont typeface="Arial" panose="020B0604020202020204" pitchFamily="34" charset="0"/>
-              <a:buChar char="•"/>
-            </a:pPr>
-            <a:r>
-              <a:rPr lang="en-US" altLang="en-US" sz="1540" dirty="0">
-                <a:solidFill>
-                  <a:srgbClr val="262626"/>
-                </a:solidFill>
-              </a:rPr>
-              <a:t>Install IPFS Cluster</a:t>
-            </a:r>
-            <a:endParaRPr lang="en-US" altLang="en-US" sz="1540" dirty="0">
-              <a:solidFill>
-                <a:srgbClr val="262626"/>
-              </a:solidFill>
-            </a:endParaRPr>
-          </a:p>
-          <a:p>
-            <a:pPr marL="228600" lvl="0" indent="-228600" defTabSz="342900">
-              <a:lnSpc>
-                <a:spcPct val="120000"/>
-              </a:lnSpc>
-              <a:buFont typeface="Arial" panose="020B0604020202020204" pitchFamily="34" charset="0"/>
-              <a:buChar char="•"/>
-            </a:pPr>
-            <a:endParaRPr lang="en-US" altLang="en-US" sz="1540" dirty="0">
-              <a:solidFill>
-                <a:srgbClr val="262626"/>
-              </a:solidFill>
-            </a:endParaRPr>
-          </a:p>
-          <a:p>
-            <a:pPr marL="228600" lvl="0" indent="-228600" defTabSz="342900">
-              <a:lnSpc>
-                <a:spcPct val="120000"/>
-              </a:lnSpc>
-              <a:buFont typeface="Arial" panose="020B0604020202020204" pitchFamily="34" charset="0"/>
-              <a:buChar char="•"/>
-            </a:pPr>
-            <a:r>
-              <a:rPr lang="en-US" altLang="en-US" sz="1540" dirty="0">
-                <a:solidFill>
-                  <a:srgbClr val="262626"/>
-                </a:solidFill>
-              </a:rPr>
-              <a:t>https://medium.com/rahasak/ipfs-cluster-with-docker-db2ec20a6cc1</a:t>
-            </a:r>
-            <a:endParaRPr lang="en-US" altLang="en-US" sz="1540" dirty="0">
-              <a:solidFill>
-                <a:srgbClr val="262626"/>
-              </a:solidFill>
-            </a:endParaRPr>
-          </a:p>
-          <a:p>
-            <a:pPr marL="228600" lvl="0" indent="-228600" defTabSz="342900">
-              <a:lnSpc>
-                <a:spcPct val="120000"/>
-              </a:lnSpc>
-              <a:buFont typeface="Arial" panose="020B0604020202020204" pitchFamily="34" charset="0"/>
-              <a:buChar char="•"/>
-            </a:pPr>
-            <a:endParaRPr lang="en-US" altLang="en-US" sz="1540" dirty="0">
-              <a:solidFill>
-                <a:srgbClr val="262626"/>
-              </a:solidFill>
-            </a:endParaRPr>
-          </a:p>
-          <a:p>
-            <a:pPr marL="228600" lvl="0" indent="-228600" defTabSz="342900">
-              <a:lnSpc>
-                <a:spcPct val="120000"/>
-              </a:lnSpc>
-              <a:buFont typeface="Arial" panose="020B0604020202020204" pitchFamily="34" charset="0"/>
-              <a:buChar char="•"/>
-            </a:pPr>
-            <a:r>
-              <a:rPr lang="en-US" altLang="en-US" sz="1540" dirty="0">
-                <a:solidFill>
-                  <a:srgbClr val="262626"/>
-                </a:solidFill>
-              </a:rPr>
-              <a:t>(Terraform and Ansible to auto install and manage the cluster)</a:t>
-            </a:r>
-            <a:endParaRPr lang="en-US" altLang="en-US" sz="1540" dirty="0">
-              <a:solidFill>
-                <a:srgbClr val="262626"/>
-              </a:solidFill>
-            </a:endParaRPr>
-          </a:p>
-        </p:txBody>
-      </p:sp>
+      </p:pic>
     </p:spTree>
   </p:cSld>
   <p:clrMapOvr>
@@ -7564,7 +7418,7 @@
                 <a:latin typeface="Calibri" panose="020F0502020204030204" pitchFamily="34" charset="0"/>
                 <a:cs typeface="Calibri" panose="020F0502020204030204" pitchFamily="34" charset="0"/>
               </a:rPr>
-              <a:t>IPFS Cluster</a:t>
+              <a:t>IPFS</a:t>
             </a:r>
             <a:endParaRPr lang="en-US" sz="3200" b="1" dirty="0">
               <a:latin typeface="Calibri" panose="020F0502020204030204" pitchFamily="34" charset="0"/>
@@ -7608,7 +7462,7 @@
                   <a:srgbClr val="262626"/>
                 </a:solidFill>
               </a:rPr>
-              <a:t>IPFS Cluster</a:t>
+              <a:t>Content linking via directed acyclic graphs (DAGs) Merkle DAG </a:t>
             </a:r>
             <a:endParaRPr lang="en-US" altLang="en-US" sz="1540" dirty="0">
               <a:solidFill>
@@ -7630,80 +7484,38 @@
                   <a:srgbClr val="262626"/>
                 </a:solidFill>
               </a:rPr>
-              <a:t>how to build your CND using IPFS cluster?</a:t>
-            </a:r>
-            <a:endParaRPr lang="en-US" altLang="en-US" sz="1540" dirty="0">
-              <a:solidFill>
-                <a:srgbClr val="262626"/>
-              </a:solidFill>
-            </a:endParaRPr>
-          </a:p>
-          <a:p>
-            <a:pPr marL="228600" lvl="0" indent="-228600" defTabSz="342900">
-              <a:lnSpc>
-                <a:spcPct val="120000"/>
-              </a:lnSpc>
-              <a:buFont typeface="Arial" panose="020B0604020202020204" pitchFamily="34" charset="0"/>
-              <a:buChar char="•"/>
-            </a:pPr>
+              <a:t>when doing IPFS ADD</a:t>
+            </a:r>
+            <a:endParaRPr lang="en-US" altLang="en-US" sz="1540" dirty="0">
+              <a:solidFill>
+                <a:srgbClr val="262626"/>
+              </a:solidFill>
+            </a:endParaRPr>
+          </a:p>
+          <a:p>
+            <a:pPr marL="228600" lvl="0" indent="-228600" defTabSz="342900">
+              <a:lnSpc>
+                <a:spcPct val="120000"/>
+              </a:lnSpc>
+              <a:buFont typeface="Arial" panose="020B0604020202020204" pitchFamily="34" charset="0"/>
+              <a:buChar char="•"/>
+            </a:pPr>
+            <a:r>
+              <a:rPr lang="en-US" altLang="en-US" sz="1540" dirty="0">
+                <a:solidFill>
+                  <a:srgbClr val="FF0000"/>
+                </a:solidFill>
+              </a:rPr>
+              <a:t>Demo</a:t>
+            </a:r>
             <a:r>
               <a:rPr lang="en-US" altLang="en-US" sz="1540" dirty="0">
                 <a:solidFill>
                   <a:srgbClr val="262626"/>
                 </a:solidFill>
               </a:rPr>
-              <a:t>Step 3.2:</a:t>
-            </a:r>
-            <a:endParaRPr lang="en-US" altLang="en-US" sz="1540" dirty="0">
-              <a:solidFill>
-                <a:srgbClr val="262626"/>
-              </a:solidFill>
-            </a:endParaRPr>
-          </a:p>
-          <a:p>
-            <a:pPr marL="228600" lvl="0" indent="-228600" defTabSz="342900">
-              <a:lnSpc>
-                <a:spcPct val="120000"/>
-              </a:lnSpc>
-              <a:buFont typeface="Arial" panose="020B0604020202020204" pitchFamily="34" charset="0"/>
-              <a:buChar char="•"/>
-            </a:pPr>
-            <a:r>
-              <a:rPr lang="en-US" altLang="en-US" sz="1540" dirty="0">
-                <a:solidFill>
-                  <a:srgbClr val="262626"/>
-                </a:solidFill>
-              </a:rPr>
-              <a:t>СlouDNS,Zilore, Amazon Route 53, Cloudflare</a:t>
-            </a:r>
-            <a:endParaRPr lang="en-US" altLang="en-US" sz="1540" dirty="0">
-              <a:solidFill>
-                <a:srgbClr val="262626"/>
-              </a:solidFill>
-            </a:endParaRPr>
-          </a:p>
-          <a:p>
-            <a:pPr marL="228600" lvl="0" indent="-228600" defTabSz="342900">
-              <a:lnSpc>
-                <a:spcPct val="120000"/>
-              </a:lnSpc>
-              <a:buFont typeface="Arial" panose="020B0604020202020204" pitchFamily="34" charset="0"/>
-              <a:buChar char="•"/>
-            </a:pPr>
-            <a:endParaRPr lang="en-US" altLang="en-US" sz="1540" dirty="0">
-              <a:solidFill>
-                <a:srgbClr val="262626"/>
-              </a:solidFill>
-            </a:endParaRPr>
-          </a:p>
-          <a:p>
-            <a:pPr marL="0" lvl="0" indent="0" defTabSz="342900">
-              <a:lnSpc>
-                <a:spcPct val="120000"/>
-              </a:lnSpc>
-              <a:buFont typeface="Arial" panose="020B0604020202020204" pitchFamily="34" charset="0"/>
-              <a:buNone/>
-            </a:pPr>
+              <a:t>: https://dag.ipfs.io/</a:t>
+            </a:r>
             <a:endParaRPr lang="en-US" altLang="en-US" sz="1540" dirty="0">
               <a:solidFill>
                 <a:srgbClr val="262626"/>
@@ -7714,7 +7526,7 @@
       </p:sp>
       <p:pic>
         <p:nvPicPr>
-          <p:cNvPr id="4" name="图片 3"/>
+          <p:cNvPr id="6" name="图片 5" descr="800px-Hash_Tree.svg"/>
           <p:cNvPicPr>
             <a:picLocks noChangeAspect="1"/>
           </p:cNvPicPr>
@@ -7728,8 +7540,8 @@
         </p:blipFill>
         <p:spPr>
           <a:xfrm>
-            <a:off x="628650" y="2785745"/>
-            <a:ext cx="5133975" cy="3657600"/>
+            <a:off x="501650" y="2311400"/>
+            <a:ext cx="7620000" cy="4848225"/>
           </a:xfrm>
           <a:prstGeom prst="rect">
             <a:avLst/>
@@ -7789,7 +7601,7 @@
                 <a:latin typeface="Calibri" panose="020F0502020204030204" pitchFamily="34" charset="0"/>
                 <a:cs typeface="Calibri" panose="020F0502020204030204" pitchFamily="34" charset="0"/>
               </a:rPr>
-              <a:t>IPFS Cluster</a:t>
+              <a:t>IPFS</a:t>
             </a:r>
             <a:endParaRPr lang="en-US" sz="3200" b="1" dirty="0">
               <a:latin typeface="Calibri" panose="020F0502020204030204" pitchFamily="34" charset="0"/>
@@ -7833,7 +7645,7 @@
                   <a:srgbClr val="262626"/>
                 </a:solidFill>
               </a:rPr>
-              <a:t>IPFS Cluster</a:t>
+              <a:t>Drawback:</a:t>
             </a:r>
             <a:endParaRPr lang="en-US" altLang="en-US" sz="1540" dirty="0">
               <a:solidFill>
@@ -7855,7 +7667,7 @@
                   <a:srgbClr val="262626"/>
                 </a:solidFill>
               </a:rPr>
-              <a:t>how to build your CDN using IPFS cluster?</a:t>
+              <a:t>if there are only 4 nodes cache the file, and if the went offline, then you will never be able to retrive the file</a:t>
             </a:r>
             <a:endParaRPr lang="en-US" altLang="en-US" sz="1540" dirty="0">
               <a:solidFill>
@@ -7877,58 +7689,8 @@
                   <a:srgbClr val="262626"/>
                 </a:solidFill>
               </a:rPr>
-              <a:t>Step 3.1:</a:t>
-            </a:r>
-            <a:endParaRPr lang="en-US" altLang="en-US" sz="1540" dirty="0">
-              <a:solidFill>
-                <a:srgbClr val="262626"/>
-              </a:solidFill>
-            </a:endParaRPr>
-          </a:p>
-          <a:p>
-            <a:pPr marL="228600" lvl="0" indent="-228600" defTabSz="342900">
-              <a:lnSpc>
-                <a:spcPct val="120000"/>
-              </a:lnSpc>
-              <a:buFont typeface="Arial" panose="020B0604020202020204" pitchFamily="34" charset="0"/>
-              <a:buChar char="•"/>
-            </a:pPr>
-            <a:r>
-              <a:rPr lang="en-US" altLang="en-US" sz="1540" dirty="0">
-                <a:solidFill>
-                  <a:srgbClr val="262626"/>
-                </a:solidFill>
-              </a:rPr>
-              <a:t>СlouDNS,Zilore, Amazon Route 53, Cloudflare</a:t>
-            </a:r>
-            <a:endParaRPr lang="en-US" altLang="en-US" sz="1540" dirty="0">
-              <a:solidFill>
-                <a:srgbClr val="262626"/>
-              </a:solidFill>
-            </a:endParaRPr>
-          </a:p>
-          <a:p>
-            <a:pPr marL="228600" lvl="0" indent="-228600" defTabSz="342900">
-              <a:lnSpc>
-                <a:spcPct val="120000"/>
-              </a:lnSpc>
-              <a:buFont typeface="Arial" panose="020B0604020202020204" pitchFamily="34" charset="0"/>
-              <a:buChar char="•"/>
-            </a:pPr>
-            <a:endParaRPr lang="en-US" altLang="en-US" sz="1540" dirty="0">
-              <a:solidFill>
-                <a:srgbClr val="262626"/>
-              </a:solidFill>
-            </a:endParaRPr>
-          </a:p>
-          <a:p>
-            <a:pPr marL="0" lvl="0" indent="0" defTabSz="342900">
-              <a:lnSpc>
-                <a:spcPct val="120000"/>
-              </a:lnSpc>
-              <a:buFont typeface="Arial" panose="020B0604020202020204" pitchFamily="34" charset="0"/>
-              <a:buNone/>
-            </a:pPr>
+              <a:t>1 file coin; 2 set up your gateway services</a:t>
+            </a:r>
             <a:endParaRPr lang="en-US" altLang="en-US" sz="1540" dirty="0">
               <a:solidFill>
                 <a:srgbClr val="262626"/>
@@ -7939,7 +7701,7 @@
       </p:sp>
       <p:pic>
         <p:nvPicPr>
-          <p:cNvPr id="5" name="图片 4"/>
+          <p:cNvPr id="4" name="图片 3"/>
           <p:cNvPicPr>
             <a:picLocks noChangeAspect="1"/>
           </p:cNvPicPr>
@@ -7953,8 +7715,8 @@
         </p:blipFill>
         <p:spPr>
           <a:xfrm>
-            <a:off x="628650" y="2632710"/>
-            <a:ext cx="5648325" cy="3962400"/>
+            <a:off x="823595" y="2499360"/>
+            <a:ext cx="7496175" cy="4095750"/>
           </a:xfrm>
           <a:prstGeom prst="rect">
             <a:avLst/>
@@ -8014,7 +7776,7 @@
                 <a:latin typeface="Calibri" panose="020F0502020204030204" pitchFamily="34" charset="0"/>
                 <a:cs typeface="Calibri" panose="020F0502020204030204" pitchFamily="34" charset="0"/>
               </a:rPr>
-              <a:t>OrbitDB</a:t>
+              <a:t>IPFS component</a:t>
             </a:r>
             <a:endParaRPr lang="en-US" sz="3200" b="1" dirty="0">
               <a:latin typeface="Calibri" panose="020F0502020204030204" pitchFamily="34" charset="0"/>
@@ -8058,78 +7820,30 @@
                   <a:srgbClr val="262626"/>
                 </a:solidFill>
               </a:rPr>
-              <a:t>OrbitDB is a serverless, distributed, peer-to-peer database. OrbitDB uses IPFS as its data storage and IPFS Pubsub to automatically sync databases with peers. </a:t>
-            </a:r>
-            <a:endParaRPr lang="en-US" altLang="en-US" sz="1540" dirty="0">
-              <a:solidFill>
-                <a:srgbClr val="262626"/>
-              </a:solidFill>
-            </a:endParaRPr>
-          </a:p>
-          <a:p>
-            <a:pPr marL="228600" lvl="0" indent="-228600" defTabSz="342900">
-              <a:lnSpc>
-                <a:spcPct val="120000"/>
-              </a:lnSpc>
-              <a:buFont typeface="Arial" panose="020B0604020202020204" pitchFamily="34" charset="0"/>
-              <a:buChar char="•"/>
-            </a:pPr>
-            <a:endParaRPr lang="en-US" altLang="en-US" sz="1540" dirty="0">
-              <a:solidFill>
-                <a:srgbClr val="262626"/>
-              </a:solidFill>
-            </a:endParaRPr>
-          </a:p>
-          <a:p>
-            <a:pPr marL="228600" lvl="0" indent="-228600" defTabSz="342900">
-              <a:lnSpc>
-                <a:spcPct val="120000"/>
-              </a:lnSpc>
-              <a:buFont typeface="Arial" panose="020B0604020202020204" pitchFamily="34" charset="0"/>
-              <a:buChar char="•"/>
-            </a:pPr>
-            <a:endParaRPr lang="en-US" altLang="en-US" sz="1540" dirty="0">
-              <a:solidFill>
-                <a:srgbClr val="262626"/>
-              </a:solidFill>
-            </a:endParaRPr>
-          </a:p>
-          <a:p>
-            <a:pPr marL="228600" lvl="0" indent="-228600" defTabSz="342900">
-              <a:lnSpc>
-                <a:spcPct val="120000"/>
-              </a:lnSpc>
-              <a:buFont typeface="Arial" panose="020B0604020202020204" pitchFamily="34" charset="0"/>
-              <a:buChar char="•"/>
-            </a:pPr>
-            <a:endParaRPr lang="en-US" altLang="en-US" sz="1540" dirty="0">
-              <a:solidFill>
-                <a:srgbClr val="262626"/>
-              </a:solidFill>
-            </a:endParaRPr>
-          </a:p>
-          <a:p>
-            <a:pPr marL="228600" lvl="0" indent="-228600" defTabSz="342900">
-              <a:lnSpc>
-                <a:spcPct val="120000"/>
-              </a:lnSpc>
-              <a:buFont typeface="Arial" panose="020B0604020202020204" pitchFamily="34" charset="0"/>
-              <a:buChar char="•"/>
-            </a:pPr>
-            <a:endParaRPr lang="en-US" altLang="en-US" sz="1540" dirty="0">
-              <a:solidFill>
-                <a:srgbClr val="262626"/>
-              </a:solidFill>
-            </a:endParaRPr>
-          </a:p>
-          <a:p>
-            <a:pPr marL="228600" lvl="0" indent="-228600" defTabSz="342900">
-              <a:lnSpc>
-                <a:spcPct val="120000"/>
-              </a:lnSpc>
-              <a:buFont typeface="Arial" panose="020B0604020202020204" pitchFamily="34" charset="0"/>
-              <a:buChar char="•"/>
-            </a:pPr>
+              <a:t>1 Content discovery via distributed hash tables (DHTs)</a:t>
+            </a:r>
+            <a:endParaRPr lang="en-US" altLang="en-US" sz="1540" dirty="0">
+              <a:solidFill>
+                <a:srgbClr val="262626"/>
+              </a:solidFill>
+            </a:endParaRPr>
+          </a:p>
+          <a:p>
+            <a:pPr marL="228600" lvl="0" indent="-228600" defTabSz="342900">
+              <a:lnSpc>
+                <a:spcPct val="120000"/>
+              </a:lnSpc>
+              <a:buFont typeface="Arial" panose="020B0604020202020204" pitchFamily="34" charset="0"/>
+              <a:buChar char="•"/>
+            </a:pPr>
+            <a:r>
+              <a:rPr lang="en-US" altLang="en-US" sz="1540" dirty="0">
+                <a:solidFill>
+                  <a:srgbClr val="262626"/>
+                </a:solidFill>
+              </a:rPr>
+              <a:t>To find which peers are hosting the content you're after (discovery), IPFS uses a distributed hash table, or DHT</a:t>
+            </a:r>
             <a:endParaRPr lang="en-US" altLang="en-US" sz="1540" dirty="0">
               <a:solidFill>
                 <a:srgbClr val="262626"/>
@@ -8145,6 +7859,126 @@
               <a:buNone/>
             </a:pPr>
             <a:endParaRPr lang="en-US" altLang="en-US" sz="1540" dirty="0">
+              <a:solidFill>
+                <a:srgbClr val="262626"/>
+              </a:solidFill>
+            </a:endParaRPr>
+          </a:p>
+          <a:p>
+            <a:pPr marL="0" lvl="0" indent="0" defTabSz="342900">
+              <a:lnSpc>
+                <a:spcPct val="120000"/>
+              </a:lnSpc>
+              <a:buFont typeface="Arial" panose="020B0604020202020204" pitchFamily="34" charset="0"/>
+              <a:buNone/>
+            </a:pPr>
+            <a:endParaRPr lang="en-US" altLang="en-US" sz="1540" dirty="0">
+              <a:solidFill>
+                <a:srgbClr val="262626"/>
+              </a:solidFill>
+            </a:endParaRPr>
+          </a:p>
+          <a:p>
+            <a:pPr marL="0" lvl="0" indent="0" defTabSz="342900">
+              <a:lnSpc>
+                <a:spcPct val="120000"/>
+              </a:lnSpc>
+              <a:buFont typeface="Arial" panose="020B0604020202020204" pitchFamily="34" charset="0"/>
+              <a:buNone/>
+            </a:pPr>
+            <a:endParaRPr lang="en-US" altLang="en-US" sz="1540" dirty="0">
+              <a:solidFill>
+                <a:srgbClr val="262626"/>
+              </a:solidFill>
+            </a:endParaRPr>
+          </a:p>
+          <a:p>
+            <a:pPr marL="0" lvl="0" indent="0" defTabSz="342900">
+              <a:lnSpc>
+                <a:spcPct val="120000"/>
+              </a:lnSpc>
+              <a:buFont typeface="Arial" panose="020B0604020202020204" pitchFamily="34" charset="0"/>
+              <a:buNone/>
+            </a:pPr>
+            <a:endParaRPr lang="en-US" altLang="en-US" sz="1540" dirty="0">
+              <a:solidFill>
+                <a:srgbClr val="262626"/>
+              </a:solidFill>
+            </a:endParaRPr>
+          </a:p>
+          <a:p>
+            <a:pPr marL="0" lvl="0" indent="0" defTabSz="342900">
+              <a:lnSpc>
+                <a:spcPct val="120000"/>
+              </a:lnSpc>
+              <a:buFont typeface="Arial" panose="020B0604020202020204" pitchFamily="34" charset="0"/>
+              <a:buNone/>
+            </a:pPr>
+            <a:endParaRPr lang="en-US" altLang="en-US" sz="1540" dirty="0">
+              <a:solidFill>
+                <a:srgbClr val="262626"/>
+              </a:solidFill>
+            </a:endParaRPr>
+          </a:p>
+          <a:p>
+            <a:pPr marL="0" lvl="0" indent="0" defTabSz="342900">
+              <a:lnSpc>
+                <a:spcPct val="120000"/>
+              </a:lnSpc>
+              <a:buFont typeface="Arial" panose="020B0604020202020204" pitchFamily="34" charset="0"/>
+              <a:buNone/>
+            </a:pPr>
+            <a:endParaRPr lang="en-US" altLang="en-US" sz="1540" dirty="0">
+              <a:solidFill>
+                <a:srgbClr val="262626"/>
+              </a:solidFill>
+            </a:endParaRPr>
+          </a:p>
+          <a:p>
+            <a:pPr marL="0" lvl="0" indent="0" defTabSz="342900">
+              <a:lnSpc>
+                <a:spcPct val="120000"/>
+              </a:lnSpc>
+              <a:buFont typeface="Arial" panose="020B0604020202020204" pitchFamily="34" charset="0"/>
+              <a:buNone/>
+            </a:pPr>
+            <a:endParaRPr lang="en-US" altLang="en-US" sz="1540" dirty="0">
+              <a:solidFill>
+                <a:srgbClr val="262626"/>
+              </a:solidFill>
+            </a:endParaRPr>
+          </a:p>
+          <a:p>
+            <a:pPr marL="0" lvl="0" indent="0" defTabSz="342900">
+              <a:lnSpc>
+                <a:spcPct val="120000"/>
+              </a:lnSpc>
+              <a:buFont typeface="Arial" panose="020B0604020202020204" pitchFamily="34" charset="0"/>
+              <a:buNone/>
+            </a:pPr>
+            <a:endParaRPr lang="en-US" altLang="en-US" sz="1540" dirty="0">
+              <a:solidFill>
+                <a:srgbClr val="262626"/>
+              </a:solidFill>
+            </a:endParaRPr>
+          </a:p>
+          <a:p>
+            <a:pPr marL="0" lvl="0" indent="0" defTabSz="342900">
+              <a:lnSpc>
+                <a:spcPct val="120000"/>
+              </a:lnSpc>
+              <a:buFont typeface="Arial" panose="020B0604020202020204" pitchFamily="34" charset="0"/>
+              <a:buNone/>
+            </a:pPr>
+            <a:r>
+              <a:rPr lang="en-US" altLang="zh-CN" sz="1540" dirty="0">
+                <a:solidFill>
+                  <a:srgbClr val="262626"/>
+                </a:solidFill>
+              </a:rPr>
+              <a:t>store this hash in the nearest node id</a:t>
+            </a:r>
+            <a:endParaRPr lang="en-US" altLang="zh-CN" sz="1540" dirty="0">
               <a:solidFill>
                 <a:srgbClr val="262626"/>
               </a:solidFill>
@@ -8168,8 +8002,32 @@
         </p:blipFill>
         <p:spPr>
           <a:xfrm>
-            <a:off x="628650" y="1770380"/>
-            <a:ext cx="5372100" cy="4953000"/>
+            <a:off x="504825" y="2156460"/>
+            <a:ext cx="8134350" cy="2714625"/>
+          </a:xfrm>
+          <a:prstGeom prst="rect">
+            <a:avLst/>
+          </a:prstGeom>
+        </p:spPr>
+      </p:pic>
+      <p:pic>
+        <p:nvPicPr>
+          <p:cNvPr id="6" name="图片 5"/>
+          <p:cNvPicPr>
+            <a:picLocks noChangeAspect="1"/>
+          </p:cNvPicPr>
+          <p:nvPr/>
+        </p:nvPicPr>
+        <p:blipFill>
+          <a:blip r:embed="rId2"/>
+          <a:stretch>
+            <a:fillRect/>
+          </a:stretch>
+        </p:blipFill>
+        <p:spPr>
+          <a:xfrm>
+            <a:off x="628650" y="5728335"/>
+            <a:ext cx="7048500" cy="866775"/>
           </a:xfrm>
           <a:prstGeom prst="rect">
             <a:avLst/>
@@ -8229,7 +8087,7 @@
                 <a:latin typeface="Calibri" panose="020F0502020204030204" pitchFamily="34" charset="0"/>
                 <a:cs typeface="Calibri" panose="020F0502020204030204" pitchFamily="34" charset="0"/>
               </a:rPr>
-              <a:t>OrbitDB</a:t>
+              <a:t>IPFS</a:t>
             </a:r>
             <a:endParaRPr lang="en-US" sz="3200" b="1" dirty="0">
               <a:latin typeface="Calibri" panose="020F0502020204030204" pitchFamily="34" charset="0"/>
@@ -8273,28 +8131,151 @@
                   <a:srgbClr val="262626"/>
                 </a:solidFill>
               </a:rPr>
-              <a:t>Data Type:</a:t>
-            </a:r>
-            <a:endParaRPr lang="en-US" altLang="en-US" sz="1540" dirty="0">
-              <a:solidFill>
-                <a:srgbClr val="262626"/>
-              </a:solidFill>
-            </a:endParaRPr>
-          </a:p>
-          <a:p>
-            <a:pPr marL="228600" lvl="0" indent="-228600" defTabSz="342900">
-              <a:lnSpc>
-                <a:spcPct val="120000"/>
-              </a:lnSpc>
-              <a:buFont typeface="Arial" panose="020B0604020202020204" pitchFamily="34" charset="0"/>
-              <a:buChar char="•"/>
-            </a:pPr>
-            <a:endParaRPr lang="en-US" altLang="en-US" sz="1540" dirty="0">
-              <a:solidFill>
-                <a:srgbClr val="262626"/>
-              </a:solidFill>
-            </a:endParaRPr>
-          </a:p>
+              <a:t>2 What makes libp2p especially useful for peer to peer connections is connection multiplexing</a:t>
+            </a:r>
+            <a:endParaRPr lang="en-US" altLang="en-US" sz="1540" dirty="0">
+              <a:solidFill>
+                <a:srgbClr val="262626"/>
+              </a:solidFill>
+            </a:endParaRPr>
+          </a:p>
+          <a:p>
+            <a:pPr marL="228600" lvl="0" indent="-228600" defTabSz="342900">
+              <a:lnSpc>
+                <a:spcPct val="120000"/>
+              </a:lnSpc>
+              <a:buFont typeface="Arial" panose="020B0604020202020204" pitchFamily="34" charset="0"/>
+              <a:buChar char="•"/>
+            </a:pPr>
+            <a:endParaRPr lang="en-US" altLang="en-US" sz="1540" dirty="0">
+              <a:solidFill>
+                <a:srgbClr val="262626"/>
+              </a:solidFill>
+            </a:endParaRPr>
+          </a:p>
+          <a:p>
+            <a:pPr marL="0" lvl="0" indent="0" defTabSz="342900">
+              <a:lnSpc>
+                <a:spcPct val="120000"/>
+              </a:lnSpc>
+              <a:buFont typeface="Arial" panose="020B0604020202020204" pitchFamily="34" charset="0"/>
+              <a:buNone/>
+            </a:pPr>
+            <a:endParaRPr lang="en-US" altLang="en-US" sz="1540" dirty="0">
+              <a:solidFill>
+                <a:srgbClr val="262626"/>
+              </a:solidFill>
+            </a:endParaRPr>
+          </a:p>
+        </p:txBody>
+      </p:sp>
+      <p:pic>
+        <p:nvPicPr>
+          <p:cNvPr id="7" name="图片 6"/>
+          <p:cNvPicPr>
+            <a:picLocks noChangeAspect="1"/>
+          </p:cNvPicPr>
+          <p:nvPr/>
+        </p:nvPicPr>
+        <p:blipFill>
+          <a:blip r:embed="rId1"/>
+          <a:stretch>
+            <a:fillRect/>
+          </a:stretch>
+        </p:blipFill>
+        <p:spPr>
+          <a:xfrm>
+            <a:off x="845185" y="1839595"/>
+            <a:ext cx="7058025" cy="3905250"/>
+          </a:xfrm>
+          <a:prstGeom prst="rect">
+            <a:avLst/>
+          </a:prstGeom>
+        </p:spPr>
+      </p:pic>
+    </p:spTree>
+  </p:cSld>
+  <p:clrMapOvr>
+    <a:masterClrMapping/>
+  </p:clrMapOvr>
+</p:sld>
+</file>
+
+<file path=ppt/slides/slide15.xml><?xml version="1.0" encoding="utf-8"?>
+<p:sld xmlns:a="http://schemas.openxmlformats.org/drawingml/2006/main" xmlns:r="http://schemas.openxmlformats.org/officeDocument/2006/relationships" xmlns:p="http://schemas.openxmlformats.org/presentationml/2006/main">
+  <p:cSld>
+    <p:spTree>
+      <p:nvGrpSpPr>
+        <p:cNvPr id="1" name=""/>
+        <p:cNvGrpSpPr/>
+        <p:nvPr/>
+      </p:nvGrpSpPr>
+      <p:grpSpPr>
+        <a:xfrm>
+          <a:off x="0" y="0"/>
+          <a:ext cx="0" cy="0"/>
+          <a:chOff x="0" y="0"/>
+          <a:chExt cx="0" cy="0"/>
+        </a:xfrm>
+      </p:grpSpPr>
+      <p:sp>
+        <p:nvSpPr>
+          <p:cNvPr id="2" name="Title 1"/>
+          <p:cNvSpPr>
+            <a:spLocks noGrp="1"/>
+          </p:cNvSpPr>
+          <p:nvPr>
+            <p:ph type="title"/>
+          </p:nvPr>
+        </p:nvSpPr>
+        <p:spPr>
+          <a:xfrm>
+            <a:off x="628650" y="155263"/>
+            <a:ext cx="7886700" cy="526790"/>
+          </a:xfrm>
+        </p:spPr>
+        <p:txBody>
+          <a:bodyPr>
+            <a:normAutofit fontScale="90000"/>
+          </a:bodyPr>
+          <a:lstStyle/>
+          <a:p>
+            <a:pPr algn="ctr"/>
+            <a:r>
+              <a:rPr lang="en-US" sz="3200" b="1" dirty="0">
+                <a:latin typeface="Calibri" panose="020F0502020204030204" pitchFamily="34" charset="0"/>
+                <a:cs typeface="Calibri" panose="020F0502020204030204" pitchFamily="34" charset="0"/>
+              </a:rPr>
+              <a:t>IPFS</a:t>
+            </a:r>
+            <a:endParaRPr lang="en-US" sz="3200" b="1" dirty="0">
+              <a:latin typeface="Calibri" panose="020F0502020204030204" pitchFamily="34" charset="0"/>
+              <a:cs typeface="Calibri" panose="020F0502020204030204" pitchFamily="34" charset="0"/>
+            </a:endParaRPr>
+          </a:p>
+        </p:txBody>
+      </p:sp>
+      <p:sp>
+        <p:nvSpPr>
+          <p:cNvPr id="3" name="Content Placeholder 2"/>
+          <p:cNvSpPr>
+            <a:spLocks noGrp="1"/>
+          </p:cNvSpPr>
+          <p:nvPr>
+            <p:ph idx="1"/>
+          </p:nvPr>
+        </p:nvSpPr>
+        <p:spPr>
+          <a:xfrm>
+            <a:off x="628650" y="989044"/>
+            <a:ext cx="7886700" cy="5605719"/>
+          </a:xfrm>
+        </p:spPr>
+        <p:txBody>
+          <a:bodyPr>
+            <a:normAutofit lnSpcReduction="10000"/>
+          </a:bodyPr>
+          <a:lstStyle/>
           <a:p>
             <a:pPr marL="228600" lvl="0" indent="-228600" defTabSz="342900">
               <a:lnSpc>
@@ -8309,7 +8290,7 @@
                   <a:srgbClr val="262626"/>
                 </a:solidFill>
               </a:rPr>
-              <a:t>    Key-Value</a:t>
+              <a:t>2 What makes libp2p especially useful for peer to peer connections is connection multiplexing</a:t>
             </a:r>
             <a:endParaRPr lang="en-US" altLang="en-US" sz="1540" dirty="0">
               <a:solidFill>
@@ -8331,14 +8312,161 @@
                   <a:srgbClr val="262626"/>
                 </a:solidFill>
               </a:rPr>
-              <a:t>    Log (append-only log)</a:t>
-            </a:r>
-            <a:endParaRPr lang="en-US" altLang="en-US" sz="1540" dirty="0">
-              <a:solidFill>
-                <a:srgbClr val="262626"/>
-              </a:solidFill>
-            </a:endParaRPr>
-          </a:p>
+              <a:t>all of these protocals can coexist and used in the same application, like api, easy to plug and play</a:t>
+            </a:r>
+            <a:endParaRPr lang="en-US" altLang="en-US" sz="1540" dirty="0">
+              <a:solidFill>
+                <a:srgbClr val="262626"/>
+              </a:solidFill>
+            </a:endParaRPr>
+          </a:p>
+          <a:p>
+            <a:pPr marL="0" lvl="0" indent="0" defTabSz="342900">
+              <a:lnSpc>
+                <a:spcPct val="120000"/>
+              </a:lnSpc>
+              <a:buFont typeface="Arial" panose="020B0604020202020204" pitchFamily="34" charset="0"/>
+              <a:buNone/>
+            </a:pPr>
+            <a:endParaRPr lang="en-US" altLang="en-US" sz="1540" dirty="0">
+              <a:solidFill>
+                <a:srgbClr val="262626"/>
+              </a:solidFill>
+            </a:endParaRPr>
+          </a:p>
+        </p:txBody>
+      </p:sp>
+      <p:pic>
+        <p:nvPicPr>
+          <p:cNvPr id="4" name="图片 3"/>
+          <p:cNvPicPr>
+            <a:picLocks noChangeAspect="1"/>
+          </p:cNvPicPr>
+          <p:nvPr/>
+        </p:nvPicPr>
+        <p:blipFill>
+          <a:blip r:embed="rId1"/>
+          <a:stretch>
+            <a:fillRect/>
+          </a:stretch>
+        </p:blipFill>
+        <p:spPr>
+          <a:xfrm>
+            <a:off x="0" y="1984375"/>
+            <a:ext cx="4103370" cy="1847215"/>
+          </a:xfrm>
+          <a:prstGeom prst="rect">
+            <a:avLst/>
+          </a:prstGeom>
+        </p:spPr>
+      </p:pic>
+      <p:pic>
+        <p:nvPicPr>
+          <p:cNvPr id="5" name="图片 4"/>
+          <p:cNvPicPr>
+            <a:picLocks noChangeAspect="1"/>
+          </p:cNvPicPr>
+          <p:nvPr/>
+        </p:nvPicPr>
+        <p:blipFill>
+          <a:blip r:embed="rId2"/>
+          <a:stretch>
+            <a:fillRect/>
+          </a:stretch>
+        </p:blipFill>
+        <p:spPr>
+          <a:xfrm>
+            <a:off x="3310255" y="3258185"/>
+            <a:ext cx="5937885" cy="3599815"/>
+          </a:xfrm>
+          <a:prstGeom prst="rect">
+            <a:avLst/>
+          </a:prstGeom>
+        </p:spPr>
+      </p:pic>
+    </p:spTree>
+  </p:cSld>
+  <p:clrMapOvr>
+    <a:masterClrMapping/>
+  </p:clrMapOvr>
+</p:sld>
+</file>
+
+<file path=ppt/slides/slide16.xml><?xml version="1.0" encoding="utf-8"?>
+<p:sld xmlns:a="http://schemas.openxmlformats.org/drawingml/2006/main" xmlns:r="http://schemas.openxmlformats.org/officeDocument/2006/relationships" xmlns:p="http://schemas.openxmlformats.org/presentationml/2006/main">
+  <p:cSld>
+    <p:spTree>
+      <p:nvGrpSpPr>
+        <p:cNvPr id="1" name=""/>
+        <p:cNvGrpSpPr/>
+        <p:nvPr/>
+      </p:nvGrpSpPr>
+      <p:grpSpPr>
+        <a:xfrm>
+          <a:off x="0" y="0"/>
+          <a:ext cx="0" cy="0"/>
+          <a:chOff x="0" y="0"/>
+          <a:chExt cx="0" cy="0"/>
+        </a:xfrm>
+      </p:grpSpPr>
+      <p:sp>
+        <p:nvSpPr>
+          <p:cNvPr id="2" name="Title 1"/>
+          <p:cNvSpPr>
+            <a:spLocks noGrp="1"/>
+          </p:cNvSpPr>
+          <p:nvPr>
+            <p:ph type="title"/>
+          </p:nvPr>
+        </p:nvSpPr>
+        <p:spPr>
+          <a:xfrm>
+            <a:off x="628650" y="155263"/>
+            <a:ext cx="7886700" cy="526790"/>
+          </a:xfrm>
+        </p:spPr>
+        <p:txBody>
+          <a:bodyPr>
+            <a:normAutofit fontScale="90000"/>
+          </a:bodyPr>
+          <a:lstStyle/>
+          <a:p>
+            <a:pPr algn="ctr"/>
+            <a:r>
+              <a:rPr lang="en-US" sz="3200" b="1" dirty="0">
+                <a:latin typeface="Calibri" panose="020F0502020204030204" pitchFamily="34" charset="0"/>
+                <a:cs typeface="Calibri" panose="020F0502020204030204" pitchFamily="34" charset="0"/>
+              </a:rPr>
+              <a:t>IPFS</a:t>
+            </a:r>
+            <a:endParaRPr lang="en-US" sz="3200" b="1" dirty="0">
+              <a:latin typeface="Calibri" panose="020F0502020204030204" pitchFamily="34" charset="0"/>
+              <a:cs typeface="Calibri" panose="020F0502020204030204" pitchFamily="34" charset="0"/>
+            </a:endParaRPr>
+          </a:p>
+        </p:txBody>
+      </p:sp>
+      <p:sp>
+        <p:nvSpPr>
+          <p:cNvPr id="3" name="Content Placeholder 2"/>
+          <p:cNvSpPr>
+            <a:spLocks noGrp="1"/>
+          </p:cNvSpPr>
+          <p:nvPr>
+            <p:ph idx="1"/>
+          </p:nvPr>
+        </p:nvSpPr>
+        <p:spPr>
+          <a:xfrm>
+            <a:off x="628650" y="989044"/>
+            <a:ext cx="7886700" cy="5605719"/>
+          </a:xfrm>
+        </p:spPr>
+        <p:txBody>
+          <a:bodyPr>
+            <a:normAutofit lnSpcReduction="10000"/>
+          </a:bodyPr>
+          <a:lstStyle/>
           <a:p>
             <a:pPr marL="228600" lvl="0" indent="-228600" defTabSz="342900">
               <a:lnSpc>
@@ -8353,14 +8481,189 @@
                   <a:srgbClr val="262626"/>
                 </a:solidFill>
               </a:rPr>
-              <a:t>    Feed (same as log database but entries can be removed)</a:t>
-            </a:r>
-            <a:endParaRPr lang="en-US" altLang="en-US" sz="1540" dirty="0">
-              <a:solidFill>
-                <a:srgbClr val="262626"/>
-              </a:solidFill>
-            </a:endParaRPr>
-          </a:p>
+              <a:t>3 Bitswap allows you to connect to the peer or peers that have the content you want, send them your wantlist  and have them send you the blocks you requested.</a:t>
+            </a:r>
+            <a:endParaRPr lang="en-US" altLang="en-US" sz="1540" dirty="0">
+              <a:solidFill>
+                <a:srgbClr val="262626"/>
+              </a:solidFill>
+            </a:endParaRPr>
+          </a:p>
+          <a:p>
+            <a:pPr marL="228600" lvl="0" indent="-228600" defTabSz="342900">
+              <a:lnSpc>
+                <a:spcPct val="120000"/>
+              </a:lnSpc>
+              <a:buFont typeface="Arial" panose="020B0604020202020204" pitchFamily="34" charset="0"/>
+              <a:buChar char="•"/>
+            </a:pPr>
+            <a:endParaRPr lang="en-US" altLang="en-US" sz="1540" dirty="0">
+              <a:solidFill>
+                <a:srgbClr val="262626"/>
+              </a:solidFill>
+            </a:endParaRPr>
+          </a:p>
+          <a:p>
+            <a:pPr marL="228600" lvl="0" indent="-228600" defTabSz="342900">
+              <a:lnSpc>
+                <a:spcPct val="120000"/>
+              </a:lnSpc>
+              <a:buFont typeface="Arial" panose="020B0604020202020204" pitchFamily="34" charset="0"/>
+              <a:buChar char="•"/>
+            </a:pPr>
+            <a:endParaRPr lang="en-US" altLang="en-US" sz="1540" dirty="0">
+              <a:solidFill>
+                <a:srgbClr val="262626"/>
+              </a:solidFill>
+            </a:endParaRPr>
+          </a:p>
+          <a:p>
+            <a:pPr marL="0" lvl="0" indent="0" defTabSz="342900">
+              <a:lnSpc>
+                <a:spcPct val="120000"/>
+              </a:lnSpc>
+              <a:buFont typeface="Arial" panose="020B0604020202020204" pitchFamily="34" charset="0"/>
+              <a:buNone/>
+            </a:pPr>
+            <a:endParaRPr lang="en-US" altLang="en-US" sz="1540" dirty="0">
+              <a:solidFill>
+                <a:srgbClr val="262626"/>
+              </a:solidFill>
+            </a:endParaRPr>
+          </a:p>
+        </p:txBody>
+      </p:sp>
+      <p:pic>
+        <p:nvPicPr>
+          <p:cNvPr id="5" name="图片 4"/>
+          <p:cNvPicPr>
+            <a:picLocks noChangeAspect="1"/>
+          </p:cNvPicPr>
+          <p:nvPr/>
+        </p:nvPicPr>
+        <p:blipFill>
+          <a:blip r:embed="rId1"/>
+          <a:stretch>
+            <a:fillRect/>
+          </a:stretch>
+        </p:blipFill>
+        <p:spPr>
+          <a:xfrm>
+            <a:off x="3176905" y="3335020"/>
+            <a:ext cx="5967095" cy="3522980"/>
+          </a:xfrm>
+          <a:prstGeom prst="rect">
+            <a:avLst/>
+          </a:prstGeom>
+        </p:spPr>
+      </p:pic>
+      <p:pic>
+        <p:nvPicPr>
+          <p:cNvPr id="8" name="图片 7"/>
+          <p:cNvPicPr>
+            <a:picLocks noChangeAspect="1"/>
+          </p:cNvPicPr>
+          <p:nvPr/>
+        </p:nvPicPr>
+        <p:blipFill>
+          <a:blip r:embed="rId2"/>
+          <a:stretch>
+            <a:fillRect/>
+          </a:stretch>
+        </p:blipFill>
+        <p:spPr>
+          <a:xfrm>
+            <a:off x="0" y="1660525"/>
+            <a:ext cx="5553075" cy="2181225"/>
+          </a:xfrm>
+          <a:prstGeom prst="rect">
+            <a:avLst/>
+          </a:prstGeom>
+        </p:spPr>
+      </p:pic>
+    </p:spTree>
+  </p:cSld>
+  <p:clrMapOvr>
+    <a:masterClrMapping/>
+  </p:clrMapOvr>
+</p:sld>
+</file>
+
+<file path=ppt/slides/slide17.xml><?xml version="1.0" encoding="utf-8"?>
+<p:sld xmlns:a="http://schemas.openxmlformats.org/drawingml/2006/main" xmlns:r="http://schemas.openxmlformats.org/officeDocument/2006/relationships" xmlns:p="http://schemas.openxmlformats.org/presentationml/2006/main">
+  <p:cSld>
+    <p:spTree>
+      <p:nvGrpSpPr>
+        <p:cNvPr id="1" name=""/>
+        <p:cNvGrpSpPr/>
+        <p:nvPr/>
+      </p:nvGrpSpPr>
+      <p:grpSpPr>
+        <a:xfrm>
+          <a:off x="0" y="0"/>
+          <a:ext cx="0" cy="0"/>
+          <a:chOff x="0" y="0"/>
+          <a:chExt cx="0" cy="0"/>
+        </a:xfrm>
+      </p:grpSpPr>
+      <p:sp>
+        <p:nvSpPr>
+          <p:cNvPr id="2" name="Title 1"/>
+          <p:cNvSpPr>
+            <a:spLocks noGrp="1"/>
+          </p:cNvSpPr>
+          <p:nvPr>
+            <p:ph type="title"/>
+          </p:nvPr>
+        </p:nvSpPr>
+        <p:spPr>
+          <a:xfrm>
+            <a:off x="628650" y="155263"/>
+            <a:ext cx="7886700" cy="526790"/>
+          </a:xfrm>
+        </p:spPr>
+        <p:txBody>
+          <a:bodyPr>
+            <a:normAutofit fontScale="90000"/>
+          </a:bodyPr>
+          <a:lstStyle/>
+          <a:p>
+            <a:pPr algn="ctr"/>
+            <a:r>
+              <a:rPr lang="en-US" sz="3200" b="1" dirty="0">
+                <a:latin typeface="Calibri" panose="020F0502020204030204" pitchFamily="34" charset="0"/>
+                <a:cs typeface="Calibri" panose="020F0502020204030204" pitchFamily="34" charset="0"/>
+              </a:rPr>
+              <a:t>IPFS</a:t>
+            </a:r>
+            <a:endParaRPr lang="en-US" sz="3200" b="1" dirty="0">
+              <a:latin typeface="Calibri" panose="020F0502020204030204" pitchFamily="34" charset="0"/>
+              <a:cs typeface="Calibri" panose="020F0502020204030204" pitchFamily="34" charset="0"/>
+            </a:endParaRPr>
+          </a:p>
+        </p:txBody>
+      </p:sp>
+      <p:sp>
+        <p:nvSpPr>
+          <p:cNvPr id="3" name="Content Placeholder 2"/>
+          <p:cNvSpPr>
+            <a:spLocks noGrp="1"/>
+          </p:cNvSpPr>
+          <p:nvPr>
+            <p:ph idx="1"/>
+          </p:nvPr>
+        </p:nvSpPr>
+        <p:spPr>
+          <a:xfrm>
+            <a:off x="628650" y="989044"/>
+            <a:ext cx="7886700" cy="5605719"/>
+          </a:xfrm>
+        </p:spPr>
+        <p:txBody>
+          <a:bodyPr>
+            <a:normAutofit lnSpcReduction="10000"/>
+          </a:bodyPr>
+          <a:lstStyle/>
           <a:p>
             <a:pPr marL="228600" lvl="0" indent="-228600" defTabSz="342900">
               <a:lnSpc>
@@ -8375,7 +8678,7 @@
                   <a:srgbClr val="262626"/>
                 </a:solidFill>
               </a:rPr>
-              <a:t>    Documents (store indexed JSON documents)</a:t>
+              <a:t>ipfs pin hash</a:t>
             </a:r>
             <a:endParaRPr lang="en-US" altLang="en-US" sz="1540" dirty="0">
               <a:solidFill>
@@ -8397,8 +8700,22 @@
                   <a:srgbClr val="262626"/>
                 </a:solidFill>
               </a:rPr>
-              <a:t>    Counters</a:t>
-            </a:r>
+              <a:t>Pinning is the mechanism that allows you to tell IPFS to always keep a given object somewhere — the default being your local node, though this can be different if you use a third-party remote pinning service.</a:t>
+            </a:r>
+            <a:endParaRPr lang="en-US" altLang="en-US" sz="1540" dirty="0">
+              <a:solidFill>
+                <a:srgbClr val="262626"/>
+              </a:solidFill>
+            </a:endParaRPr>
+          </a:p>
+          <a:p>
+            <a:pPr marL="228600" lvl="0" indent="-228600" defTabSz="342900">
+              <a:lnSpc>
+                <a:spcPct val="120000"/>
+              </a:lnSpc>
+              <a:buFont typeface="Arial" panose="020B0604020202020204" pitchFamily="34" charset="0"/>
+              <a:buChar char="•"/>
+            </a:pPr>
             <a:endParaRPr lang="en-US" altLang="en-US" sz="1540" dirty="0">
               <a:solidFill>
                 <a:srgbClr val="262626"/>
@@ -8419,7 +8736,7 @@
                   <a:srgbClr val="262626"/>
                 </a:solidFill>
               </a:rPr>
-              <a:t>https://github.com/orbitdb/orbit-db/blob/master/API.md#orbitdbkeyvaluenameaddress</a:t>
+              <a:t>ipfs pins:</a:t>
             </a:r>
             <a:endParaRPr lang="en-US" altLang="en-US" sz="1540" dirty="0">
               <a:solidFill>
@@ -8441,23 +8758,29 @@
                   <a:srgbClr val="262626"/>
                 </a:solidFill>
               </a:rPr>
-              <a:t>(</a:t>
-            </a:r>
-            <a:r>
-              <a:rPr lang="en-US" altLang="en-US" sz="1540" dirty="0">
-                <a:solidFill>
-                  <a:srgbClr val="FF0000"/>
-                </a:solidFill>
-              </a:rPr>
-              <a:t>Code Explain</a:t>
-            </a:r>
+              <a:t>A name in IPNS is the hash of a public key. It is associated with a record containing information about the hash it links to that is signed by the corresponding private key. New records can be signed and published at any time.</a:t>
+            </a:r>
+            <a:endParaRPr lang="en-US" altLang="en-US" sz="1540" dirty="0">
+              <a:solidFill>
+                <a:srgbClr val="262626"/>
+              </a:solidFill>
+            </a:endParaRPr>
+          </a:p>
+          <a:p>
+            <a:pPr marL="228600" lvl="0" indent="-228600" defTabSz="342900">
+              <a:lnSpc>
+                <a:spcPct val="120000"/>
+              </a:lnSpc>
+              <a:buFont typeface="Arial" panose="020B0604020202020204" pitchFamily="34" charset="0"/>
+              <a:buChar char="•"/>
+            </a:pPr>
             <a:r>
               <a:rPr lang="en-US" altLang="en-US" sz="1540" dirty="0">
                 <a:solidFill>
                   <a:srgbClr val="262626"/>
                 </a:solidFill>
               </a:rPr>
-              <a:t>)</a:t>
+              <a:t>host a static website, if there are changes use pins</a:t>
             </a:r>
             <a:endParaRPr lang="en-US" altLang="en-US" sz="1540" dirty="0">
               <a:solidFill>
@@ -8493,80 +8816,66 @@
                   <a:srgbClr val="262626"/>
                 </a:solidFill>
               </a:rPr>
-              <a:t>OrbitDB (</a:t>
-            </a:r>
-            <a:r>
-              <a:rPr lang="en-US" altLang="en-US" sz="1540" dirty="0">
-                <a:solidFill>
-                  <a:srgbClr val="FF0000"/>
-                </a:solidFill>
-              </a:rPr>
-              <a:t>Code Demo</a:t>
-            </a:r>
+              <a:t>ipfs name publish /ipfs/QmaMLRsvmDRCezZe2iebcKWtEzKNjBaQfwcu7mcpdm8eY2</a:t>
+            </a:r>
+            <a:endParaRPr lang="en-US" altLang="en-US" sz="1540" dirty="0">
+              <a:solidFill>
+                <a:srgbClr val="262626"/>
+              </a:solidFill>
+            </a:endParaRPr>
+          </a:p>
+          <a:p>
+            <a:pPr marL="228600" lvl="0" indent="-228600" defTabSz="342900">
+              <a:lnSpc>
+                <a:spcPct val="120000"/>
+              </a:lnSpc>
+              <a:buFont typeface="Arial" panose="020B0604020202020204" pitchFamily="34" charset="0"/>
+              <a:buChar char="•"/>
+            </a:pPr>
             <a:r>
               <a:rPr lang="en-US" altLang="en-US" sz="1540" dirty="0">
                 <a:solidFill>
                   <a:srgbClr val="262626"/>
                 </a:solidFill>
               </a:rPr>
-              <a:t>)</a:t>
-            </a:r>
-            <a:endParaRPr lang="en-US" altLang="en-US" sz="1540" dirty="0">
-              <a:solidFill>
-                <a:srgbClr val="262626"/>
-              </a:solidFill>
-            </a:endParaRPr>
-          </a:p>
-          <a:p>
-            <a:pPr marL="228600" lvl="0" indent="-228600" defTabSz="342900">
-              <a:lnSpc>
-                <a:spcPct val="120000"/>
-              </a:lnSpc>
-              <a:buFont typeface="Arial" panose="020B0604020202020204" pitchFamily="34" charset="0"/>
-              <a:buChar char="•"/>
-            </a:pPr>
-            <a:endParaRPr lang="en-US" altLang="en-US" sz="1540" dirty="0">
-              <a:solidFill>
-                <a:srgbClr val="262626"/>
-              </a:solidFill>
-            </a:endParaRPr>
-          </a:p>
-          <a:p>
-            <a:pPr marL="228600" lvl="0" indent="-228600" defTabSz="342900">
-              <a:lnSpc>
-                <a:spcPct val="120000"/>
-              </a:lnSpc>
-              <a:buFont typeface="Arial" panose="020B0604020202020204" pitchFamily="34" charset="0"/>
-              <a:buChar char="•"/>
-            </a:pPr>
-            <a:endParaRPr lang="en-US" altLang="en-US" sz="1540" dirty="0">
-              <a:solidFill>
-                <a:srgbClr val="262626"/>
-              </a:solidFill>
-            </a:endParaRPr>
-          </a:p>
-          <a:p>
-            <a:pPr marL="228600" lvl="0" indent="-228600" defTabSz="342900">
-              <a:lnSpc>
-                <a:spcPct val="120000"/>
-              </a:lnSpc>
-              <a:buFont typeface="Arial" panose="020B0604020202020204" pitchFamily="34" charset="0"/>
-              <a:buChar char="•"/>
-            </a:pPr>
-            <a:endParaRPr lang="en-US" altLang="en-US" sz="1540" dirty="0">
-              <a:solidFill>
-                <a:srgbClr val="262626"/>
-              </a:solidFill>
-            </a:endParaRPr>
-          </a:p>
-          <a:p>
-            <a:pPr marL="228600" lvl="0" indent="-228600" defTabSz="342900">
-              <a:lnSpc>
-                <a:spcPct val="120000"/>
-              </a:lnSpc>
-              <a:buFont typeface="Arial" panose="020B0604020202020204" pitchFamily="34" charset="0"/>
-              <a:buChar char="•"/>
-            </a:pPr>
+              <a:t>&gt; Published to k51qzi5uqu5dkkciu33khkzbcmxtyhn376i1e83tya8kuy7z9euedzyr5nhoew: /ipfs/QmaMLRsvmDRCezZe2iebcKWtEzKNjBaQfwcu7mcpdm8eY2</a:t>
+            </a:r>
+            <a:endParaRPr lang="en-US" altLang="en-US" sz="1540" dirty="0">
+              <a:solidFill>
+                <a:srgbClr val="262626"/>
+              </a:solidFill>
+            </a:endParaRPr>
+          </a:p>
+          <a:p>
+            <a:pPr marL="228600" lvl="0" indent="-228600" defTabSz="342900">
+              <a:lnSpc>
+                <a:spcPct val="120000"/>
+              </a:lnSpc>
+              <a:buFont typeface="Arial" panose="020B0604020202020204" pitchFamily="34" charset="0"/>
+              <a:buChar char="•"/>
+            </a:pPr>
+            <a:endParaRPr lang="en-US" altLang="en-US" sz="1540" dirty="0">
+              <a:solidFill>
+                <a:srgbClr val="262626"/>
+              </a:solidFill>
+            </a:endParaRPr>
+          </a:p>
+          <a:p>
+            <a:pPr marL="228600" lvl="0" indent="-228600" defTabSz="342900">
+              <a:lnSpc>
+                <a:spcPct val="120000"/>
+              </a:lnSpc>
+              <a:buFont typeface="Arial" panose="020B0604020202020204" pitchFamily="34" charset="0"/>
+              <a:buChar char="•"/>
+            </a:pPr>
+            <a:r>
+              <a:rPr lang="en-US" altLang="en-US" sz="1540" dirty="0">
+                <a:solidFill>
+                  <a:srgbClr val="262626"/>
+                </a:solidFill>
+              </a:rPr>
+              <a:t>ipfs add/ ipfs cat </a:t>
+            </a:r>
             <a:endParaRPr lang="en-US" altLang="en-US" sz="1540" dirty="0">
               <a:solidFill>
                 <a:srgbClr val="262626"/>
@@ -8597,7 +8906,2704 @@
 </p:sld>
 </file>
 
-<file path=ppt/slides/slide15.xml><?xml version="1.0" encoding="utf-8"?>
+<file path=ppt/slides/slide18.xml><?xml version="1.0" encoding="utf-8"?>
+<p:sld xmlns:a="http://schemas.openxmlformats.org/drawingml/2006/main" xmlns:r="http://schemas.openxmlformats.org/officeDocument/2006/relationships" xmlns:p="http://schemas.openxmlformats.org/presentationml/2006/main">
+  <p:cSld>
+    <p:spTree>
+      <p:nvGrpSpPr>
+        <p:cNvPr id="1" name=""/>
+        <p:cNvGrpSpPr/>
+        <p:nvPr/>
+      </p:nvGrpSpPr>
+      <p:grpSpPr>
+        <a:xfrm>
+          <a:off x="0" y="0"/>
+          <a:ext cx="0" cy="0"/>
+          <a:chOff x="0" y="0"/>
+          <a:chExt cx="0" cy="0"/>
+        </a:xfrm>
+      </p:grpSpPr>
+      <p:sp>
+        <p:nvSpPr>
+          <p:cNvPr id="2" name="Title 1"/>
+          <p:cNvSpPr>
+            <a:spLocks noGrp="1"/>
+          </p:cNvSpPr>
+          <p:nvPr>
+            <p:ph type="title"/>
+          </p:nvPr>
+        </p:nvSpPr>
+        <p:spPr>
+          <a:xfrm>
+            <a:off x="628650" y="155263"/>
+            <a:ext cx="7886700" cy="526790"/>
+          </a:xfrm>
+        </p:spPr>
+        <p:txBody>
+          <a:bodyPr>
+            <a:normAutofit fontScale="90000"/>
+          </a:bodyPr>
+          <a:lstStyle/>
+          <a:p>
+            <a:pPr algn="ctr"/>
+            <a:r>
+              <a:rPr lang="en-US" sz="3200" b="1" dirty="0">
+                <a:latin typeface="Calibri" panose="020F0502020204030204" pitchFamily="34" charset="0"/>
+                <a:cs typeface="Calibri" panose="020F0502020204030204" pitchFamily="34" charset="0"/>
+              </a:rPr>
+              <a:t>IPFS Cluster</a:t>
+            </a:r>
+            <a:endParaRPr lang="en-US" sz="3200" b="1" dirty="0">
+              <a:latin typeface="Calibri" panose="020F0502020204030204" pitchFamily="34" charset="0"/>
+              <a:cs typeface="Calibri" panose="020F0502020204030204" pitchFamily="34" charset="0"/>
+            </a:endParaRPr>
+          </a:p>
+        </p:txBody>
+      </p:sp>
+      <p:sp>
+        <p:nvSpPr>
+          <p:cNvPr id="3" name="Content Placeholder 2"/>
+          <p:cNvSpPr>
+            <a:spLocks noGrp="1"/>
+          </p:cNvSpPr>
+          <p:nvPr>
+            <p:ph idx="1"/>
+          </p:nvPr>
+        </p:nvSpPr>
+        <p:spPr>
+          <a:xfrm>
+            <a:off x="628650" y="989044"/>
+            <a:ext cx="7886700" cy="5605719"/>
+          </a:xfrm>
+        </p:spPr>
+        <p:txBody>
+          <a:bodyPr>
+            <a:normAutofit lnSpcReduction="10000"/>
+          </a:bodyPr>
+          <a:lstStyle/>
+          <a:p>
+            <a:pPr marL="228600" lvl="0" indent="-228600" defTabSz="342900">
+              <a:lnSpc>
+                <a:spcPct val="120000"/>
+              </a:lnSpc>
+              <a:buFont typeface="Arial" panose="020B0604020202020204" pitchFamily="34" charset="0"/>
+              <a:buChar char="•"/>
+            </a:pPr>
+            <a:r>
+              <a:rPr lang="en-US" altLang="en-US" sz="1540" dirty="0">
+                <a:solidFill>
+                  <a:srgbClr val="262626"/>
+                </a:solidFill>
+              </a:rPr>
+              <a:t>IPFS Cluster:  IPFS Cluster provides data orchestration across a swarm of IPFS daemons by allocating, replicating and tracking a global pinset distributed among multiple peers. </a:t>
+            </a:r>
+            <a:endParaRPr lang="en-US" altLang="en-US" sz="1540" dirty="0">
+              <a:solidFill>
+                <a:srgbClr val="262626"/>
+              </a:solidFill>
+            </a:endParaRPr>
+          </a:p>
+          <a:p>
+            <a:pPr marL="228600" lvl="0" indent="-228600" defTabSz="342900">
+              <a:lnSpc>
+                <a:spcPct val="120000"/>
+              </a:lnSpc>
+              <a:buFont typeface="Arial" panose="020B0604020202020204" pitchFamily="34" charset="0"/>
+              <a:buChar char="•"/>
+            </a:pPr>
+            <a:r>
+              <a:rPr lang="en-US" altLang="en-US" sz="1540" dirty="0">
+                <a:solidFill>
+                  <a:srgbClr val="262626"/>
+                </a:solidFill>
+              </a:rPr>
+              <a:t>Automatic replicating data and pinning across your IPFS network</a:t>
+            </a:r>
+            <a:endParaRPr lang="en-US" altLang="en-US" sz="1540" dirty="0">
+              <a:solidFill>
+                <a:srgbClr val="262626"/>
+              </a:solidFill>
+            </a:endParaRPr>
+          </a:p>
+          <a:p>
+            <a:pPr marL="228600" lvl="0" indent="-228600" defTabSz="342900">
+              <a:lnSpc>
+                <a:spcPct val="120000"/>
+              </a:lnSpc>
+              <a:buFont typeface="Arial" panose="020B0604020202020204" pitchFamily="34" charset="0"/>
+              <a:buChar char="•"/>
+            </a:pPr>
+            <a:r>
+              <a:rPr lang="en-US" altLang="en-US" sz="1540" dirty="0">
+                <a:solidFill>
+                  <a:srgbClr val="262626"/>
+                </a:solidFill>
+              </a:rPr>
+              <a:t>usage: providing stable data services</a:t>
+            </a:r>
+            <a:endParaRPr lang="en-US" altLang="en-US" sz="1540" dirty="0">
+              <a:solidFill>
+                <a:srgbClr val="262626"/>
+              </a:solidFill>
+            </a:endParaRPr>
+          </a:p>
+          <a:p>
+            <a:pPr marL="228600" lvl="0" indent="-228600" defTabSz="342900">
+              <a:lnSpc>
+                <a:spcPct val="120000"/>
+              </a:lnSpc>
+              <a:buFont typeface="Arial" panose="020B0604020202020204" pitchFamily="34" charset="0"/>
+              <a:buChar char="•"/>
+            </a:pPr>
+            <a:endParaRPr lang="en-US" altLang="en-US" sz="1540" dirty="0">
+              <a:solidFill>
+                <a:srgbClr val="262626"/>
+              </a:solidFill>
+            </a:endParaRPr>
+          </a:p>
+          <a:p>
+            <a:pPr marL="228600" lvl="0" indent="-228600" defTabSz="342900">
+              <a:lnSpc>
+                <a:spcPct val="120000"/>
+              </a:lnSpc>
+              <a:buFont typeface="Arial" panose="020B0604020202020204" pitchFamily="34" charset="0"/>
+              <a:buChar char="•"/>
+            </a:pPr>
+            <a:endParaRPr lang="en-US" altLang="en-US" sz="1540" dirty="0">
+              <a:solidFill>
+                <a:srgbClr val="262626"/>
+              </a:solidFill>
+            </a:endParaRPr>
+          </a:p>
+          <a:p>
+            <a:pPr marL="0" lvl="0" indent="0" defTabSz="342900">
+              <a:lnSpc>
+                <a:spcPct val="120000"/>
+              </a:lnSpc>
+              <a:buFont typeface="Arial" panose="020B0604020202020204" pitchFamily="34" charset="0"/>
+              <a:buNone/>
+            </a:pPr>
+            <a:endParaRPr lang="en-US" altLang="en-US" sz="1540" dirty="0">
+              <a:solidFill>
+                <a:srgbClr val="262626"/>
+              </a:solidFill>
+            </a:endParaRPr>
+          </a:p>
+        </p:txBody>
+      </p:sp>
+      <p:pic>
+        <p:nvPicPr>
+          <p:cNvPr id="4" name="图片 3"/>
+          <p:cNvPicPr>
+            <a:picLocks noChangeAspect="1"/>
+          </p:cNvPicPr>
+          <p:nvPr/>
+        </p:nvPicPr>
+        <p:blipFill>
+          <a:blip r:embed="rId1"/>
+          <a:stretch>
+            <a:fillRect/>
+          </a:stretch>
+        </p:blipFill>
+        <p:spPr>
+          <a:xfrm>
+            <a:off x="982980" y="2341880"/>
+            <a:ext cx="7321550" cy="4516120"/>
+          </a:xfrm>
+          <a:prstGeom prst="rect">
+            <a:avLst/>
+          </a:prstGeom>
+        </p:spPr>
+      </p:pic>
+    </p:spTree>
+  </p:cSld>
+  <p:clrMapOvr>
+    <a:masterClrMapping/>
+  </p:clrMapOvr>
+</p:sld>
+</file>
+
+<file path=ppt/slides/slide19.xml><?xml version="1.0" encoding="utf-8"?>
+<p:sld xmlns:a="http://schemas.openxmlformats.org/drawingml/2006/main" xmlns:r="http://schemas.openxmlformats.org/officeDocument/2006/relationships" xmlns:p="http://schemas.openxmlformats.org/presentationml/2006/main">
+  <p:cSld>
+    <p:spTree>
+      <p:nvGrpSpPr>
+        <p:cNvPr id="1" name=""/>
+        <p:cNvGrpSpPr/>
+        <p:nvPr/>
+      </p:nvGrpSpPr>
+      <p:grpSpPr>
+        <a:xfrm>
+          <a:off x="0" y="0"/>
+          <a:ext cx="0" cy="0"/>
+          <a:chOff x="0" y="0"/>
+          <a:chExt cx="0" cy="0"/>
+        </a:xfrm>
+      </p:grpSpPr>
+      <p:sp>
+        <p:nvSpPr>
+          <p:cNvPr id="2" name="Title 1"/>
+          <p:cNvSpPr>
+            <a:spLocks noGrp="1"/>
+          </p:cNvSpPr>
+          <p:nvPr>
+            <p:ph type="title"/>
+          </p:nvPr>
+        </p:nvSpPr>
+        <p:spPr>
+          <a:xfrm>
+            <a:off x="628650" y="155263"/>
+            <a:ext cx="7886700" cy="526790"/>
+          </a:xfrm>
+        </p:spPr>
+        <p:txBody>
+          <a:bodyPr>
+            <a:normAutofit fontScale="90000"/>
+          </a:bodyPr>
+          <a:lstStyle/>
+          <a:p>
+            <a:pPr algn="ctr"/>
+            <a:r>
+              <a:rPr lang="en-US" sz="3200" b="1" dirty="0">
+                <a:latin typeface="Calibri" panose="020F0502020204030204" pitchFamily="34" charset="0"/>
+                <a:cs typeface="Calibri" panose="020F0502020204030204" pitchFamily="34" charset="0"/>
+              </a:rPr>
+              <a:t>IPFS Cluster</a:t>
+            </a:r>
+            <a:endParaRPr lang="en-US" sz="3200" b="1" dirty="0">
+              <a:latin typeface="Calibri" panose="020F0502020204030204" pitchFamily="34" charset="0"/>
+              <a:cs typeface="Calibri" panose="020F0502020204030204" pitchFamily="34" charset="0"/>
+            </a:endParaRPr>
+          </a:p>
+        </p:txBody>
+      </p:sp>
+      <p:sp>
+        <p:nvSpPr>
+          <p:cNvPr id="3" name="Content Placeholder 2"/>
+          <p:cNvSpPr>
+            <a:spLocks noGrp="1"/>
+          </p:cNvSpPr>
+          <p:nvPr>
+            <p:ph idx="1"/>
+          </p:nvPr>
+        </p:nvSpPr>
+        <p:spPr>
+          <a:xfrm>
+            <a:off x="628650" y="989044"/>
+            <a:ext cx="7886700" cy="5605719"/>
+          </a:xfrm>
+        </p:spPr>
+        <p:txBody>
+          <a:bodyPr>
+            <a:normAutofit lnSpcReduction="10000"/>
+          </a:bodyPr>
+          <a:lstStyle/>
+          <a:p>
+            <a:pPr marL="228600" lvl="0" indent="-228600" defTabSz="342900">
+              <a:lnSpc>
+                <a:spcPct val="120000"/>
+              </a:lnSpc>
+              <a:buFont typeface="Arial" panose="020B0604020202020204" pitchFamily="34" charset="0"/>
+              <a:buChar char="•"/>
+            </a:pPr>
+            <a:r>
+              <a:rPr lang="en-US" altLang="en-US" sz="1540" dirty="0">
+                <a:solidFill>
+                  <a:srgbClr val="262626"/>
+                </a:solidFill>
+              </a:rPr>
+              <a:t>How to setup a IPFS cluster (Code Explain)</a:t>
+            </a:r>
+            <a:endParaRPr lang="en-US" altLang="en-US" sz="1540" dirty="0">
+              <a:solidFill>
+                <a:srgbClr val="262626"/>
+              </a:solidFill>
+            </a:endParaRPr>
+          </a:p>
+          <a:p>
+            <a:pPr marL="228600" lvl="0" indent="-228600" defTabSz="342900">
+              <a:lnSpc>
+                <a:spcPct val="120000"/>
+              </a:lnSpc>
+              <a:buFont typeface="Arial" panose="020B0604020202020204" pitchFamily="34" charset="0"/>
+              <a:buChar char="•"/>
+            </a:pPr>
+            <a:endParaRPr lang="en-US" altLang="en-US" sz="1540" dirty="0">
+              <a:solidFill>
+                <a:srgbClr val="262626"/>
+              </a:solidFill>
+            </a:endParaRPr>
+          </a:p>
+          <a:p>
+            <a:pPr marL="0" lvl="0" indent="0" defTabSz="342900">
+              <a:lnSpc>
+                <a:spcPct val="120000"/>
+              </a:lnSpc>
+              <a:buFont typeface="Arial" panose="020B0604020202020204" pitchFamily="34" charset="0"/>
+              <a:buNone/>
+            </a:pPr>
+            <a:endParaRPr lang="en-US" altLang="en-US" sz="1540" dirty="0">
+              <a:solidFill>
+                <a:srgbClr val="262626"/>
+              </a:solidFill>
+            </a:endParaRPr>
+          </a:p>
+        </p:txBody>
+      </p:sp>
+    </p:spTree>
+  </p:cSld>
+  <p:clrMapOvr>
+    <a:masterClrMapping/>
+  </p:clrMapOvr>
+</p:sld>
+</file>
+
+<file path=ppt/slides/slide2.xml><?xml version="1.0" encoding="utf-8"?>
+<p:sld xmlns:a="http://schemas.openxmlformats.org/drawingml/2006/main" xmlns:r="http://schemas.openxmlformats.org/officeDocument/2006/relationships" xmlns:p="http://schemas.openxmlformats.org/presentationml/2006/main">
+  <p:cSld>
+    <p:spTree>
+      <p:nvGrpSpPr>
+        <p:cNvPr id="1" name=""/>
+        <p:cNvGrpSpPr/>
+        <p:nvPr/>
+      </p:nvGrpSpPr>
+      <p:grpSpPr>
+        <a:xfrm>
+          <a:off x="0" y="0"/>
+          <a:ext cx="0" cy="0"/>
+          <a:chOff x="0" y="0"/>
+          <a:chExt cx="0" cy="0"/>
+        </a:xfrm>
+      </p:grpSpPr>
+      <p:sp>
+        <p:nvSpPr>
+          <p:cNvPr id="21505" name="Title 1"/>
+          <p:cNvSpPr>
+            <a:spLocks noGrp="1"/>
+          </p:cNvSpPr>
+          <p:nvPr>
+            <p:ph type="title"/>
+          </p:nvPr>
+        </p:nvSpPr>
+        <p:spPr>
+          <a:xfrm>
+            <a:off x="233363" y="308848"/>
+            <a:ext cx="8227219" cy="327422"/>
+          </a:xfrm>
+        </p:spPr>
+        <p:txBody>
+          <a:bodyPr vert="horz" lIns="0" tIns="0" rIns="0" bIns="0" rtlCol="0" anchor="ctr">
+            <a:normAutofit fontScale="90000"/>
+          </a:bodyPr>
+          <a:lstStyle/>
+          <a:p>
+            <a:pPr algn="ctr"/>
+            <a:r>
+              <a:rPr lang="en-US" altLang="zh-CN" sz="3200" b="1" dirty="0">
+                <a:latin typeface="Calibri" panose="020F0502020204030204" pitchFamily="34" charset="0"/>
+                <a:cs typeface="Calibri" panose="020F0502020204030204" pitchFamily="34" charset="0"/>
+              </a:rPr>
+              <a:t>Outline</a:t>
+            </a:r>
+            <a:endParaRPr lang="en-GB" altLang="zh-CN" sz="3200" b="1" dirty="0">
+              <a:latin typeface="Calibri" panose="020F0502020204030204" pitchFamily="34" charset="0"/>
+              <a:cs typeface="Calibri" panose="020F0502020204030204" pitchFamily="34" charset="0"/>
+            </a:endParaRPr>
+          </a:p>
+        </p:txBody>
+      </p:sp>
+      <p:sp>
+        <p:nvSpPr>
+          <p:cNvPr id="21506" name="文本框 6"/>
+          <p:cNvSpPr txBox="1"/>
+          <p:nvPr/>
+        </p:nvSpPr>
+        <p:spPr>
+          <a:xfrm>
+            <a:off x="246455" y="859156"/>
+            <a:ext cx="8651359" cy="5486400"/>
+          </a:xfrm>
+          <a:prstGeom prst="rect">
+            <a:avLst/>
+          </a:prstGeom>
+          <a:noFill/>
+          <a:ln w="9525">
+            <a:noFill/>
+          </a:ln>
+        </p:spPr>
+        <p:txBody>
+          <a:bodyPr wrap="square" lIns="0" tIns="0" rIns="0" bIns="0" anchor="t"/>
+          <a:lstStyle/>
+          <a:p>
+            <a:pPr marL="171450" lvl="0" indent="-171450" fontAlgn="auto">
+              <a:lnSpc>
+                <a:spcPct val="200000"/>
+              </a:lnSpc>
+              <a:spcBef>
+                <a:spcPts val="700"/>
+              </a:spcBef>
+              <a:buFont typeface="Arial" panose="020B0604020202020204" pitchFamily="34" charset="0"/>
+              <a:buChar char="•"/>
+            </a:pPr>
+            <a:r>
+              <a:rPr lang="en-US" dirty="0">
+                <a:latin typeface="Calibri" panose="020F0502020204030204" pitchFamily="34" charset="0"/>
+                <a:cs typeface="Calibri" panose="020F0502020204030204" pitchFamily="34" charset="0"/>
+              </a:rPr>
+              <a:t>IPFS React Code Demo</a:t>
+            </a:r>
+            <a:endParaRPr lang="en-US" dirty="0">
+              <a:latin typeface="Calibri" panose="020F0502020204030204" pitchFamily="34" charset="0"/>
+              <a:cs typeface="Calibri" panose="020F0502020204030204" pitchFamily="34" charset="0"/>
+            </a:endParaRPr>
+          </a:p>
+          <a:p>
+            <a:pPr marL="171450" lvl="0" indent="-171450" fontAlgn="auto">
+              <a:lnSpc>
+                <a:spcPct val="200000"/>
+              </a:lnSpc>
+              <a:spcBef>
+                <a:spcPts val="700"/>
+              </a:spcBef>
+              <a:buFont typeface="Arial" panose="020B0604020202020204" pitchFamily="34" charset="0"/>
+              <a:buChar char="•"/>
+            </a:pPr>
+            <a:r>
+              <a:rPr lang="en-US" dirty="0">
+                <a:latin typeface="Calibri" panose="020F0502020204030204" pitchFamily="34" charset="0"/>
+                <a:cs typeface="Calibri" panose="020F0502020204030204" pitchFamily="34" charset="0"/>
+              </a:rPr>
+              <a:t>IPFS &amp; IPFS Cluster Concepts</a:t>
+            </a:r>
+            <a:endParaRPr lang="en-US" dirty="0">
+              <a:latin typeface="Calibri" panose="020F0502020204030204" pitchFamily="34" charset="0"/>
+              <a:cs typeface="Calibri" panose="020F0502020204030204" pitchFamily="34" charset="0"/>
+            </a:endParaRPr>
+          </a:p>
+          <a:p>
+            <a:pPr marL="171450" lvl="0" indent="-171450" fontAlgn="auto">
+              <a:lnSpc>
+                <a:spcPct val="200000"/>
+              </a:lnSpc>
+              <a:spcBef>
+                <a:spcPts val="700"/>
+              </a:spcBef>
+              <a:buFont typeface="Arial" panose="020B0604020202020204" pitchFamily="34" charset="0"/>
+              <a:buChar char="•"/>
+            </a:pPr>
+            <a:r>
+              <a:rPr lang="en-US" dirty="0">
+                <a:latin typeface="Calibri" panose="020F0502020204030204" pitchFamily="34" charset="0"/>
+                <a:cs typeface="Calibri" panose="020F0502020204030204" pitchFamily="34" charset="0"/>
+              </a:rPr>
+              <a:t>Implementations</a:t>
+            </a:r>
+            <a:endParaRPr lang="en-US" dirty="0">
+              <a:latin typeface="Calibri" panose="020F0502020204030204" pitchFamily="34" charset="0"/>
+              <a:cs typeface="Calibri" panose="020F0502020204030204" pitchFamily="34" charset="0"/>
+            </a:endParaRPr>
+          </a:p>
+          <a:p>
+            <a:pPr marL="171450" lvl="0" indent="-171450" fontAlgn="auto">
+              <a:lnSpc>
+                <a:spcPct val="200000"/>
+              </a:lnSpc>
+              <a:spcBef>
+                <a:spcPts val="700"/>
+              </a:spcBef>
+              <a:buFont typeface="Arial" panose="020B0604020202020204" pitchFamily="34" charset="0"/>
+              <a:buChar char="•"/>
+            </a:pPr>
+            <a:endParaRPr lang="en-US" dirty="0"/>
+          </a:p>
+        </p:txBody>
+      </p:sp>
+      <p:sp>
+        <p:nvSpPr>
+          <p:cNvPr id="6" name="TextBox 6"/>
+          <p:cNvSpPr txBox="1"/>
+          <p:nvPr/>
+        </p:nvSpPr>
+        <p:spPr>
+          <a:xfrm>
+            <a:off x="25183" y="6636420"/>
+            <a:ext cx="3270445" cy="184664"/>
+          </a:xfrm>
+          <a:prstGeom prst="rect">
+            <a:avLst/>
+          </a:prstGeom>
+          <a:ln w="12700">
+            <a:miter lim="400000"/>
+          </a:ln>
+        </p:spPr>
+        <p:txBody>
+          <a:bodyPr wrap="none" lIns="34289" tIns="34289" rIns="34289" bIns="34289">
+            <a:spAutoFit/>
+          </a:bodyPr>
+          <a:lstStyle>
+            <a:lvl1pPr defTabSz="914400">
+              <a:defRPr sz="1000">
+                <a:solidFill>
+                  <a:srgbClr val="FFFFFF"/>
+                </a:solidFill>
+                <a:latin typeface="Montserrat" panose="00000500000000000000"/>
+                <a:ea typeface="Montserrat" panose="00000500000000000000"/>
+                <a:cs typeface="Montserrat" panose="00000500000000000000"/>
+                <a:sym typeface="Montserrat" panose="00000500000000000000"/>
+              </a:defRPr>
+            </a:lvl1pPr>
+          </a:lstStyle>
+          <a:p>
+            <a:r>
+              <a:rPr lang="en-US" sz="750" dirty="0">
+                <a:solidFill>
+                  <a:schemeClr val="tx1"/>
+                </a:solidFill>
+                <a:latin typeface="Montserrat" panose="00000500000000000000" pitchFamily="2" charset="0"/>
+              </a:rPr>
+              <a:t>© 2017-2020    SmartMesh Foundation Pte. Ltd.  |  MeshBox Foundation Pte. Ltd.</a:t>
+            </a:r>
+            <a:endParaRPr lang="en-US" sz="750" dirty="0">
+              <a:solidFill>
+                <a:schemeClr val="tx1"/>
+              </a:solidFill>
+              <a:latin typeface="Montserrat" panose="00000500000000000000" pitchFamily="2" charset="0"/>
+              <a:sym typeface="Arial" panose="020B0604020202020204"/>
+            </a:endParaRPr>
+          </a:p>
+        </p:txBody>
+      </p:sp>
+      <p:sp>
+        <p:nvSpPr>
+          <p:cNvPr id="7" name="TextBox 6"/>
+          <p:cNvSpPr txBox="1">
+            <a:spLocks noChangeArrowheads="1"/>
+          </p:cNvSpPr>
+          <p:nvPr/>
+        </p:nvSpPr>
+        <p:spPr bwMode="auto">
+          <a:xfrm>
+            <a:off x="7872314" y="6569155"/>
+            <a:ext cx="1289447" cy="253916"/>
+          </a:xfrm>
+          <a:prstGeom prst="rect">
+            <a:avLst/>
+          </a:prstGeom>
+          <a:noFill/>
+          <a:ln w="9525">
+            <a:noFill/>
+            <a:miter lim="800000"/>
+          </a:ln>
+        </p:spPr>
+        <p:txBody>
+          <a:bodyPr>
+            <a:spAutoFit/>
+          </a:bodyPr>
+          <a:lstStyle/>
+          <a:p>
+            <a:pPr algn="r"/>
+            <a:fld id="{6F888031-CE6A-4173-BB2B-520974F34056}" type="slidenum">
+              <a:rPr lang="en-GB" sz="1050">
+                <a:latin typeface="Calibri" panose="020F0502020204030204" pitchFamily="34" charset="0"/>
+              </a:rPr>
+            </a:fld>
+            <a:endParaRPr lang="en-GB" sz="1050" dirty="0">
+              <a:latin typeface="Calibri" panose="020F0502020204030204" pitchFamily="34" charset="0"/>
+            </a:endParaRPr>
+          </a:p>
+        </p:txBody>
+      </p:sp>
+    </p:spTree>
+  </p:cSld>
+  <p:clrMapOvr>
+    <a:masterClrMapping/>
+  </p:clrMapOvr>
+  <p:transition spd="med">
+    <p:fade/>
+  </p:transition>
+</p:sld>
+</file>
+
+<file path=ppt/slides/slide20.xml><?xml version="1.0" encoding="utf-8"?>
+<p:sld xmlns:a="http://schemas.openxmlformats.org/drawingml/2006/main" xmlns:r="http://schemas.openxmlformats.org/officeDocument/2006/relationships" xmlns:p="http://schemas.openxmlformats.org/presentationml/2006/main">
+  <p:cSld>
+    <p:spTree>
+      <p:nvGrpSpPr>
+        <p:cNvPr id="1" name=""/>
+        <p:cNvGrpSpPr/>
+        <p:nvPr/>
+      </p:nvGrpSpPr>
+      <p:grpSpPr>
+        <a:xfrm>
+          <a:off x="0" y="0"/>
+          <a:ext cx="0" cy="0"/>
+          <a:chOff x="0" y="0"/>
+          <a:chExt cx="0" cy="0"/>
+        </a:xfrm>
+      </p:grpSpPr>
+      <p:sp>
+        <p:nvSpPr>
+          <p:cNvPr id="2" name="Title 1"/>
+          <p:cNvSpPr>
+            <a:spLocks noGrp="1"/>
+          </p:cNvSpPr>
+          <p:nvPr>
+            <p:ph type="title"/>
+          </p:nvPr>
+        </p:nvSpPr>
+        <p:spPr>
+          <a:xfrm>
+            <a:off x="628650" y="155263"/>
+            <a:ext cx="7886700" cy="526790"/>
+          </a:xfrm>
+        </p:spPr>
+        <p:txBody>
+          <a:bodyPr>
+            <a:normAutofit fontScale="90000"/>
+          </a:bodyPr>
+          <a:lstStyle/>
+          <a:p>
+            <a:pPr algn="ctr"/>
+            <a:r>
+              <a:rPr lang="en-US" sz="3200" b="1" dirty="0">
+                <a:latin typeface="Calibri" panose="020F0502020204030204" pitchFamily="34" charset="0"/>
+                <a:cs typeface="Calibri" panose="020F0502020204030204" pitchFamily="34" charset="0"/>
+              </a:rPr>
+              <a:t>IPFS Cluster Implementation</a:t>
+            </a:r>
+            <a:endParaRPr lang="en-US" sz="3200" b="1" dirty="0">
+              <a:latin typeface="Calibri" panose="020F0502020204030204" pitchFamily="34" charset="0"/>
+              <a:cs typeface="Calibri" panose="020F0502020204030204" pitchFamily="34" charset="0"/>
+            </a:endParaRPr>
+          </a:p>
+        </p:txBody>
+      </p:sp>
+      <p:sp>
+        <p:nvSpPr>
+          <p:cNvPr id="3" name="Content Placeholder 2"/>
+          <p:cNvSpPr>
+            <a:spLocks noGrp="1"/>
+          </p:cNvSpPr>
+          <p:nvPr>
+            <p:ph idx="1"/>
+          </p:nvPr>
+        </p:nvSpPr>
+        <p:spPr>
+          <a:xfrm>
+            <a:off x="628650" y="989044"/>
+            <a:ext cx="7886700" cy="5605719"/>
+          </a:xfrm>
+        </p:spPr>
+        <p:txBody>
+          <a:bodyPr>
+            <a:normAutofit lnSpcReduction="10000"/>
+          </a:bodyPr>
+          <a:lstStyle/>
+          <a:p>
+            <a:pPr marL="228600" lvl="0" indent="-228600" defTabSz="342900">
+              <a:lnSpc>
+                <a:spcPct val="120000"/>
+              </a:lnSpc>
+              <a:buFont typeface="Arial" panose="020B0604020202020204" pitchFamily="34" charset="0"/>
+              <a:buChar char="•"/>
+            </a:pPr>
+            <a:r>
+              <a:rPr lang="en-US" altLang="en-US" sz="1540" dirty="0">
+                <a:solidFill>
+                  <a:srgbClr val="262626"/>
+                </a:solidFill>
+              </a:rPr>
+              <a:t>IPFS Cluster</a:t>
+            </a:r>
+            <a:endParaRPr lang="en-US" altLang="en-US" sz="1540" dirty="0">
+              <a:solidFill>
+                <a:srgbClr val="262626"/>
+              </a:solidFill>
+            </a:endParaRPr>
+          </a:p>
+          <a:p>
+            <a:pPr marL="228600" lvl="0" indent="-228600" defTabSz="342900">
+              <a:lnSpc>
+                <a:spcPct val="120000"/>
+              </a:lnSpc>
+              <a:buFont typeface="Arial" panose="020B0604020202020204" pitchFamily="34" charset="0"/>
+              <a:buChar char="•"/>
+            </a:pPr>
+            <a:r>
+              <a:rPr lang="en-US" altLang="en-US" sz="1540" dirty="0">
+                <a:solidFill>
+                  <a:srgbClr val="262626"/>
+                </a:solidFill>
+              </a:rPr>
+              <a:t>how to build your CDN using IPFS cluster?</a:t>
+            </a:r>
+            <a:endParaRPr lang="en-US" altLang="en-US" sz="1540" dirty="0">
+              <a:solidFill>
+                <a:srgbClr val="262626"/>
+              </a:solidFill>
+            </a:endParaRPr>
+          </a:p>
+          <a:p>
+            <a:pPr marL="228600" lvl="0" indent="-228600" defTabSz="342900">
+              <a:lnSpc>
+                <a:spcPct val="120000"/>
+              </a:lnSpc>
+              <a:buFont typeface="Arial" panose="020B0604020202020204" pitchFamily="34" charset="0"/>
+              <a:buChar char="•"/>
+            </a:pPr>
+            <a:r>
+              <a:rPr lang="en-US" altLang="en-US" sz="1540" dirty="0">
+                <a:solidFill>
+                  <a:srgbClr val="262626"/>
+                </a:solidFill>
+              </a:rPr>
+              <a:t> Step 1:</a:t>
+            </a:r>
+            <a:endParaRPr lang="en-US" altLang="en-US" sz="1540" dirty="0">
+              <a:solidFill>
+                <a:srgbClr val="262626"/>
+              </a:solidFill>
+            </a:endParaRPr>
+          </a:p>
+          <a:p>
+            <a:pPr marL="228600" lvl="0" indent="-228600" defTabSz="342900">
+              <a:lnSpc>
+                <a:spcPct val="120000"/>
+              </a:lnSpc>
+              <a:buFont typeface="Arial" panose="020B0604020202020204" pitchFamily="34" charset="0"/>
+              <a:buChar char="•"/>
+            </a:pPr>
+            <a:r>
+              <a:rPr lang="en-US" altLang="en-US" sz="1540" dirty="0">
+                <a:solidFill>
+                  <a:srgbClr val="262626"/>
+                </a:solidFill>
+              </a:rPr>
+              <a:t>domain name or a subdomain</a:t>
+            </a:r>
+            <a:endParaRPr lang="en-US" altLang="en-US" sz="1540" dirty="0">
+              <a:solidFill>
+                <a:srgbClr val="262626"/>
+              </a:solidFill>
+            </a:endParaRPr>
+          </a:p>
+          <a:p>
+            <a:pPr marL="228600" lvl="0" indent="-228600" defTabSz="342900">
+              <a:lnSpc>
+                <a:spcPct val="120000"/>
+              </a:lnSpc>
+              <a:buFont typeface="Arial" panose="020B0604020202020204" pitchFamily="34" charset="0"/>
+              <a:buChar char="•"/>
+            </a:pPr>
+            <a:endParaRPr lang="en-US" altLang="en-US" sz="1540" dirty="0">
+              <a:solidFill>
+                <a:srgbClr val="262626"/>
+              </a:solidFill>
+            </a:endParaRPr>
+          </a:p>
+          <a:p>
+            <a:pPr marL="228600" lvl="0" indent="-228600" defTabSz="342900">
+              <a:lnSpc>
+                <a:spcPct val="120000"/>
+              </a:lnSpc>
+              <a:buFont typeface="Arial" panose="020B0604020202020204" pitchFamily="34" charset="0"/>
+              <a:buChar char="•"/>
+            </a:pPr>
+            <a:r>
+              <a:rPr lang="en-US" altLang="en-US" sz="1540" dirty="0">
+                <a:solidFill>
+                  <a:srgbClr val="262626"/>
+                </a:solidFill>
+              </a:rPr>
+              <a:t>Step 2:</a:t>
+            </a:r>
+            <a:endParaRPr lang="en-US" altLang="en-US" sz="1540" dirty="0">
+              <a:solidFill>
+                <a:srgbClr val="262626"/>
+              </a:solidFill>
+            </a:endParaRPr>
+          </a:p>
+          <a:p>
+            <a:pPr marL="228600" lvl="0" indent="-228600" defTabSz="342900">
+              <a:lnSpc>
+                <a:spcPct val="120000"/>
+              </a:lnSpc>
+              <a:buFont typeface="Arial" panose="020B0604020202020204" pitchFamily="34" charset="0"/>
+              <a:buChar char="•"/>
+            </a:pPr>
+            <a:r>
+              <a:rPr lang="en-US" altLang="en-US" sz="1540" dirty="0">
+                <a:solidFill>
+                  <a:srgbClr val="262626"/>
+                </a:solidFill>
+              </a:rPr>
+              <a:t>a minimum of two servers in different regions. The servers can be dedicated or virtual (IPFS Cluster)</a:t>
+            </a:r>
+            <a:endParaRPr lang="en-US" altLang="en-US" sz="1540" dirty="0">
+              <a:solidFill>
+                <a:srgbClr val="262626"/>
+              </a:solidFill>
+            </a:endParaRPr>
+          </a:p>
+          <a:p>
+            <a:pPr marL="228600" lvl="0" indent="-228600" defTabSz="342900">
+              <a:lnSpc>
+                <a:spcPct val="120000"/>
+              </a:lnSpc>
+              <a:buFont typeface="Arial" panose="020B0604020202020204" pitchFamily="34" charset="0"/>
+              <a:buChar char="•"/>
+            </a:pPr>
+            <a:endParaRPr lang="en-US" altLang="en-US" sz="1540" dirty="0">
+              <a:solidFill>
+                <a:srgbClr val="262626"/>
+              </a:solidFill>
+            </a:endParaRPr>
+          </a:p>
+          <a:p>
+            <a:pPr marL="228600" lvl="0" indent="-228600" defTabSz="342900">
+              <a:lnSpc>
+                <a:spcPct val="120000"/>
+              </a:lnSpc>
+              <a:buFont typeface="Arial" panose="020B0604020202020204" pitchFamily="34" charset="0"/>
+              <a:buChar char="•"/>
+            </a:pPr>
+            <a:r>
+              <a:rPr lang="en-US" altLang="en-US" sz="1540" dirty="0">
+                <a:solidFill>
+                  <a:srgbClr val="262626"/>
+                </a:solidFill>
+              </a:rPr>
+              <a:t>Step 3:</a:t>
+            </a:r>
+            <a:endParaRPr lang="en-US" altLang="en-US" sz="1540" dirty="0">
+              <a:solidFill>
+                <a:srgbClr val="262626"/>
+              </a:solidFill>
+            </a:endParaRPr>
+          </a:p>
+          <a:p>
+            <a:pPr marL="228600" lvl="0" indent="-228600" defTabSz="342900">
+              <a:lnSpc>
+                <a:spcPct val="120000"/>
+              </a:lnSpc>
+              <a:buFont typeface="Arial" panose="020B0604020202020204" pitchFamily="34" charset="0"/>
+              <a:buChar char="•"/>
+            </a:pPr>
+            <a:r>
+              <a:rPr lang="en-US" altLang="en-US" sz="1540" dirty="0">
+                <a:solidFill>
+                  <a:srgbClr val="262626"/>
+                </a:solidFill>
+              </a:rPr>
+              <a:t>geoDNS tool. With it, a user sending a request to the domain will be directed to the nearest server</a:t>
+            </a:r>
+            <a:endParaRPr lang="en-US" altLang="en-US" sz="1540" dirty="0">
+              <a:solidFill>
+                <a:srgbClr val="262626"/>
+              </a:solidFill>
+            </a:endParaRPr>
+          </a:p>
+          <a:p>
+            <a:pPr marL="228600" lvl="0" indent="-228600" defTabSz="342900">
+              <a:lnSpc>
+                <a:spcPct val="120000"/>
+              </a:lnSpc>
+              <a:buFont typeface="Arial" panose="020B0604020202020204" pitchFamily="34" charset="0"/>
+              <a:buChar char="•"/>
+            </a:pPr>
+            <a:endParaRPr lang="en-US" altLang="en-US" sz="1540" dirty="0">
+              <a:solidFill>
+                <a:srgbClr val="262626"/>
+              </a:solidFill>
+            </a:endParaRPr>
+          </a:p>
+          <a:p>
+            <a:pPr marL="228600" lvl="0" indent="-228600" defTabSz="342900">
+              <a:lnSpc>
+                <a:spcPct val="120000"/>
+              </a:lnSpc>
+              <a:buFont typeface="Arial" panose="020B0604020202020204" pitchFamily="34" charset="0"/>
+              <a:buChar char="•"/>
+            </a:pPr>
+            <a:endParaRPr lang="en-US" altLang="en-US" sz="1540" dirty="0">
+              <a:solidFill>
+                <a:srgbClr val="262626"/>
+              </a:solidFill>
+            </a:endParaRPr>
+          </a:p>
+          <a:p>
+            <a:pPr marL="228600" lvl="0" indent="-228600" defTabSz="342900">
+              <a:lnSpc>
+                <a:spcPct val="120000"/>
+              </a:lnSpc>
+              <a:buFont typeface="Arial" panose="020B0604020202020204" pitchFamily="34" charset="0"/>
+              <a:buChar char="•"/>
+            </a:pPr>
+            <a:endParaRPr lang="en-US" altLang="en-US" sz="1540" dirty="0">
+              <a:solidFill>
+                <a:srgbClr val="262626"/>
+              </a:solidFill>
+            </a:endParaRPr>
+          </a:p>
+          <a:p>
+            <a:pPr marL="228600" lvl="0" indent="-228600" defTabSz="342900">
+              <a:lnSpc>
+                <a:spcPct val="120000"/>
+              </a:lnSpc>
+              <a:buFont typeface="Arial" panose="020B0604020202020204" pitchFamily="34" charset="0"/>
+              <a:buChar char="•"/>
+            </a:pPr>
+            <a:endParaRPr lang="en-US" altLang="en-US" sz="1540" dirty="0">
+              <a:solidFill>
+                <a:srgbClr val="262626"/>
+              </a:solidFill>
+            </a:endParaRPr>
+          </a:p>
+          <a:p>
+            <a:pPr marL="228600" lvl="0" indent="-228600" defTabSz="342900">
+              <a:lnSpc>
+                <a:spcPct val="120000"/>
+              </a:lnSpc>
+              <a:buFont typeface="Arial" panose="020B0604020202020204" pitchFamily="34" charset="0"/>
+              <a:buChar char="•"/>
+            </a:pPr>
+            <a:endParaRPr lang="en-US" altLang="en-US" sz="1540" dirty="0">
+              <a:solidFill>
+                <a:srgbClr val="262626"/>
+              </a:solidFill>
+            </a:endParaRPr>
+          </a:p>
+          <a:p>
+            <a:pPr marL="0" lvl="0" indent="0" defTabSz="342900">
+              <a:lnSpc>
+                <a:spcPct val="120000"/>
+              </a:lnSpc>
+              <a:buFont typeface="Arial" panose="020B0604020202020204" pitchFamily="34" charset="0"/>
+              <a:buNone/>
+            </a:pPr>
+            <a:endParaRPr lang="en-US" altLang="en-US" sz="1540" dirty="0">
+              <a:solidFill>
+                <a:srgbClr val="262626"/>
+              </a:solidFill>
+            </a:endParaRPr>
+          </a:p>
+        </p:txBody>
+      </p:sp>
+    </p:spTree>
+  </p:cSld>
+  <p:clrMapOvr>
+    <a:masterClrMapping/>
+  </p:clrMapOvr>
+</p:sld>
+</file>
+
+<file path=ppt/slides/slide21.xml><?xml version="1.0" encoding="utf-8"?>
+<p:sld xmlns:a="http://schemas.openxmlformats.org/drawingml/2006/main" xmlns:r="http://schemas.openxmlformats.org/officeDocument/2006/relationships" xmlns:p="http://schemas.openxmlformats.org/presentationml/2006/main">
+  <p:cSld>
+    <p:spTree>
+      <p:nvGrpSpPr>
+        <p:cNvPr id="1" name=""/>
+        <p:cNvGrpSpPr/>
+        <p:nvPr/>
+      </p:nvGrpSpPr>
+      <p:grpSpPr>
+        <a:xfrm>
+          <a:off x="0" y="0"/>
+          <a:ext cx="0" cy="0"/>
+          <a:chOff x="0" y="0"/>
+          <a:chExt cx="0" cy="0"/>
+        </a:xfrm>
+      </p:grpSpPr>
+      <p:sp>
+        <p:nvSpPr>
+          <p:cNvPr id="2" name="Title 1"/>
+          <p:cNvSpPr>
+            <a:spLocks noGrp="1"/>
+          </p:cNvSpPr>
+          <p:nvPr>
+            <p:ph type="title"/>
+          </p:nvPr>
+        </p:nvSpPr>
+        <p:spPr>
+          <a:xfrm>
+            <a:off x="628650" y="155263"/>
+            <a:ext cx="7886700" cy="526790"/>
+          </a:xfrm>
+        </p:spPr>
+        <p:txBody>
+          <a:bodyPr>
+            <a:normAutofit fontScale="90000"/>
+          </a:bodyPr>
+          <a:lstStyle/>
+          <a:p>
+            <a:pPr algn="ctr"/>
+            <a:r>
+              <a:rPr lang="en-US" sz="3200" b="1" dirty="0">
+                <a:latin typeface="Calibri" panose="020F0502020204030204" pitchFamily="34" charset="0"/>
+                <a:cs typeface="Calibri" panose="020F0502020204030204" pitchFamily="34" charset="0"/>
+              </a:rPr>
+              <a:t>IPFS Cluster </a:t>
+            </a:r>
+            <a:r>
+              <a:rPr lang="en-US" sz="3200" b="1" dirty="0">
+                <a:latin typeface="Calibri" panose="020F0502020204030204" pitchFamily="34" charset="0"/>
+                <a:cs typeface="Calibri" panose="020F0502020204030204" pitchFamily="34" charset="0"/>
+                <a:sym typeface="+mn-ea"/>
+              </a:rPr>
+              <a:t>Implementation</a:t>
+            </a:r>
+            <a:endParaRPr lang="en-US" sz="3200" b="1" dirty="0">
+              <a:latin typeface="Calibri" panose="020F0502020204030204" pitchFamily="34" charset="0"/>
+              <a:cs typeface="Calibri" panose="020F0502020204030204" pitchFamily="34" charset="0"/>
+            </a:endParaRPr>
+          </a:p>
+        </p:txBody>
+      </p:sp>
+      <p:sp>
+        <p:nvSpPr>
+          <p:cNvPr id="3" name="Content Placeholder 2"/>
+          <p:cNvSpPr>
+            <a:spLocks noGrp="1"/>
+          </p:cNvSpPr>
+          <p:nvPr>
+            <p:ph idx="1"/>
+          </p:nvPr>
+        </p:nvSpPr>
+        <p:spPr>
+          <a:xfrm>
+            <a:off x="628650" y="989044"/>
+            <a:ext cx="7886700" cy="5605719"/>
+          </a:xfrm>
+        </p:spPr>
+        <p:txBody>
+          <a:bodyPr>
+            <a:normAutofit lnSpcReduction="10000"/>
+          </a:bodyPr>
+          <a:lstStyle/>
+          <a:p>
+            <a:pPr marL="228600" lvl="0" indent="-228600" defTabSz="342900">
+              <a:lnSpc>
+                <a:spcPct val="120000"/>
+              </a:lnSpc>
+              <a:buFont typeface="Arial" panose="020B0604020202020204" pitchFamily="34" charset="0"/>
+              <a:buChar char="•"/>
+            </a:pPr>
+            <a:r>
+              <a:rPr lang="en-US" altLang="en-US" sz="1540" dirty="0">
+                <a:solidFill>
+                  <a:srgbClr val="262626"/>
+                </a:solidFill>
+              </a:rPr>
+              <a:t>IPFS Cluster</a:t>
+            </a:r>
+            <a:endParaRPr lang="en-US" altLang="en-US" sz="1540" dirty="0">
+              <a:solidFill>
+                <a:srgbClr val="262626"/>
+              </a:solidFill>
+            </a:endParaRPr>
+          </a:p>
+          <a:p>
+            <a:pPr marL="228600" lvl="0" indent="-228600" defTabSz="342900">
+              <a:lnSpc>
+                <a:spcPct val="120000"/>
+              </a:lnSpc>
+              <a:buFont typeface="Arial" panose="020B0604020202020204" pitchFamily="34" charset="0"/>
+              <a:buChar char="•"/>
+            </a:pPr>
+            <a:r>
+              <a:rPr lang="en-US" altLang="en-US" sz="1540" dirty="0">
+                <a:solidFill>
+                  <a:srgbClr val="262626"/>
+                </a:solidFill>
+              </a:rPr>
+              <a:t>how to build your CND using IPFS cluster?</a:t>
+            </a:r>
+            <a:endParaRPr lang="en-US" altLang="en-US" sz="1540" dirty="0">
+              <a:solidFill>
+                <a:srgbClr val="262626"/>
+              </a:solidFill>
+            </a:endParaRPr>
+          </a:p>
+          <a:p>
+            <a:pPr marL="228600" lvl="0" indent="-228600" defTabSz="342900">
+              <a:lnSpc>
+                <a:spcPct val="120000"/>
+              </a:lnSpc>
+              <a:buFont typeface="Arial" panose="020B0604020202020204" pitchFamily="34" charset="0"/>
+              <a:buChar char="•"/>
+            </a:pPr>
+            <a:endParaRPr lang="en-US" altLang="en-US" sz="1540" dirty="0">
+              <a:solidFill>
+                <a:srgbClr val="262626"/>
+              </a:solidFill>
+            </a:endParaRPr>
+          </a:p>
+          <a:p>
+            <a:pPr marL="228600" lvl="0" indent="-228600" defTabSz="342900">
+              <a:lnSpc>
+                <a:spcPct val="120000"/>
+              </a:lnSpc>
+              <a:buFont typeface="Arial" panose="020B0604020202020204" pitchFamily="34" charset="0"/>
+              <a:buChar char="•"/>
+            </a:pPr>
+            <a:r>
+              <a:rPr lang="en-US" altLang="en-US" sz="1540" dirty="0">
+                <a:solidFill>
+                  <a:srgbClr val="262626"/>
+                </a:solidFill>
+              </a:rPr>
+              <a:t>Here's how geoDNS works:</a:t>
+            </a:r>
+            <a:endParaRPr lang="en-US" altLang="en-US" sz="1540" dirty="0">
+              <a:solidFill>
+                <a:srgbClr val="262626"/>
+              </a:solidFill>
+            </a:endParaRPr>
+          </a:p>
+          <a:p>
+            <a:pPr marL="228600" lvl="0" indent="-228600" defTabSz="342900">
+              <a:lnSpc>
+                <a:spcPct val="120000"/>
+              </a:lnSpc>
+              <a:buFont typeface="Arial" panose="020B0604020202020204" pitchFamily="34" charset="0"/>
+              <a:buChar char="•"/>
+            </a:pPr>
+            <a:endParaRPr lang="en-US" altLang="en-US" sz="1540" dirty="0">
+              <a:solidFill>
+                <a:srgbClr val="262626"/>
+              </a:solidFill>
+            </a:endParaRPr>
+          </a:p>
+          <a:p>
+            <a:pPr marL="228600" lvl="0" indent="-228600" defTabSz="342900">
+              <a:lnSpc>
+                <a:spcPct val="120000"/>
+              </a:lnSpc>
+              <a:buFont typeface="Arial" panose="020B0604020202020204" pitchFamily="34" charset="0"/>
+              <a:buChar char="•"/>
+            </a:pPr>
+            <a:r>
+              <a:rPr lang="en-US" altLang="en-US" sz="1540" dirty="0">
+                <a:solidFill>
+                  <a:srgbClr val="262626"/>
+                </a:solidFill>
+              </a:rPr>
+              <a:t>It gets the client's IP (if they sent the DNS request) or the IP of the recursive DNS server that is used for processing the request. Generally speaking, such recursive servers are usually the DNSs of the Internet providers.</a:t>
+            </a:r>
+            <a:endParaRPr lang="en-US" altLang="en-US" sz="1540" dirty="0">
+              <a:solidFill>
+                <a:srgbClr val="262626"/>
+              </a:solidFill>
+            </a:endParaRPr>
+          </a:p>
+          <a:p>
+            <a:pPr marL="228600" lvl="0" indent="-228600" defTabSz="342900">
+              <a:lnSpc>
+                <a:spcPct val="120000"/>
+              </a:lnSpc>
+              <a:buFont typeface="Arial" panose="020B0604020202020204" pitchFamily="34" charset="0"/>
+              <a:buChar char="•"/>
+            </a:pPr>
+            <a:r>
+              <a:rPr lang="en-US" altLang="en-US" sz="1540" dirty="0">
+                <a:solidFill>
+                  <a:srgbClr val="262626"/>
+                </a:solidFill>
+              </a:rPr>
+              <a:t>By the client's IP it identifies their country or region. This operation requires the use of GeoIP database, which are available in no short supply. There are even decent free options.</a:t>
+            </a:r>
+            <a:endParaRPr lang="en-US" altLang="en-US" sz="1540" dirty="0">
+              <a:solidFill>
+                <a:srgbClr val="262626"/>
+              </a:solidFill>
+            </a:endParaRPr>
+          </a:p>
+          <a:p>
+            <a:pPr marL="228600" lvl="0" indent="-228600" defTabSz="342900">
+              <a:lnSpc>
+                <a:spcPct val="120000"/>
+              </a:lnSpc>
+              <a:buFont typeface="Arial" panose="020B0604020202020204" pitchFamily="34" charset="0"/>
+              <a:buChar char="•"/>
+            </a:pPr>
+            <a:r>
+              <a:rPr lang="en-US" altLang="en-US" sz="1540" dirty="0">
+                <a:solidFill>
+                  <a:srgbClr val="262626"/>
+                </a:solidFill>
+              </a:rPr>
+              <a:t>Depending on the client's location, geoDNS returns him the IP address of the closest CDN server.</a:t>
+            </a:r>
+            <a:endParaRPr lang="en-US" altLang="en-US" sz="1540" dirty="0">
+              <a:solidFill>
+                <a:srgbClr val="262626"/>
+              </a:solidFill>
+            </a:endParaRPr>
+          </a:p>
+          <a:p>
+            <a:pPr marL="228600" lvl="0" indent="-228600" defTabSz="342900">
+              <a:lnSpc>
+                <a:spcPct val="120000"/>
+              </a:lnSpc>
+              <a:buFont typeface="Arial" panose="020B0604020202020204" pitchFamily="34" charset="0"/>
+              <a:buChar char="•"/>
+            </a:pPr>
+            <a:endParaRPr lang="en-US" altLang="en-US" sz="1540" dirty="0">
+              <a:solidFill>
+                <a:srgbClr val="262626"/>
+              </a:solidFill>
+            </a:endParaRPr>
+          </a:p>
+          <a:p>
+            <a:pPr marL="228600" lvl="0" indent="-228600" defTabSz="342900">
+              <a:lnSpc>
+                <a:spcPct val="120000"/>
+              </a:lnSpc>
+              <a:buFont typeface="Arial" panose="020B0604020202020204" pitchFamily="34" charset="0"/>
+              <a:buChar char="•"/>
+            </a:pPr>
+            <a:endParaRPr lang="en-US" altLang="en-US" sz="1540" dirty="0">
+              <a:solidFill>
+                <a:srgbClr val="262626"/>
+              </a:solidFill>
+            </a:endParaRPr>
+          </a:p>
+          <a:p>
+            <a:pPr marL="228600" lvl="0" indent="-228600" defTabSz="342900">
+              <a:lnSpc>
+                <a:spcPct val="120000"/>
+              </a:lnSpc>
+              <a:buFont typeface="Arial" panose="020B0604020202020204" pitchFamily="34" charset="0"/>
+              <a:buChar char="•"/>
+            </a:pPr>
+            <a:endParaRPr lang="en-US" altLang="en-US" sz="1540" dirty="0">
+              <a:solidFill>
+                <a:srgbClr val="262626"/>
+              </a:solidFill>
+            </a:endParaRPr>
+          </a:p>
+          <a:p>
+            <a:pPr marL="0" lvl="0" indent="0" defTabSz="342900">
+              <a:lnSpc>
+                <a:spcPct val="120000"/>
+              </a:lnSpc>
+              <a:buFont typeface="Arial" panose="020B0604020202020204" pitchFamily="34" charset="0"/>
+              <a:buNone/>
+            </a:pPr>
+            <a:endParaRPr lang="en-US" altLang="en-US" sz="1540" dirty="0">
+              <a:solidFill>
+                <a:srgbClr val="262626"/>
+              </a:solidFill>
+            </a:endParaRPr>
+          </a:p>
+        </p:txBody>
+      </p:sp>
+    </p:spTree>
+  </p:cSld>
+  <p:clrMapOvr>
+    <a:masterClrMapping/>
+  </p:clrMapOvr>
+</p:sld>
+</file>
+
+<file path=ppt/slides/slide22.xml><?xml version="1.0" encoding="utf-8"?>
+<p:sld xmlns:a="http://schemas.openxmlformats.org/drawingml/2006/main" xmlns:r="http://schemas.openxmlformats.org/officeDocument/2006/relationships" xmlns:p="http://schemas.openxmlformats.org/presentationml/2006/main">
+  <p:cSld>
+    <p:spTree>
+      <p:nvGrpSpPr>
+        <p:cNvPr id="1" name=""/>
+        <p:cNvGrpSpPr/>
+        <p:nvPr/>
+      </p:nvGrpSpPr>
+      <p:grpSpPr>
+        <a:xfrm>
+          <a:off x="0" y="0"/>
+          <a:ext cx="0" cy="0"/>
+          <a:chOff x="0" y="0"/>
+          <a:chExt cx="0" cy="0"/>
+        </a:xfrm>
+      </p:grpSpPr>
+      <p:sp>
+        <p:nvSpPr>
+          <p:cNvPr id="2" name="Title 1"/>
+          <p:cNvSpPr>
+            <a:spLocks noGrp="1"/>
+          </p:cNvSpPr>
+          <p:nvPr>
+            <p:ph type="title"/>
+          </p:nvPr>
+        </p:nvSpPr>
+        <p:spPr>
+          <a:xfrm>
+            <a:off x="628650" y="155263"/>
+            <a:ext cx="7886700" cy="526790"/>
+          </a:xfrm>
+        </p:spPr>
+        <p:txBody>
+          <a:bodyPr>
+            <a:normAutofit fontScale="90000"/>
+          </a:bodyPr>
+          <a:lstStyle/>
+          <a:p>
+            <a:pPr algn="ctr"/>
+            <a:r>
+              <a:rPr lang="en-US" sz="3200" b="1" dirty="0">
+                <a:latin typeface="Calibri" panose="020F0502020204030204" pitchFamily="34" charset="0"/>
+                <a:cs typeface="Calibri" panose="020F0502020204030204" pitchFamily="34" charset="0"/>
+              </a:rPr>
+              <a:t>IPFS Cluster </a:t>
+            </a:r>
+            <a:r>
+              <a:rPr lang="en-US" sz="3200" b="1" dirty="0">
+                <a:latin typeface="Calibri" panose="020F0502020204030204" pitchFamily="34" charset="0"/>
+                <a:cs typeface="Calibri" panose="020F0502020204030204" pitchFamily="34" charset="0"/>
+                <a:sym typeface="+mn-ea"/>
+              </a:rPr>
+              <a:t>Implementation</a:t>
+            </a:r>
+            <a:endParaRPr lang="en-US" sz="3200" b="1" dirty="0">
+              <a:latin typeface="Calibri" panose="020F0502020204030204" pitchFamily="34" charset="0"/>
+              <a:cs typeface="Calibri" panose="020F0502020204030204" pitchFamily="34" charset="0"/>
+            </a:endParaRPr>
+          </a:p>
+        </p:txBody>
+      </p:sp>
+      <p:sp>
+        <p:nvSpPr>
+          <p:cNvPr id="3" name="Content Placeholder 2"/>
+          <p:cNvSpPr>
+            <a:spLocks noGrp="1"/>
+          </p:cNvSpPr>
+          <p:nvPr>
+            <p:ph idx="1"/>
+          </p:nvPr>
+        </p:nvSpPr>
+        <p:spPr>
+          <a:xfrm>
+            <a:off x="628650" y="989044"/>
+            <a:ext cx="7886700" cy="5605719"/>
+          </a:xfrm>
+        </p:spPr>
+        <p:txBody>
+          <a:bodyPr>
+            <a:normAutofit lnSpcReduction="10000"/>
+          </a:bodyPr>
+          <a:lstStyle/>
+          <a:p>
+            <a:pPr marL="228600" lvl="0" indent="-228600" defTabSz="342900">
+              <a:lnSpc>
+                <a:spcPct val="120000"/>
+              </a:lnSpc>
+              <a:buFont typeface="Arial" panose="020B0604020202020204" pitchFamily="34" charset="0"/>
+              <a:buChar char="•"/>
+            </a:pPr>
+            <a:r>
+              <a:rPr lang="en-US" altLang="en-US" sz="1540" dirty="0">
+                <a:solidFill>
+                  <a:srgbClr val="262626"/>
+                </a:solidFill>
+              </a:rPr>
+              <a:t>IPFS Cluster</a:t>
+            </a:r>
+            <a:endParaRPr lang="en-US" altLang="en-US" sz="1540" dirty="0">
+              <a:solidFill>
+                <a:srgbClr val="262626"/>
+              </a:solidFill>
+            </a:endParaRPr>
+          </a:p>
+          <a:p>
+            <a:pPr marL="228600" lvl="0" indent="-228600" defTabSz="342900">
+              <a:lnSpc>
+                <a:spcPct val="120000"/>
+              </a:lnSpc>
+              <a:buFont typeface="Arial" panose="020B0604020202020204" pitchFamily="34" charset="0"/>
+              <a:buChar char="•"/>
+            </a:pPr>
+            <a:r>
+              <a:rPr lang="en-US" altLang="en-US" sz="1540" dirty="0">
+                <a:solidFill>
+                  <a:srgbClr val="262626"/>
+                </a:solidFill>
+              </a:rPr>
+              <a:t>how to build your CND using IPFS cluster?</a:t>
+            </a:r>
+            <a:endParaRPr lang="en-US" altLang="en-US" sz="1540" dirty="0">
+              <a:solidFill>
+                <a:srgbClr val="262626"/>
+              </a:solidFill>
+            </a:endParaRPr>
+          </a:p>
+          <a:p>
+            <a:pPr marL="228600" lvl="0" indent="-228600" defTabSz="342900">
+              <a:lnSpc>
+                <a:spcPct val="120000"/>
+              </a:lnSpc>
+              <a:buFont typeface="Arial" panose="020B0604020202020204" pitchFamily="34" charset="0"/>
+              <a:buChar char="•"/>
+            </a:pPr>
+            <a:r>
+              <a:rPr lang="en-US" altLang="en-US" sz="1540" dirty="0">
+                <a:solidFill>
+                  <a:srgbClr val="262626"/>
+                </a:solidFill>
+              </a:rPr>
+              <a:t>Step 3.1:</a:t>
+            </a:r>
+            <a:endParaRPr lang="en-US" altLang="en-US" sz="1540" dirty="0">
+              <a:solidFill>
+                <a:srgbClr val="262626"/>
+              </a:solidFill>
+            </a:endParaRPr>
+          </a:p>
+          <a:p>
+            <a:pPr marL="228600" lvl="0" indent="-228600" defTabSz="342900">
+              <a:lnSpc>
+                <a:spcPct val="120000"/>
+              </a:lnSpc>
+              <a:buFont typeface="Arial" panose="020B0604020202020204" pitchFamily="34" charset="0"/>
+              <a:buChar char="•"/>
+            </a:pPr>
+            <a:r>
+              <a:rPr lang="en-US" altLang="en-US" sz="1540" dirty="0">
+                <a:solidFill>
+                  <a:srgbClr val="262626"/>
+                </a:solidFill>
+              </a:rPr>
+              <a:t>Install IPFS Cluster</a:t>
+            </a:r>
+            <a:endParaRPr lang="en-US" altLang="en-US" sz="1540" dirty="0">
+              <a:solidFill>
+                <a:srgbClr val="262626"/>
+              </a:solidFill>
+            </a:endParaRPr>
+          </a:p>
+          <a:p>
+            <a:pPr marL="228600" lvl="0" indent="-228600" defTabSz="342900">
+              <a:lnSpc>
+                <a:spcPct val="120000"/>
+              </a:lnSpc>
+              <a:buFont typeface="Arial" panose="020B0604020202020204" pitchFamily="34" charset="0"/>
+              <a:buChar char="•"/>
+            </a:pPr>
+            <a:endParaRPr lang="en-US" altLang="en-US" sz="1540" dirty="0">
+              <a:solidFill>
+                <a:srgbClr val="262626"/>
+              </a:solidFill>
+            </a:endParaRPr>
+          </a:p>
+          <a:p>
+            <a:pPr marL="228600" lvl="0" indent="-228600" defTabSz="342900">
+              <a:lnSpc>
+                <a:spcPct val="120000"/>
+              </a:lnSpc>
+              <a:buFont typeface="Arial" panose="020B0604020202020204" pitchFamily="34" charset="0"/>
+              <a:buChar char="•"/>
+            </a:pPr>
+            <a:r>
+              <a:rPr lang="en-US" altLang="en-US" sz="1540" dirty="0">
+                <a:solidFill>
+                  <a:srgbClr val="262626"/>
+                </a:solidFill>
+              </a:rPr>
+              <a:t>https://medium.com/rahasak/ipfs-cluster-with-docker-db2ec20a6cc1</a:t>
+            </a:r>
+            <a:endParaRPr lang="en-US" altLang="en-US" sz="1540" dirty="0">
+              <a:solidFill>
+                <a:srgbClr val="262626"/>
+              </a:solidFill>
+            </a:endParaRPr>
+          </a:p>
+          <a:p>
+            <a:pPr marL="228600" lvl="0" indent="-228600" defTabSz="342900">
+              <a:lnSpc>
+                <a:spcPct val="120000"/>
+              </a:lnSpc>
+              <a:buFont typeface="Arial" panose="020B0604020202020204" pitchFamily="34" charset="0"/>
+              <a:buChar char="•"/>
+            </a:pPr>
+            <a:endParaRPr lang="en-US" altLang="en-US" sz="1540" dirty="0">
+              <a:solidFill>
+                <a:srgbClr val="262626"/>
+              </a:solidFill>
+            </a:endParaRPr>
+          </a:p>
+          <a:p>
+            <a:pPr marL="228600" lvl="0" indent="-228600" defTabSz="342900">
+              <a:lnSpc>
+                <a:spcPct val="120000"/>
+              </a:lnSpc>
+              <a:buFont typeface="Arial" panose="020B0604020202020204" pitchFamily="34" charset="0"/>
+              <a:buChar char="•"/>
+            </a:pPr>
+            <a:r>
+              <a:rPr lang="en-US" altLang="en-US" sz="1540" dirty="0">
+                <a:solidFill>
+                  <a:srgbClr val="262626"/>
+                </a:solidFill>
+              </a:rPr>
+              <a:t>(Terraform and Ansible to auto install and manage the cluster)</a:t>
+            </a:r>
+            <a:endParaRPr lang="en-US" altLang="en-US" sz="1540" dirty="0">
+              <a:solidFill>
+                <a:srgbClr val="262626"/>
+              </a:solidFill>
+            </a:endParaRPr>
+          </a:p>
+        </p:txBody>
+      </p:sp>
+    </p:spTree>
+  </p:cSld>
+  <p:clrMapOvr>
+    <a:masterClrMapping/>
+  </p:clrMapOvr>
+</p:sld>
+</file>
+
+<file path=ppt/slides/slide23.xml><?xml version="1.0" encoding="utf-8"?>
+<p:sld xmlns:a="http://schemas.openxmlformats.org/drawingml/2006/main" xmlns:r="http://schemas.openxmlformats.org/officeDocument/2006/relationships" xmlns:p="http://schemas.openxmlformats.org/presentationml/2006/main">
+  <p:cSld>
+    <p:spTree>
+      <p:nvGrpSpPr>
+        <p:cNvPr id="1" name=""/>
+        <p:cNvGrpSpPr/>
+        <p:nvPr/>
+      </p:nvGrpSpPr>
+      <p:grpSpPr>
+        <a:xfrm>
+          <a:off x="0" y="0"/>
+          <a:ext cx="0" cy="0"/>
+          <a:chOff x="0" y="0"/>
+          <a:chExt cx="0" cy="0"/>
+        </a:xfrm>
+      </p:grpSpPr>
+      <p:sp>
+        <p:nvSpPr>
+          <p:cNvPr id="2" name="Title 1"/>
+          <p:cNvSpPr>
+            <a:spLocks noGrp="1"/>
+          </p:cNvSpPr>
+          <p:nvPr>
+            <p:ph type="title"/>
+          </p:nvPr>
+        </p:nvSpPr>
+        <p:spPr>
+          <a:xfrm>
+            <a:off x="628650" y="155263"/>
+            <a:ext cx="7886700" cy="526790"/>
+          </a:xfrm>
+        </p:spPr>
+        <p:txBody>
+          <a:bodyPr>
+            <a:normAutofit fontScale="90000"/>
+          </a:bodyPr>
+          <a:lstStyle/>
+          <a:p>
+            <a:pPr algn="ctr"/>
+            <a:r>
+              <a:rPr lang="en-US" sz="3200" b="1" dirty="0">
+                <a:latin typeface="Calibri" panose="020F0502020204030204" pitchFamily="34" charset="0"/>
+                <a:cs typeface="Calibri" panose="020F0502020204030204" pitchFamily="34" charset="0"/>
+              </a:rPr>
+              <a:t>IPFS Cluster </a:t>
+            </a:r>
+            <a:r>
+              <a:rPr lang="en-US" sz="3200" b="1" dirty="0">
+                <a:latin typeface="Calibri" panose="020F0502020204030204" pitchFamily="34" charset="0"/>
+                <a:cs typeface="Calibri" panose="020F0502020204030204" pitchFamily="34" charset="0"/>
+                <a:sym typeface="+mn-ea"/>
+              </a:rPr>
+              <a:t>Implementation</a:t>
+            </a:r>
+            <a:endParaRPr lang="en-US" sz="3200" b="1" dirty="0">
+              <a:latin typeface="Calibri" panose="020F0502020204030204" pitchFamily="34" charset="0"/>
+              <a:cs typeface="Calibri" panose="020F0502020204030204" pitchFamily="34" charset="0"/>
+            </a:endParaRPr>
+          </a:p>
+        </p:txBody>
+      </p:sp>
+      <p:sp>
+        <p:nvSpPr>
+          <p:cNvPr id="3" name="Content Placeholder 2"/>
+          <p:cNvSpPr>
+            <a:spLocks noGrp="1"/>
+          </p:cNvSpPr>
+          <p:nvPr>
+            <p:ph idx="1"/>
+          </p:nvPr>
+        </p:nvSpPr>
+        <p:spPr>
+          <a:xfrm>
+            <a:off x="628650" y="989044"/>
+            <a:ext cx="7886700" cy="5605719"/>
+          </a:xfrm>
+        </p:spPr>
+        <p:txBody>
+          <a:bodyPr>
+            <a:normAutofit lnSpcReduction="10000"/>
+          </a:bodyPr>
+          <a:lstStyle/>
+          <a:p>
+            <a:pPr marL="228600" lvl="0" indent="-228600" defTabSz="342900">
+              <a:lnSpc>
+                <a:spcPct val="120000"/>
+              </a:lnSpc>
+              <a:buFont typeface="Arial" panose="020B0604020202020204" pitchFamily="34" charset="0"/>
+              <a:buChar char="•"/>
+            </a:pPr>
+            <a:r>
+              <a:rPr lang="en-US" altLang="en-US" sz="1540" dirty="0">
+                <a:solidFill>
+                  <a:srgbClr val="262626"/>
+                </a:solidFill>
+              </a:rPr>
+              <a:t>IPFS Cluster</a:t>
+            </a:r>
+            <a:endParaRPr lang="en-US" altLang="en-US" sz="1540" dirty="0">
+              <a:solidFill>
+                <a:srgbClr val="262626"/>
+              </a:solidFill>
+            </a:endParaRPr>
+          </a:p>
+          <a:p>
+            <a:pPr marL="228600" lvl="0" indent="-228600" defTabSz="342900">
+              <a:lnSpc>
+                <a:spcPct val="120000"/>
+              </a:lnSpc>
+              <a:buFont typeface="Arial" panose="020B0604020202020204" pitchFamily="34" charset="0"/>
+              <a:buChar char="•"/>
+            </a:pPr>
+            <a:r>
+              <a:rPr lang="en-US" altLang="en-US" sz="1540" dirty="0">
+                <a:solidFill>
+                  <a:srgbClr val="262626"/>
+                </a:solidFill>
+              </a:rPr>
+              <a:t>how to build your CND using IPFS cluster?</a:t>
+            </a:r>
+            <a:endParaRPr lang="en-US" altLang="en-US" sz="1540" dirty="0">
+              <a:solidFill>
+                <a:srgbClr val="262626"/>
+              </a:solidFill>
+            </a:endParaRPr>
+          </a:p>
+          <a:p>
+            <a:pPr marL="228600" lvl="0" indent="-228600" defTabSz="342900">
+              <a:lnSpc>
+                <a:spcPct val="120000"/>
+              </a:lnSpc>
+              <a:buFont typeface="Arial" panose="020B0604020202020204" pitchFamily="34" charset="0"/>
+              <a:buChar char="•"/>
+            </a:pPr>
+            <a:r>
+              <a:rPr lang="en-US" altLang="en-US" sz="1540" dirty="0">
+                <a:solidFill>
+                  <a:srgbClr val="262626"/>
+                </a:solidFill>
+              </a:rPr>
+              <a:t>Step 3.2:</a:t>
+            </a:r>
+            <a:endParaRPr lang="en-US" altLang="en-US" sz="1540" dirty="0">
+              <a:solidFill>
+                <a:srgbClr val="262626"/>
+              </a:solidFill>
+            </a:endParaRPr>
+          </a:p>
+          <a:p>
+            <a:pPr marL="228600" lvl="0" indent="-228600" defTabSz="342900">
+              <a:lnSpc>
+                <a:spcPct val="120000"/>
+              </a:lnSpc>
+              <a:buFont typeface="Arial" panose="020B0604020202020204" pitchFamily="34" charset="0"/>
+              <a:buChar char="•"/>
+            </a:pPr>
+            <a:r>
+              <a:rPr lang="en-US" altLang="en-US" sz="1540" dirty="0">
+                <a:solidFill>
+                  <a:srgbClr val="262626"/>
+                </a:solidFill>
+              </a:rPr>
+              <a:t>СlouDNS,Zilore, Amazon Route 53, Cloudflare</a:t>
+            </a:r>
+            <a:endParaRPr lang="en-US" altLang="en-US" sz="1540" dirty="0">
+              <a:solidFill>
+                <a:srgbClr val="262626"/>
+              </a:solidFill>
+            </a:endParaRPr>
+          </a:p>
+          <a:p>
+            <a:pPr marL="228600" lvl="0" indent="-228600" defTabSz="342900">
+              <a:lnSpc>
+                <a:spcPct val="120000"/>
+              </a:lnSpc>
+              <a:buFont typeface="Arial" panose="020B0604020202020204" pitchFamily="34" charset="0"/>
+              <a:buChar char="•"/>
+            </a:pPr>
+            <a:endParaRPr lang="en-US" altLang="en-US" sz="1540" dirty="0">
+              <a:solidFill>
+                <a:srgbClr val="262626"/>
+              </a:solidFill>
+            </a:endParaRPr>
+          </a:p>
+          <a:p>
+            <a:pPr marL="0" lvl="0" indent="0" defTabSz="342900">
+              <a:lnSpc>
+                <a:spcPct val="120000"/>
+              </a:lnSpc>
+              <a:buFont typeface="Arial" panose="020B0604020202020204" pitchFamily="34" charset="0"/>
+              <a:buNone/>
+            </a:pPr>
+            <a:endParaRPr lang="en-US" altLang="en-US" sz="1540" dirty="0">
+              <a:solidFill>
+                <a:srgbClr val="262626"/>
+              </a:solidFill>
+            </a:endParaRPr>
+          </a:p>
+        </p:txBody>
+      </p:sp>
+      <p:pic>
+        <p:nvPicPr>
+          <p:cNvPr id="4" name="图片 3"/>
+          <p:cNvPicPr>
+            <a:picLocks noChangeAspect="1"/>
+          </p:cNvPicPr>
+          <p:nvPr/>
+        </p:nvPicPr>
+        <p:blipFill>
+          <a:blip r:embed="rId1"/>
+          <a:stretch>
+            <a:fillRect/>
+          </a:stretch>
+        </p:blipFill>
+        <p:spPr>
+          <a:xfrm>
+            <a:off x="628650" y="2785745"/>
+            <a:ext cx="5133975" cy="3657600"/>
+          </a:xfrm>
+          <a:prstGeom prst="rect">
+            <a:avLst/>
+          </a:prstGeom>
+        </p:spPr>
+      </p:pic>
+    </p:spTree>
+  </p:cSld>
+  <p:clrMapOvr>
+    <a:masterClrMapping/>
+  </p:clrMapOvr>
+</p:sld>
+</file>
+
+<file path=ppt/slides/slide24.xml><?xml version="1.0" encoding="utf-8"?>
+<p:sld xmlns:a="http://schemas.openxmlformats.org/drawingml/2006/main" xmlns:r="http://schemas.openxmlformats.org/officeDocument/2006/relationships" xmlns:p="http://schemas.openxmlformats.org/presentationml/2006/main">
+  <p:cSld>
+    <p:spTree>
+      <p:nvGrpSpPr>
+        <p:cNvPr id="1" name=""/>
+        <p:cNvGrpSpPr/>
+        <p:nvPr/>
+      </p:nvGrpSpPr>
+      <p:grpSpPr>
+        <a:xfrm>
+          <a:off x="0" y="0"/>
+          <a:ext cx="0" cy="0"/>
+          <a:chOff x="0" y="0"/>
+          <a:chExt cx="0" cy="0"/>
+        </a:xfrm>
+      </p:grpSpPr>
+      <p:sp>
+        <p:nvSpPr>
+          <p:cNvPr id="2" name="Title 1"/>
+          <p:cNvSpPr>
+            <a:spLocks noGrp="1"/>
+          </p:cNvSpPr>
+          <p:nvPr>
+            <p:ph type="title"/>
+          </p:nvPr>
+        </p:nvSpPr>
+        <p:spPr>
+          <a:xfrm>
+            <a:off x="628650" y="155263"/>
+            <a:ext cx="7886700" cy="526790"/>
+          </a:xfrm>
+        </p:spPr>
+        <p:txBody>
+          <a:bodyPr>
+            <a:normAutofit fontScale="90000"/>
+          </a:bodyPr>
+          <a:lstStyle/>
+          <a:p>
+            <a:pPr algn="ctr"/>
+            <a:r>
+              <a:rPr lang="en-US" sz="3200" b="1" dirty="0">
+                <a:latin typeface="Calibri" panose="020F0502020204030204" pitchFamily="34" charset="0"/>
+                <a:cs typeface="Calibri" panose="020F0502020204030204" pitchFamily="34" charset="0"/>
+              </a:rPr>
+              <a:t>IPFS Cluster </a:t>
+            </a:r>
+            <a:r>
+              <a:rPr lang="en-US" sz="3200" b="1" dirty="0">
+                <a:latin typeface="Calibri" panose="020F0502020204030204" pitchFamily="34" charset="0"/>
+                <a:cs typeface="Calibri" panose="020F0502020204030204" pitchFamily="34" charset="0"/>
+                <a:sym typeface="+mn-ea"/>
+              </a:rPr>
+              <a:t>Implementation</a:t>
+            </a:r>
+            <a:endParaRPr lang="en-US" sz="3200" b="1" dirty="0">
+              <a:latin typeface="Calibri" panose="020F0502020204030204" pitchFamily="34" charset="0"/>
+              <a:cs typeface="Calibri" panose="020F0502020204030204" pitchFamily="34" charset="0"/>
+            </a:endParaRPr>
+          </a:p>
+        </p:txBody>
+      </p:sp>
+      <p:sp>
+        <p:nvSpPr>
+          <p:cNvPr id="3" name="Content Placeholder 2"/>
+          <p:cNvSpPr>
+            <a:spLocks noGrp="1"/>
+          </p:cNvSpPr>
+          <p:nvPr>
+            <p:ph idx="1"/>
+          </p:nvPr>
+        </p:nvSpPr>
+        <p:spPr>
+          <a:xfrm>
+            <a:off x="628650" y="989044"/>
+            <a:ext cx="7886700" cy="5605719"/>
+          </a:xfrm>
+        </p:spPr>
+        <p:txBody>
+          <a:bodyPr>
+            <a:normAutofit lnSpcReduction="10000"/>
+          </a:bodyPr>
+          <a:lstStyle/>
+          <a:p>
+            <a:pPr marL="228600" lvl="0" indent="-228600" defTabSz="342900">
+              <a:lnSpc>
+                <a:spcPct val="120000"/>
+              </a:lnSpc>
+              <a:buFont typeface="Arial" panose="020B0604020202020204" pitchFamily="34" charset="0"/>
+              <a:buChar char="•"/>
+            </a:pPr>
+            <a:r>
+              <a:rPr lang="en-US" altLang="en-US" sz="1540" dirty="0">
+                <a:solidFill>
+                  <a:srgbClr val="262626"/>
+                </a:solidFill>
+              </a:rPr>
+              <a:t>IPFS Cluster</a:t>
+            </a:r>
+            <a:endParaRPr lang="en-US" altLang="en-US" sz="1540" dirty="0">
+              <a:solidFill>
+                <a:srgbClr val="262626"/>
+              </a:solidFill>
+            </a:endParaRPr>
+          </a:p>
+          <a:p>
+            <a:pPr marL="228600" lvl="0" indent="-228600" defTabSz="342900">
+              <a:lnSpc>
+                <a:spcPct val="120000"/>
+              </a:lnSpc>
+              <a:buFont typeface="Arial" panose="020B0604020202020204" pitchFamily="34" charset="0"/>
+              <a:buChar char="•"/>
+            </a:pPr>
+            <a:r>
+              <a:rPr lang="en-US" altLang="en-US" sz="1540" dirty="0">
+                <a:solidFill>
+                  <a:srgbClr val="262626"/>
+                </a:solidFill>
+              </a:rPr>
+              <a:t>how to build your CDN using IPFS cluster?</a:t>
+            </a:r>
+            <a:endParaRPr lang="en-US" altLang="en-US" sz="1540" dirty="0">
+              <a:solidFill>
+                <a:srgbClr val="262626"/>
+              </a:solidFill>
+            </a:endParaRPr>
+          </a:p>
+          <a:p>
+            <a:pPr marL="228600" lvl="0" indent="-228600" defTabSz="342900">
+              <a:lnSpc>
+                <a:spcPct val="120000"/>
+              </a:lnSpc>
+              <a:buFont typeface="Arial" panose="020B0604020202020204" pitchFamily="34" charset="0"/>
+              <a:buChar char="•"/>
+            </a:pPr>
+            <a:r>
+              <a:rPr lang="en-US" altLang="en-US" sz="1540" dirty="0">
+                <a:solidFill>
+                  <a:srgbClr val="262626"/>
+                </a:solidFill>
+              </a:rPr>
+              <a:t>Step 3.1:</a:t>
+            </a:r>
+            <a:endParaRPr lang="en-US" altLang="en-US" sz="1540" dirty="0">
+              <a:solidFill>
+                <a:srgbClr val="262626"/>
+              </a:solidFill>
+            </a:endParaRPr>
+          </a:p>
+          <a:p>
+            <a:pPr marL="228600" lvl="0" indent="-228600" defTabSz="342900">
+              <a:lnSpc>
+                <a:spcPct val="120000"/>
+              </a:lnSpc>
+              <a:buFont typeface="Arial" panose="020B0604020202020204" pitchFamily="34" charset="0"/>
+              <a:buChar char="•"/>
+            </a:pPr>
+            <a:r>
+              <a:rPr lang="en-US" altLang="en-US" sz="1540" dirty="0">
+                <a:solidFill>
+                  <a:srgbClr val="262626"/>
+                </a:solidFill>
+              </a:rPr>
+              <a:t>СlouDNS,Zilore, Amazon Route 53, Cloudflare</a:t>
+            </a:r>
+            <a:endParaRPr lang="en-US" altLang="en-US" sz="1540" dirty="0">
+              <a:solidFill>
+                <a:srgbClr val="262626"/>
+              </a:solidFill>
+            </a:endParaRPr>
+          </a:p>
+          <a:p>
+            <a:pPr marL="228600" lvl="0" indent="-228600" defTabSz="342900">
+              <a:lnSpc>
+                <a:spcPct val="120000"/>
+              </a:lnSpc>
+              <a:buFont typeface="Arial" panose="020B0604020202020204" pitchFamily="34" charset="0"/>
+              <a:buChar char="•"/>
+            </a:pPr>
+            <a:endParaRPr lang="en-US" altLang="en-US" sz="1540" dirty="0">
+              <a:solidFill>
+                <a:srgbClr val="262626"/>
+              </a:solidFill>
+            </a:endParaRPr>
+          </a:p>
+          <a:p>
+            <a:pPr marL="0" lvl="0" indent="0" defTabSz="342900">
+              <a:lnSpc>
+                <a:spcPct val="120000"/>
+              </a:lnSpc>
+              <a:buFont typeface="Arial" panose="020B0604020202020204" pitchFamily="34" charset="0"/>
+              <a:buNone/>
+            </a:pPr>
+            <a:endParaRPr lang="en-US" altLang="en-US" sz="1540" dirty="0">
+              <a:solidFill>
+                <a:srgbClr val="262626"/>
+              </a:solidFill>
+            </a:endParaRPr>
+          </a:p>
+        </p:txBody>
+      </p:sp>
+      <p:pic>
+        <p:nvPicPr>
+          <p:cNvPr id="5" name="图片 4"/>
+          <p:cNvPicPr>
+            <a:picLocks noChangeAspect="1"/>
+          </p:cNvPicPr>
+          <p:nvPr/>
+        </p:nvPicPr>
+        <p:blipFill>
+          <a:blip r:embed="rId1"/>
+          <a:stretch>
+            <a:fillRect/>
+          </a:stretch>
+        </p:blipFill>
+        <p:spPr>
+          <a:xfrm>
+            <a:off x="628650" y="2632710"/>
+            <a:ext cx="5648325" cy="3962400"/>
+          </a:xfrm>
+          <a:prstGeom prst="rect">
+            <a:avLst/>
+          </a:prstGeom>
+        </p:spPr>
+      </p:pic>
+    </p:spTree>
+  </p:cSld>
+  <p:clrMapOvr>
+    <a:masterClrMapping/>
+  </p:clrMapOvr>
+</p:sld>
+</file>
+
+<file path=ppt/slides/slide25.xml><?xml version="1.0" encoding="utf-8"?>
+<p:sld xmlns:a="http://schemas.openxmlformats.org/drawingml/2006/main" xmlns:r="http://schemas.openxmlformats.org/officeDocument/2006/relationships" xmlns:p="http://schemas.openxmlformats.org/presentationml/2006/main">
+  <p:cSld>
+    <p:spTree>
+      <p:nvGrpSpPr>
+        <p:cNvPr id="1" name=""/>
+        <p:cNvGrpSpPr/>
+        <p:nvPr/>
+      </p:nvGrpSpPr>
+      <p:grpSpPr>
+        <a:xfrm>
+          <a:off x="0" y="0"/>
+          <a:ext cx="0" cy="0"/>
+          <a:chOff x="0" y="0"/>
+          <a:chExt cx="0" cy="0"/>
+        </a:xfrm>
+      </p:grpSpPr>
+      <p:sp>
+        <p:nvSpPr>
+          <p:cNvPr id="2" name="Title 1"/>
+          <p:cNvSpPr>
+            <a:spLocks noGrp="1"/>
+          </p:cNvSpPr>
+          <p:nvPr>
+            <p:ph type="title"/>
+          </p:nvPr>
+        </p:nvSpPr>
+        <p:spPr>
+          <a:xfrm>
+            <a:off x="628650" y="155263"/>
+            <a:ext cx="7886700" cy="526790"/>
+          </a:xfrm>
+        </p:spPr>
+        <p:txBody>
+          <a:bodyPr>
+            <a:normAutofit fontScale="90000"/>
+          </a:bodyPr>
+          <a:lstStyle/>
+          <a:p>
+            <a:pPr algn="ctr"/>
+            <a:r>
+              <a:rPr lang="en-US" sz="3200" b="1" dirty="0">
+                <a:latin typeface="Calibri" panose="020F0502020204030204" pitchFamily="34" charset="0"/>
+                <a:cs typeface="Calibri" panose="020F0502020204030204" pitchFamily="34" charset="0"/>
+              </a:rPr>
+              <a:t>OrbitDB</a:t>
+            </a:r>
+            <a:endParaRPr lang="en-US" sz="3200" b="1" dirty="0">
+              <a:latin typeface="Calibri" panose="020F0502020204030204" pitchFamily="34" charset="0"/>
+              <a:cs typeface="Calibri" panose="020F0502020204030204" pitchFamily="34" charset="0"/>
+            </a:endParaRPr>
+          </a:p>
+        </p:txBody>
+      </p:sp>
+      <p:sp>
+        <p:nvSpPr>
+          <p:cNvPr id="3" name="Content Placeholder 2"/>
+          <p:cNvSpPr>
+            <a:spLocks noGrp="1"/>
+          </p:cNvSpPr>
+          <p:nvPr>
+            <p:ph idx="1"/>
+          </p:nvPr>
+        </p:nvSpPr>
+        <p:spPr>
+          <a:xfrm>
+            <a:off x="628650" y="989044"/>
+            <a:ext cx="7886700" cy="5605719"/>
+          </a:xfrm>
+        </p:spPr>
+        <p:txBody>
+          <a:bodyPr>
+            <a:normAutofit lnSpcReduction="10000"/>
+          </a:bodyPr>
+          <a:lstStyle/>
+          <a:p>
+            <a:pPr marL="228600" lvl="0" indent="-228600" defTabSz="342900">
+              <a:lnSpc>
+                <a:spcPct val="120000"/>
+              </a:lnSpc>
+              <a:buFont typeface="Arial" panose="020B0604020202020204" pitchFamily="34" charset="0"/>
+              <a:buChar char="•"/>
+            </a:pPr>
+            <a:r>
+              <a:rPr lang="en-US" altLang="en-US" sz="1540" dirty="0">
+                <a:solidFill>
+                  <a:srgbClr val="262626"/>
+                </a:solidFill>
+              </a:rPr>
+              <a:t>OrbitDB is a serverless, distributed, peer-to-peer database. OrbitDB uses IPFS as its data storage and IPFS Pubsub to automatically sync databases with peers. </a:t>
+            </a:r>
+            <a:endParaRPr lang="en-US" altLang="en-US" sz="1540" dirty="0">
+              <a:solidFill>
+                <a:srgbClr val="262626"/>
+              </a:solidFill>
+            </a:endParaRPr>
+          </a:p>
+          <a:p>
+            <a:pPr marL="228600" lvl="0" indent="-228600" defTabSz="342900">
+              <a:lnSpc>
+                <a:spcPct val="120000"/>
+              </a:lnSpc>
+              <a:buFont typeface="Arial" panose="020B0604020202020204" pitchFamily="34" charset="0"/>
+              <a:buChar char="•"/>
+            </a:pPr>
+            <a:endParaRPr lang="en-US" altLang="en-US" sz="1540" dirty="0">
+              <a:solidFill>
+                <a:srgbClr val="262626"/>
+              </a:solidFill>
+            </a:endParaRPr>
+          </a:p>
+          <a:p>
+            <a:pPr marL="228600" lvl="0" indent="-228600" defTabSz="342900">
+              <a:lnSpc>
+                <a:spcPct val="120000"/>
+              </a:lnSpc>
+              <a:buFont typeface="Arial" panose="020B0604020202020204" pitchFamily="34" charset="0"/>
+              <a:buChar char="•"/>
+            </a:pPr>
+            <a:endParaRPr lang="en-US" altLang="en-US" sz="1540" dirty="0">
+              <a:solidFill>
+                <a:srgbClr val="262626"/>
+              </a:solidFill>
+            </a:endParaRPr>
+          </a:p>
+          <a:p>
+            <a:pPr marL="228600" lvl="0" indent="-228600" defTabSz="342900">
+              <a:lnSpc>
+                <a:spcPct val="120000"/>
+              </a:lnSpc>
+              <a:buFont typeface="Arial" panose="020B0604020202020204" pitchFamily="34" charset="0"/>
+              <a:buChar char="•"/>
+            </a:pPr>
+            <a:endParaRPr lang="en-US" altLang="en-US" sz="1540" dirty="0">
+              <a:solidFill>
+                <a:srgbClr val="262626"/>
+              </a:solidFill>
+            </a:endParaRPr>
+          </a:p>
+          <a:p>
+            <a:pPr marL="228600" lvl="0" indent="-228600" defTabSz="342900">
+              <a:lnSpc>
+                <a:spcPct val="120000"/>
+              </a:lnSpc>
+              <a:buFont typeface="Arial" panose="020B0604020202020204" pitchFamily="34" charset="0"/>
+              <a:buChar char="•"/>
+            </a:pPr>
+            <a:endParaRPr lang="en-US" altLang="en-US" sz="1540" dirty="0">
+              <a:solidFill>
+                <a:srgbClr val="262626"/>
+              </a:solidFill>
+            </a:endParaRPr>
+          </a:p>
+          <a:p>
+            <a:pPr marL="228600" lvl="0" indent="-228600" defTabSz="342900">
+              <a:lnSpc>
+                <a:spcPct val="120000"/>
+              </a:lnSpc>
+              <a:buFont typeface="Arial" panose="020B0604020202020204" pitchFamily="34" charset="0"/>
+              <a:buChar char="•"/>
+            </a:pPr>
+            <a:endParaRPr lang="en-US" altLang="en-US" sz="1540" dirty="0">
+              <a:solidFill>
+                <a:srgbClr val="262626"/>
+              </a:solidFill>
+            </a:endParaRPr>
+          </a:p>
+          <a:p>
+            <a:pPr marL="0" lvl="0" indent="0" defTabSz="342900">
+              <a:lnSpc>
+                <a:spcPct val="120000"/>
+              </a:lnSpc>
+              <a:buFont typeface="Arial" panose="020B0604020202020204" pitchFamily="34" charset="0"/>
+              <a:buNone/>
+            </a:pPr>
+            <a:endParaRPr lang="en-US" altLang="en-US" sz="1540" dirty="0">
+              <a:solidFill>
+                <a:srgbClr val="262626"/>
+              </a:solidFill>
+            </a:endParaRPr>
+          </a:p>
+        </p:txBody>
+      </p:sp>
+      <p:pic>
+        <p:nvPicPr>
+          <p:cNvPr id="4" name="图片 3"/>
+          <p:cNvPicPr>
+            <a:picLocks noChangeAspect="1"/>
+          </p:cNvPicPr>
+          <p:nvPr/>
+        </p:nvPicPr>
+        <p:blipFill>
+          <a:blip r:embed="rId1"/>
+          <a:stretch>
+            <a:fillRect/>
+          </a:stretch>
+        </p:blipFill>
+        <p:spPr>
+          <a:xfrm>
+            <a:off x="628650" y="1770380"/>
+            <a:ext cx="5372100" cy="4953000"/>
+          </a:xfrm>
+          <a:prstGeom prst="rect">
+            <a:avLst/>
+          </a:prstGeom>
+        </p:spPr>
+      </p:pic>
+    </p:spTree>
+  </p:cSld>
+  <p:clrMapOvr>
+    <a:masterClrMapping/>
+  </p:clrMapOvr>
+</p:sld>
+</file>
+
+<file path=ppt/slides/slide26.xml><?xml version="1.0" encoding="utf-8"?>
+<p:sld xmlns:a="http://schemas.openxmlformats.org/drawingml/2006/main" xmlns:r="http://schemas.openxmlformats.org/officeDocument/2006/relationships" xmlns:p="http://schemas.openxmlformats.org/presentationml/2006/main">
+  <p:cSld>
+    <p:spTree>
+      <p:nvGrpSpPr>
+        <p:cNvPr id="1" name=""/>
+        <p:cNvGrpSpPr/>
+        <p:nvPr/>
+      </p:nvGrpSpPr>
+      <p:grpSpPr>
+        <a:xfrm>
+          <a:off x="0" y="0"/>
+          <a:ext cx="0" cy="0"/>
+          <a:chOff x="0" y="0"/>
+          <a:chExt cx="0" cy="0"/>
+        </a:xfrm>
+      </p:grpSpPr>
+      <p:sp>
+        <p:nvSpPr>
+          <p:cNvPr id="2" name="Title 1"/>
+          <p:cNvSpPr>
+            <a:spLocks noGrp="1"/>
+          </p:cNvSpPr>
+          <p:nvPr>
+            <p:ph type="title"/>
+          </p:nvPr>
+        </p:nvSpPr>
+        <p:spPr>
+          <a:xfrm>
+            <a:off x="628650" y="155263"/>
+            <a:ext cx="7886700" cy="526790"/>
+          </a:xfrm>
+        </p:spPr>
+        <p:txBody>
+          <a:bodyPr>
+            <a:normAutofit fontScale="90000"/>
+          </a:bodyPr>
+          <a:lstStyle/>
+          <a:p>
+            <a:pPr algn="ctr"/>
+            <a:r>
+              <a:rPr lang="en-US" sz="3200" b="1" dirty="0">
+                <a:latin typeface="Calibri" panose="020F0502020204030204" pitchFamily="34" charset="0"/>
+                <a:cs typeface="Calibri" panose="020F0502020204030204" pitchFamily="34" charset="0"/>
+              </a:rPr>
+              <a:t>OrbitDB</a:t>
+            </a:r>
+            <a:endParaRPr lang="en-US" sz="3200" b="1" dirty="0">
+              <a:latin typeface="Calibri" panose="020F0502020204030204" pitchFamily="34" charset="0"/>
+              <a:cs typeface="Calibri" panose="020F0502020204030204" pitchFamily="34" charset="0"/>
+            </a:endParaRPr>
+          </a:p>
+        </p:txBody>
+      </p:sp>
+      <p:sp>
+        <p:nvSpPr>
+          <p:cNvPr id="3" name="Content Placeholder 2"/>
+          <p:cNvSpPr>
+            <a:spLocks noGrp="1"/>
+          </p:cNvSpPr>
+          <p:nvPr>
+            <p:ph idx="1"/>
+          </p:nvPr>
+        </p:nvSpPr>
+        <p:spPr>
+          <a:xfrm>
+            <a:off x="628650" y="989044"/>
+            <a:ext cx="7886700" cy="5605719"/>
+          </a:xfrm>
+        </p:spPr>
+        <p:txBody>
+          <a:bodyPr>
+            <a:normAutofit lnSpcReduction="10000"/>
+          </a:bodyPr>
+          <a:lstStyle/>
+          <a:p>
+            <a:pPr marL="228600" lvl="0" indent="-228600" defTabSz="342900">
+              <a:lnSpc>
+                <a:spcPct val="120000"/>
+              </a:lnSpc>
+              <a:buFont typeface="Arial" panose="020B0604020202020204" pitchFamily="34" charset="0"/>
+              <a:buChar char="•"/>
+            </a:pPr>
+            <a:r>
+              <a:rPr lang="en-US" altLang="en-US" sz="1540" dirty="0">
+                <a:solidFill>
+                  <a:srgbClr val="262626"/>
+                </a:solidFill>
+              </a:rPr>
+              <a:t>Data Type:</a:t>
+            </a:r>
+            <a:endParaRPr lang="en-US" altLang="en-US" sz="1540" dirty="0">
+              <a:solidFill>
+                <a:srgbClr val="262626"/>
+              </a:solidFill>
+            </a:endParaRPr>
+          </a:p>
+          <a:p>
+            <a:pPr marL="228600" lvl="0" indent="-228600" defTabSz="342900">
+              <a:lnSpc>
+                <a:spcPct val="120000"/>
+              </a:lnSpc>
+              <a:buFont typeface="Arial" panose="020B0604020202020204" pitchFamily="34" charset="0"/>
+              <a:buChar char="•"/>
+            </a:pPr>
+            <a:endParaRPr lang="en-US" altLang="en-US" sz="1540" dirty="0">
+              <a:solidFill>
+                <a:srgbClr val="262626"/>
+              </a:solidFill>
+            </a:endParaRPr>
+          </a:p>
+          <a:p>
+            <a:pPr marL="228600" lvl="0" indent="-228600" defTabSz="342900">
+              <a:lnSpc>
+                <a:spcPct val="120000"/>
+              </a:lnSpc>
+              <a:buFont typeface="Arial" panose="020B0604020202020204" pitchFamily="34" charset="0"/>
+              <a:buChar char="•"/>
+            </a:pPr>
+            <a:r>
+              <a:rPr lang="en-US" altLang="en-US" sz="1540" dirty="0">
+                <a:solidFill>
+                  <a:srgbClr val="262626"/>
+                </a:solidFill>
+              </a:rPr>
+              <a:t>    Key-Value</a:t>
+            </a:r>
+            <a:endParaRPr lang="en-US" altLang="en-US" sz="1540" dirty="0">
+              <a:solidFill>
+                <a:srgbClr val="262626"/>
+              </a:solidFill>
+            </a:endParaRPr>
+          </a:p>
+          <a:p>
+            <a:pPr marL="228600" lvl="0" indent="-228600" defTabSz="342900">
+              <a:lnSpc>
+                <a:spcPct val="120000"/>
+              </a:lnSpc>
+              <a:buFont typeface="Arial" panose="020B0604020202020204" pitchFamily="34" charset="0"/>
+              <a:buChar char="•"/>
+            </a:pPr>
+            <a:r>
+              <a:rPr lang="en-US" altLang="en-US" sz="1540" dirty="0">
+                <a:solidFill>
+                  <a:srgbClr val="262626"/>
+                </a:solidFill>
+              </a:rPr>
+              <a:t>    Log (append-only log)</a:t>
+            </a:r>
+            <a:endParaRPr lang="en-US" altLang="en-US" sz="1540" dirty="0">
+              <a:solidFill>
+                <a:srgbClr val="262626"/>
+              </a:solidFill>
+            </a:endParaRPr>
+          </a:p>
+          <a:p>
+            <a:pPr marL="228600" lvl="0" indent="-228600" defTabSz="342900">
+              <a:lnSpc>
+                <a:spcPct val="120000"/>
+              </a:lnSpc>
+              <a:buFont typeface="Arial" panose="020B0604020202020204" pitchFamily="34" charset="0"/>
+              <a:buChar char="•"/>
+            </a:pPr>
+            <a:r>
+              <a:rPr lang="en-US" altLang="en-US" sz="1540" dirty="0">
+                <a:solidFill>
+                  <a:srgbClr val="262626"/>
+                </a:solidFill>
+              </a:rPr>
+              <a:t>    Feed (same as log database but entries can be removed)</a:t>
+            </a:r>
+            <a:endParaRPr lang="en-US" altLang="en-US" sz="1540" dirty="0">
+              <a:solidFill>
+                <a:srgbClr val="262626"/>
+              </a:solidFill>
+            </a:endParaRPr>
+          </a:p>
+          <a:p>
+            <a:pPr marL="228600" lvl="0" indent="-228600" defTabSz="342900">
+              <a:lnSpc>
+                <a:spcPct val="120000"/>
+              </a:lnSpc>
+              <a:buFont typeface="Arial" panose="020B0604020202020204" pitchFamily="34" charset="0"/>
+              <a:buChar char="•"/>
+            </a:pPr>
+            <a:r>
+              <a:rPr lang="en-US" altLang="en-US" sz="1540" dirty="0">
+                <a:solidFill>
+                  <a:srgbClr val="262626"/>
+                </a:solidFill>
+              </a:rPr>
+              <a:t>    Documents (store indexed JSON documents)</a:t>
+            </a:r>
+            <a:endParaRPr lang="en-US" altLang="en-US" sz="1540" dirty="0">
+              <a:solidFill>
+                <a:srgbClr val="262626"/>
+              </a:solidFill>
+            </a:endParaRPr>
+          </a:p>
+          <a:p>
+            <a:pPr marL="228600" lvl="0" indent="-228600" defTabSz="342900">
+              <a:lnSpc>
+                <a:spcPct val="120000"/>
+              </a:lnSpc>
+              <a:buFont typeface="Arial" panose="020B0604020202020204" pitchFamily="34" charset="0"/>
+              <a:buChar char="•"/>
+            </a:pPr>
+            <a:r>
+              <a:rPr lang="en-US" altLang="en-US" sz="1540" dirty="0">
+                <a:solidFill>
+                  <a:srgbClr val="262626"/>
+                </a:solidFill>
+              </a:rPr>
+              <a:t>    Counters</a:t>
+            </a:r>
+            <a:endParaRPr lang="en-US" altLang="en-US" sz="1540" dirty="0">
+              <a:solidFill>
+                <a:srgbClr val="262626"/>
+              </a:solidFill>
+            </a:endParaRPr>
+          </a:p>
+          <a:p>
+            <a:pPr marL="228600" lvl="0" indent="-228600" defTabSz="342900">
+              <a:lnSpc>
+                <a:spcPct val="120000"/>
+              </a:lnSpc>
+              <a:buFont typeface="Arial" panose="020B0604020202020204" pitchFamily="34" charset="0"/>
+              <a:buChar char="•"/>
+            </a:pPr>
+            <a:r>
+              <a:rPr lang="en-US" altLang="en-US" sz="1540" dirty="0">
+                <a:solidFill>
+                  <a:srgbClr val="262626"/>
+                </a:solidFill>
+              </a:rPr>
+              <a:t>https://github.com/orbitdb/orbit-db/blob/master/API.md#orbitdbkeyvaluenameaddress</a:t>
+            </a:r>
+            <a:endParaRPr lang="en-US" altLang="en-US" sz="1540" dirty="0">
+              <a:solidFill>
+                <a:srgbClr val="262626"/>
+              </a:solidFill>
+            </a:endParaRPr>
+          </a:p>
+          <a:p>
+            <a:pPr marL="228600" lvl="0" indent="-228600" defTabSz="342900">
+              <a:lnSpc>
+                <a:spcPct val="120000"/>
+              </a:lnSpc>
+              <a:buFont typeface="Arial" panose="020B0604020202020204" pitchFamily="34" charset="0"/>
+              <a:buChar char="•"/>
+            </a:pPr>
+            <a:r>
+              <a:rPr lang="en-US" altLang="en-US" sz="1540" dirty="0">
+                <a:solidFill>
+                  <a:srgbClr val="262626"/>
+                </a:solidFill>
+              </a:rPr>
+              <a:t>(</a:t>
+            </a:r>
+            <a:r>
+              <a:rPr lang="en-US" altLang="en-US" sz="1540" dirty="0">
+                <a:solidFill>
+                  <a:srgbClr val="FF0000"/>
+                </a:solidFill>
+              </a:rPr>
+              <a:t>Code Explain</a:t>
+            </a:r>
+            <a:r>
+              <a:rPr lang="en-US" altLang="en-US" sz="1540" dirty="0">
+                <a:solidFill>
+                  <a:srgbClr val="262626"/>
+                </a:solidFill>
+              </a:rPr>
+              <a:t>)</a:t>
+            </a:r>
+            <a:endParaRPr lang="en-US" altLang="en-US" sz="1540" dirty="0">
+              <a:solidFill>
+                <a:srgbClr val="262626"/>
+              </a:solidFill>
+            </a:endParaRPr>
+          </a:p>
+          <a:p>
+            <a:pPr marL="228600" lvl="0" indent="-228600" defTabSz="342900">
+              <a:lnSpc>
+                <a:spcPct val="120000"/>
+              </a:lnSpc>
+              <a:buFont typeface="Arial" panose="020B0604020202020204" pitchFamily="34" charset="0"/>
+              <a:buChar char="•"/>
+            </a:pPr>
+            <a:endParaRPr lang="en-US" altLang="en-US" sz="1540" dirty="0">
+              <a:solidFill>
+                <a:srgbClr val="262626"/>
+              </a:solidFill>
+            </a:endParaRPr>
+          </a:p>
+          <a:p>
+            <a:pPr marL="228600" lvl="0" indent="-228600" defTabSz="342900">
+              <a:lnSpc>
+                <a:spcPct val="120000"/>
+              </a:lnSpc>
+              <a:buFont typeface="Arial" panose="020B0604020202020204" pitchFamily="34" charset="0"/>
+              <a:buChar char="•"/>
+            </a:pPr>
+            <a:endParaRPr lang="en-US" altLang="en-US" sz="1540" dirty="0">
+              <a:solidFill>
+                <a:srgbClr val="262626"/>
+              </a:solidFill>
+            </a:endParaRPr>
+          </a:p>
+          <a:p>
+            <a:pPr marL="228600" lvl="0" indent="-228600" defTabSz="342900">
+              <a:lnSpc>
+                <a:spcPct val="120000"/>
+              </a:lnSpc>
+              <a:buFont typeface="Arial" panose="020B0604020202020204" pitchFamily="34" charset="0"/>
+              <a:buChar char="•"/>
+            </a:pPr>
+            <a:endParaRPr lang="en-US" altLang="en-US" sz="1540" dirty="0">
+              <a:solidFill>
+                <a:srgbClr val="262626"/>
+              </a:solidFill>
+            </a:endParaRPr>
+          </a:p>
+          <a:p>
+            <a:pPr marL="228600" lvl="0" indent="-228600" defTabSz="342900">
+              <a:lnSpc>
+                <a:spcPct val="120000"/>
+              </a:lnSpc>
+              <a:buFont typeface="Arial" panose="020B0604020202020204" pitchFamily="34" charset="0"/>
+              <a:buChar char="•"/>
+            </a:pPr>
+            <a:r>
+              <a:rPr lang="en-US" altLang="en-US" sz="1540" dirty="0">
+                <a:solidFill>
+                  <a:srgbClr val="262626"/>
+                </a:solidFill>
+              </a:rPr>
+              <a:t>OrbitDB (</a:t>
+            </a:r>
+            <a:r>
+              <a:rPr lang="en-US" altLang="en-US" sz="1540" dirty="0">
+                <a:solidFill>
+                  <a:srgbClr val="FF0000"/>
+                </a:solidFill>
+              </a:rPr>
+              <a:t>Code Demo</a:t>
+            </a:r>
+            <a:r>
+              <a:rPr lang="en-US" altLang="en-US" sz="1540" dirty="0">
+                <a:solidFill>
+                  <a:srgbClr val="262626"/>
+                </a:solidFill>
+              </a:rPr>
+              <a:t>)</a:t>
+            </a:r>
+            <a:endParaRPr lang="en-US" altLang="en-US" sz="1540" dirty="0">
+              <a:solidFill>
+                <a:srgbClr val="262626"/>
+              </a:solidFill>
+            </a:endParaRPr>
+          </a:p>
+          <a:p>
+            <a:pPr marL="228600" lvl="0" indent="-228600" defTabSz="342900">
+              <a:lnSpc>
+                <a:spcPct val="120000"/>
+              </a:lnSpc>
+              <a:buFont typeface="Arial" panose="020B0604020202020204" pitchFamily="34" charset="0"/>
+              <a:buChar char="•"/>
+            </a:pPr>
+            <a:r>
+              <a:rPr lang="en-US" altLang="en-US" sz="1540" dirty="0">
+                <a:solidFill>
+                  <a:srgbClr val="262626"/>
+                </a:solidFill>
+              </a:rPr>
+              <a:t>Integrating to react</a:t>
+            </a:r>
+            <a:endParaRPr lang="en-US" altLang="en-US" sz="1540" dirty="0">
+              <a:solidFill>
+                <a:srgbClr val="262626"/>
+              </a:solidFill>
+            </a:endParaRPr>
+          </a:p>
+          <a:p>
+            <a:pPr marL="228600" lvl="0" indent="-228600" defTabSz="342900">
+              <a:lnSpc>
+                <a:spcPct val="120000"/>
+              </a:lnSpc>
+              <a:buFont typeface="Arial" panose="020B0604020202020204" pitchFamily="34" charset="0"/>
+              <a:buChar char="•"/>
+            </a:pPr>
+            <a:endParaRPr lang="en-US" altLang="en-US" sz="1540" dirty="0">
+              <a:solidFill>
+                <a:srgbClr val="262626"/>
+              </a:solidFill>
+            </a:endParaRPr>
+          </a:p>
+          <a:p>
+            <a:pPr marL="228600" lvl="0" indent="-228600" defTabSz="342900">
+              <a:lnSpc>
+                <a:spcPct val="120000"/>
+              </a:lnSpc>
+              <a:buFont typeface="Arial" panose="020B0604020202020204" pitchFamily="34" charset="0"/>
+              <a:buChar char="•"/>
+            </a:pPr>
+            <a:endParaRPr lang="en-US" altLang="en-US" sz="1540" dirty="0">
+              <a:solidFill>
+                <a:srgbClr val="262626"/>
+              </a:solidFill>
+            </a:endParaRPr>
+          </a:p>
+          <a:p>
+            <a:pPr marL="228600" lvl="0" indent="-228600" defTabSz="342900">
+              <a:lnSpc>
+                <a:spcPct val="120000"/>
+              </a:lnSpc>
+              <a:buFont typeface="Arial" panose="020B0604020202020204" pitchFamily="34" charset="0"/>
+              <a:buChar char="•"/>
+            </a:pPr>
+            <a:endParaRPr lang="en-US" altLang="en-US" sz="1540" dirty="0">
+              <a:solidFill>
+                <a:srgbClr val="262626"/>
+              </a:solidFill>
+            </a:endParaRPr>
+          </a:p>
+          <a:p>
+            <a:pPr marL="228600" lvl="0" indent="-228600" defTabSz="342900">
+              <a:lnSpc>
+                <a:spcPct val="120000"/>
+              </a:lnSpc>
+              <a:buFont typeface="Arial" panose="020B0604020202020204" pitchFamily="34" charset="0"/>
+              <a:buChar char="•"/>
+            </a:pPr>
+            <a:endParaRPr lang="en-US" altLang="en-US" sz="1540" dirty="0">
+              <a:solidFill>
+                <a:srgbClr val="262626"/>
+              </a:solidFill>
+            </a:endParaRPr>
+          </a:p>
+          <a:p>
+            <a:pPr marL="0" lvl="0" indent="0" defTabSz="342900">
+              <a:lnSpc>
+                <a:spcPct val="120000"/>
+              </a:lnSpc>
+              <a:buFont typeface="Arial" panose="020B0604020202020204" pitchFamily="34" charset="0"/>
+              <a:buNone/>
+            </a:pPr>
+            <a:endParaRPr lang="en-US" altLang="en-US" sz="1540" dirty="0">
+              <a:solidFill>
+                <a:srgbClr val="262626"/>
+              </a:solidFill>
+            </a:endParaRPr>
+          </a:p>
+        </p:txBody>
+      </p:sp>
+    </p:spTree>
+  </p:cSld>
+  <p:clrMapOvr>
+    <a:masterClrMapping/>
+  </p:clrMapOvr>
+</p:sld>
+</file>
+
+<file path=ppt/slides/slide27.xml><?xml version="1.0" encoding="utf-8"?>
 <p:sld xmlns:a="http://schemas.openxmlformats.org/drawingml/2006/main" xmlns:r="http://schemas.openxmlformats.org/officeDocument/2006/relationships" xmlns:p="http://schemas.openxmlformats.org/presentationml/2006/main">
   <p:cSld>
     <p:spTree>
@@ -8964,7 +11970,7 @@
 </p:sld>
 </file>
 
-<file path=ppt/slides/slide16.xml><?xml version="1.0" encoding="utf-8"?>
+<file path=ppt/slides/slide28.xml><?xml version="1.0" encoding="utf-8"?>
 <p:sld xmlns:a="http://schemas.openxmlformats.org/drawingml/2006/main" xmlns:r="http://schemas.openxmlformats.org/officeDocument/2006/relationships" xmlns:p="http://schemas.openxmlformats.org/presentationml/2006/main">
   <p:cSld>
     <p:spTree>
@@ -9145,7 +12151,7 @@
 </p:sld>
 </file>
 
-<file path=ppt/slides/slide17.xml><?xml version="1.0" encoding="utf-8"?>
+<file path=ppt/slides/slide29.xml><?xml version="1.0" encoding="utf-8"?>
 <p:sld xmlns:a="http://schemas.openxmlformats.org/drawingml/2006/main" xmlns:r="http://schemas.openxmlformats.org/officeDocument/2006/relationships" xmlns:p="http://schemas.openxmlformats.org/presentationml/2006/main">
   <p:cSld>
     <p:spTree>
@@ -9234,7 +12240,7 @@
                   <a:srgbClr val="262626"/>
                 </a:solidFill>
               </a:rPr>
-              <a:t>Orbit is a serverless, distributed, p2p communication library and protocol that enables feed-based information sharing2 Event:  event and feed  </a:t>
+              <a:t>Orbit is a serverless, distributed, p2p communication library and protocol that enables feed-based information sharing Event:  event and feed  </a:t>
             </a:r>
             <a:endParaRPr lang="en-US" altLang="en-US" sz="1540" dirty="0">
               <a:solidFill>
@@ -9354,7 +12360,7 @@
 </p:sld>
 </file>
 
-<file path=ppt/slides/slide18.xml><?xml version="1.0" encoding="utf-8"?>
+<file path=ppt/slides/slide3.xml><?xml version="1.0" encoding="utf-8"?>
 <p:sld xmlns:a="http://schemas.openxmlformats.org/drawingml/2006/main" xmlns:r="http://schemas.openxmlformats.org/officeDocument/2006/relationships" xmlns:p="http://schemas.openxmlformats.org/presentationml/2006/main">
   <p:cSld>
     <p:spTree>
@@ -9399,7 +12405,7 @@
                 <a:latin typeface="Calibri" panose="020F0502020204030204" pitchFamily="34" charset="0"/>
                 <a:cs typeface="Calibri" panose="020F0502020204030204" pitchFamily="34" charset="0"/>
               </a:rPr>
-              <a:t>Cases</a:t>
+              <a:t>IPFS</a:t>
             </a:r>
             <a:endParaRPr lang="en-US" sz="3200" b="1" dirty="0">
               <a:latin typeface="Calibri" panose="020F0502020204030204" pitchFamily="34" charset="0"/>
@@ -9443,7 +12449,7 @@
                   <a:srgbClr val="262626"/>
                 </a:solidFill>
               </a:rPr>
-              <a:t>Chatting / Social Media</a:t>
+              <a:t>What is IPFS</a:t>
             </a:r>
             <a:endParaRPr lang="en-US" altLang="en-US" sz="1540" dirty="0">
               <a:solidFill>
@@ -9465,8 +12471,22 @@
                   <a:srgbClr val="262626"/>
                 </a:solidFill>
               </a:rPr>
-              <a:t>Marketplace</a:t>
-            </a:r>
+              <a:t>IPFS is a distributed system for storing and accessing files, websites, applications, and data.</a:t>
+            </a:r>
+            <a:endParaRPr lang="en-US" altLang="en-US" sz="1540" dirty="0">
+              <a:solidFill>
+                <a:srgbClr val="262626"/>
+              </a:solidFill>
+            </a:endParaRPr>
+          </a:p>
+          <a:p>
+            <a:pPr marL="228600" lvl="0" indent="-228600" defTabSz="342900">
+              <a:lnSpc>
+                <a:spcPct val="120000"/>
+              </a:lnSpc>
+              <a:buFont typeface="Arial" panose="020B0604020202020204" pitchFamily="34" charset="0"/>
+              <a:buChar char="•"/>
+            </a:pPr>
             <a:endParaRPr lang="en-US" altLang="en-US" sz="1540" dirty="0">
               <a:solidFill>
                 <a:srgbClr val="262626"/>
@@ -9487,8 +12507,22 @@
                   <a:srgbClr val="262626"/>
                 </a:solidFill>
               </a:rPr>
-              <a:t>File Store</a:t>
-            </a:r>
+              <a:t>There are three fundamental principles to understand IPFS:</a:t>
+            </a:r>
+            <a:endParaRPr lang="en-US" altLang="en-US" sz="1540" dirty="0">
+              <a:solidFill>
+                <a:srgbClr val="262626"/>
+              </a:solidFill>
+            </a:endParaRPr>
+          </a:p>
+          <a:p>
+            <a:pPr marL="228600" lvl="0" indent="-228600" defTabSz="342900">
+              <a:lnSpc>
+                <a:spcPct val="120000"/>
+              </a:lnSpc>
+              <a:buFont typeface="Arial" panose="020B0604020202020204" pitchFamily="34" charset="0"/>
+              <a:buChar char="•"/>
+            </a:pPr>
             <a:endParaRPr lang="en-US" altLang="en-US" sz="1540" dirty="0">
               <a:solidFill>
                 <a:srgbClr val="262626"/>
@@ -9509,8 +12543,22 @@
                   <a:srgbClr val="262626"/>
                 </a:solidFill>
               </a:rPr>
-              <a:t>CDN</a:t>
-            </a:r>
+              <a:t>1. Unique identification via content addressing</a:t>
+            </a:r>
+            <a:endParaRPr lang="en-US" altLang="en-US" sz="1540" dirty="0">
+              <a:solidFill>
+                <a:srgbClr val="262626"/>
+              </a:solidFill>
+            </a:endParaRPr>
+          </a:p>
+          <a:p>
+            <a:pPr marL="228600" lvl="0" indent="-228600" defTabSz="342900">
+              <a:lnSpc>
+                <a:spcPct val="120000"/>
+              </a:lnSpc>
+              <a:buFont typeface="Arial" panose="020B0604020202020204" pitchFamily="34" charset="0"/>
+              <a:buChar char="•"/>
+            </a:pPr>
             <a:endParaRPr lang="en-US" altLang="en-US" sz="1540" dirty="0">
               <a:solidFill>
                 <a:srgbClr val="262626"/>
@@ -9531,8 +12579,130 @@
                   <a:srgbClr val="262626"/>
                 </a:solidFill>
               </a:rPr>
-              <a:t>Others</a:t>
-            </a:r>
+              <a:t>For Instance: /ipfs/QmXoypizjW3WknFiJnKLwHCnL72vedxjQkDDP1mXWo6uco/wiki/Aardvark.html</a:t>
+            </a:r>
+            <a:endParaRPr lang="en-US" altLang="en-US" sz="1540" dirty="0">
+              <a:solidFill>
+                <a:srgbClr val="262626"/>
+              </a:solidFill>
+            </a:endParaRPr>
+          </a:p>
+          <a:p>
+            <a:pPr marL="228600" lvl="0" indent="-228600" defTabSz="342900">
+              <a:lnSpc>
+                <a:spcPct val="120000"/>
+              </a:lnSpc>
+              <a:buFont typeface="Arial" panose="020B0604020202020204" pitchFamily="34" charset="0"/>
+              <a:buChar char="•"/>
+            </a:pPr>
+            <a:endParaRPr lang="en-US" altLang="en-US" sz="1540" dirty="0">
+              <a:solidFill>
+                <a:srgbClr val="262626"/>
+              </a:solidFill>
+            </a:endParaRPr>
+          </a:p>
+          <a:p>
+            <a:pPr marL="228600" lvl="0" indent="-228600" defTabSz="342900">
+              <a:lnSpc>
+                <a:spcPct val="120000"/>
+              </a:lnSpc>
+              <a:buFont typeface="Arial" panose="020B0604020202020204" pitchFamily="34" charset="0"/>
+              <a:buChar char="•"/>
+            </a:pPr>
+            <a:r>
+              <a:rPr lang="en-US" altLang="en-US" sz="1540" dirty="0">
+                <a:solidFill>
+                  <a:srgbClr val="262626"/>
+                </a:solidFill>
+              </a:rPr>
+              <a:t>Web identify content by where it's located</a:t>
+            </a:r>
+            <a:endParaRPr lang="en-US" altLang="en-US" sz="1540" dirty="0">
+              <a:solidFill>
+                <a:srgbClr val="262626"/>
+              </a:solidFill>
+            </a:endParaRPr>
+          </a:p>
+          <a:p>
+            <a:pPr marL="228600" lvl="0" indent="-228600" defTabSz="342900">
+              <a:lnSpc>
+                <a:spcPct val="120000"/>
+              </a:lnSpc>
+              <a:buFont typeface="Arial" panose="020B0604020202020204" pitchFamily="34" charset="0"/>
+              <a:buChar char="•"/>
+            </a:pPr>
+            <a:endParaRPr lang="en-US" altLang="en-US" sz="1540" dirty="0">
+              <a:solidFill>
+                <a:srgbClr val="262626"/>
+              </a:solidFill>
+            </a:endParaRPr>
+          </a:p>
+          <a:p>
+            <a:pPr marL="228600" lvl="0" indent="-228600" defTabSz="342900">
+              <a:lnSpc>
+                <a:spcPct val="120000"/>
+              </a:lnSpc>
+              <a:buFont typeface="Arial" panose="020B0604020202020204" pitchFamily="34" charset="0"/>
+              <a:buChar char="•"/>
+            </a:pPr>
+            <a:r>
+              <a:rPr lang="en-US" altLang="en-US" sz="1540" dirty="0">
+                <a:solidFill>
+                  <a:srgbClr val="262626"/>
+                </a:solidFill>
+              </a:rPr>
+              <a:t>IPFS uses content addressing to identify content by what's in it.  </a:t>
+            </a:r>
+            <a:endParaRPr lang="en-US" altLang="en-US" sz="1540" dirty="0">
+              <a:solidFill>
+                <a:srgbClr val="262626"/>
+              </a:solidFill>
+            </a:endParaRPr>
+          </a:p>
+          <a:p>
+            <a:pPr marL="228600" lvl="0" indent="-228600" defTabSz="342900">
+              <a:lnSpc>
+                <a:spcPct val="120000"/>
+              </a:lnSpc>
+              <a:buFont typeface="Arial" panose="020B0604020202020204" pitchFamily="34" charset="0"/>
+              <a:buChar char="•"/>
+            </a:pPr>
+            <a:r>
+              <a:rPr lang="en-US" altLang="en-US" sz="1540" dirty="0">
+                <a:solidFill>
+                  <a:srgbClr val="262626"/>
+                </a:solidFill>
+              </a:rPr>
+              <a:t>The hash is unique to the content that it came from, even though it may look short compared to the original content</a:t>
+            </a:r>
+            <a:endParaRPr lang="en-US" altLang="en-US" sz="1540" dirty="0">
+              <a:solidFill>
+                <a:srgbClr val="262626"/>
+              </a:solidFill>
+            </a:endParaRPr>
+          </a:p>
+          <a:p>
+            <a:pPr marL="228600" lvl="0" indent="-228600" defTabSz="342900">
+              <a:lnSpc>
+                <a:spcPct val="120000"/>
+              </a:lnSpc>
+              <a:buFont typeface="Arial" panose="020B0604020202020204" pitchFamily="34" charset="0"/>
+              <a:buChar char="•"/>
+            </a:pPr>
+            <a:endParaRPr lang="en-US" altLang="en-US" sz="1540" dirty="0">
+              <a:solidFill>
+                <a:srgbClr val="262626"/>
+              </a:solidFill>
+            </a:endParaRPr>
+          </a:p>
+          <a:p>
+            <a:pPr marL="0" lvl="0" indent="0" defTabSz="342900">
+              <a:lnSpc>
+                <a:spcPct val="120000"/>
+              </a:lnSpc>
+              <a:buFont typeface="Arial" panose="020B0604020202020204" pitchFamily="34" charset="0"/>
+              <a:buNone/>
+            </a:pPr>
             <a:endParaRPr lang="en-US" altLang="en-US" sz="1540" dirty="0">
               <a:solidFill>
                 <a:srgbClr val="262626"/>
@@ -9549,7 +12719,7 @@
 </p:sld>
 </file>
 
-<file path=ppt/slides/slide19.xml><?xml version="1.0" encoding="utf-8"?>
+<file path=ppt/slides/slide30.xml><?xml version="1.0" encoding="utf-8"?>
 <p:sld xmlns:a="http://schemas.openxmlformats.org/drawingml/2006/main" xmlns:r="http://schemas.openxmlformats.org/officeDocument/2006/relationships" xmlns:p="http://schemas.openxmlformats.org/presentationml/2006/main">
   <p:cSld>
     <p:spTree>
@@ -9594,7 +12764,7 @@
                 <a:latin typeface="Calibri" panose="020F0502020204030204" pitchFamily="34" charset="0"/>
                 <a:cs typeface="Calibri" panose="020F0502020204030204" pitchFamily="34" charset="0"/>
               </a:rPr>
-              <a:t>Cases</a:t>
+              <a:t>Orbit Core</a:t>
             </a:r>
             <a:endParaRPr lang="en-US" sz="3200" b="1" dirty="0">
               <a:latin typeface="Calibri" panose="020F0502020204030204" pitchFamily="34" charset="0"/>
@@ -9638,8 +12808,22 @@
                   <a:srgbClr val="262626"/>
                 </a:solidFill>
               </a:rPr>
-              <a:t>1 IPFS Board (OrbitDB)</a:t>
-            </a:r>
+              <a:t>Orbit Core VS Message Queue(kafka)</a:t>
+            </a:r>
+            <a:endParaRPr lang="en-US" altLang="en-US" sz="1540" dirty="0">
+              <a:solidFill>
+                <a:srgbClr val="262626"/>
+              </a:solidFill>
+            </a:endParaRPr>
+          </a:p>
+          <a:p>
+            <a:pPr marL="228600" lvl="0" indent="-228600" defTabSz="342900">
+              <a:lnSpc>
+                <a:spcPct val="120000"/>
+              </a:lnSpc>
+              <a:buFont typeface="Arial" panose="020B0604020202020204" pitchFamily="34" charset="0"/>
+              <a:buChar char="•"/>
+            </a:pPr>
             <a:endParaRPr lang="en-US" altLang="en-US" sz="1540" dirty="0">
               <a:solidFill>
                 <a:srgbClr val="262626"/>
@@ -9660,22 +12844,8 @@
                   <a:srgbClr val="262626"/>
                 </a:solidFill>
               </a:rPr>
-              <a:t>https://github.com/fazo96/ipfs-boards/tree/master/src</a:t>
-            </a:r>
-            <a:endParaRPr lang="en-US" altLang="en-US" sz="1540" dirty="0">
-              <a:solidFill>
-                <a:srgbClr val="262626"/>
-              </a:solidFill>
-            </a:endParaRPr>
-          </a:p>
-          <a:p>
-            <a:pPr marL="228600" lvl="0" indent="-228600" defTabSz="342900">
-              <a:lnSpc>
-                <a:spcPct val="120000"/>
-              </a:lnSpc>
-              <a:buFont typeface="Arial" panose="020B0604020202020204" pitchFamily="34" charset="0"/>
-              <a:buChar char="•"/>
-            </a:pPr>
+              <a:t>data permanently stored on IPFS</a:t>
+            </a:r>
             <a:endParaRPr lang="en-US" altLang="en-US" sz="1540" dirty="0">
               <a:solidFill>
                 <a:srgbClr val="262626"/>
@@ -9696,21 +12866,49 @@
                   <a:srgbClr val="262626"/>
                 </a:solidFill>
               </a:rPr>
-              <a:t>BoardStore removed</a:t>
-            </a:r>
-            <a:endParaRPr lang="en-US" altLang="en-US" sz="1540" dirty="0">
-              <a:solidFill>
-                <a:srgbClr val="262626"/>
-              </a:solidFill>
-            </a:endParaRPr>
-          </a:p>
-          <a:p>
-            <a:pPr marL="228600" lvl="0" indent="-228600" defTabSz="342900">
-              <a:lnSpc>
-                <a:spcPct val="120000"/>
-              </a:lnSpc>
-              <a:buFont typeface="Arial" panose="020B0604020202020204" pitchFamily="34" charset="0"/>
-              <a:buChar char="•"/>
+              <a:t>decentralized message boardcasting solution</a:t>
+            </a:r>
+            <a:endParaRPr lang="en-US" altLang="en-US" sz="1540" dirty="0">
+              <a:solidFill>
+                <a:srgbClr val="262626"/>
+              </a:solidFill>
+            </a:endParaRPr>
+          </a:p>
+          <a:p>
+            <a:pPr marL="228600" lvl="0" indent="-228600" defTabSz="342900">
+              <a:lnSpc>
+                <a:spcPct val="120000"/>
+              </a:lnSpc>
+              <a:buFont typeface="Arial" panose="020B0604020202020204" pitchFamily="34" charset="0"/>
+              <a:buChar char="•"/>
+            </a:pPr>
+            <a:endParaRPr lang="en-US" altLang="en-US" sz="1540" dirty="0">
+              <a:solidFill>
+                <a:srgbClr val="262626"/>
+              </a:solidFill>
+            </a:endParaRPr>
+          </a:p>
+          <a:p>
+            <a:pPr marL="228600" lvl="0" indent="-228600" defTabSz="342900">
+              <a:lnSpc>
+                <a:spcPct val="120000"/>
+              </a:lnSpc>
+              <a:buFont typeface="Arial" panose="020B0604020202020204" pitchFamily="34" charset="0"/>
+              <a:buChar char="•"/>
+            </a:pPr>
+            <a:endParaRPr lang="en-US" altLang="en-US" sz="1540" dirty="0">
+              <a:solidFill>
+                <a:srgbClr val="262626"/>
+              </a:solidFill>
+            </a:endParaRPr>
+          </a:p>
+          <a:p>
+            <a:pPr marL="0" lvl="0" indent="0" defTabSz="342900">
+              <a:lnSpc>
+                <a:spcPct val="120000"/>
+              </a:lnSpc>
+              <a:buFont typeface="Arial" panose="020B0604020202020204" pitchFamily="34" charset="0"/>
+              <a:buNone/>
             </a:pPr>
             <a:endParaRPr lang="en-US" altLang="en-US" sz="1540" dirty="0">
               <a:solidFill>
@@ -9720,54 +12918,6 @@
           </a:p>
         </p:txBody>
       </p:sp>
-      <p:pic>
-        <p:nvPicPr>
-          <p:cNvPr id="5" name="图片 4"/>
-          <p:cNvPicPr>
-            <a:picLocks noChangeAspect="1"/>
-          </p:cNvPicPr>
-          <p:nvPr/>
-        </p:nvPicPr>
-        <p:blipFill>
-          <a:blip r:embed="rId1"/>
-          <a:stretch>
-            <a:fillRect/>
-          </a:stretch>
-        </p:blipFill>
-        <p:spPr>
-          <a:xfrm>
-            <a:off x="628650" y="2589530"/>
-            <a:ext cx="4191000" cy="914400"/>
-          </a:xfrm>
-          <a:prstGeom prst="rect">
-            <a:avLst/>
-          </a:prstGeom>
-        </p:spPr>
-      </p:pic>
-      <p:pic>
-        <p:nvPicPr>
-          <p:cNvPr id="6" name="图片 5"/>
-          <p:cNvPicPr>
-            <a:picLocks noChangeAspect="1"/>
-          </p:cNvPicPr>
-          <p:nvPr/>
-        </p:nvPicPr>
-        <p:blipFill>
-          <a:blip r:embed="rId2"/>
-          <a:stretch>
-            <a:fillRect/>
-          </a:stretch>
-        </p:blipFill>
-        <p:spPr>
-          <a:xfrm>
-            <a:off x="628650" y="3993515"/>
-            <a:ext cx="4724400" cy="1933575"/>
-          </a:xfrm>
-          <a:prstGeom prst="rect">
-            <a:avLst/>
-          </a:prstGeom>
-        </p:spPr>
-      </p:pic>
     </p:spTree>
   </p:cSld>
   <p:clrMapOvr>
@@ -9776,228 +12926,7 @@
 </p:sld>
 </file>
 
-<file path=ppt/slides/slide2.xml><?xml version="1.0" encoding="utf-8"?>
-<p:sld xmlns:a="http://schemas.openxmlformats.org/drawingml/2006/main" xmlns:r="http://schemas.openxmlformats.org/officeDocument/2006/relationships" xmlns:p="http://schemas.openxmlformats.org/presentationml/2006/main">
-  <p:cSld>
-    <p:spTree>
-      <p:nvGrpSpPr>
-        <p:cNvPr id="1" name=""/>
-        <p:cNvGrpSpPr/>
-        <p:nvPr/>
-      </p:nvGrpSpPr>
-      <p:grpSpPr>
-        <a:xfrm>
-          <a:off x="0" y="0"/>
-          <a:ext cx="0" cy="0"/>
-          <a:chOff x="0" y="0"/>
-          <a:chExt cx="0" cy="0"/>
-        </a:xfrm>
-      </p:grpSpPr>
-      <p:sp>
-        <p:nvSpPr>
-          <p:cNvPr id="21505" name="Title 1"/>
-          <p:cNvSpPr>
-            <a:spLocks noGrp="1"/>
-          </p:cNvSpPr>
-          <p:nvPr>
-            <p:ph type="title"/>
-          </p:nvPr>
-        </p:nvSpPr>
-        <p:spPr>
-          <a:xfrm>
-            <a:off x="233363" y="308848"/>
-            <a:ext cx="8227219" cy="327422"/>
-          </a:xfrm>
-        </p:spPr>
-        <p:txBody>
-          <a:bodyPr vert="horz" lIns="0" tIns="0" rIns="0" bIns="0" rtlCol="0" anchor="ctr">
-            <a:normAutofit fontScale="90000"/>
-          </a:bodyPr>
-          <a:lstStyle/>
-          <a:p>
-            <a:pPr algn="ctr"/>
-            <a:r>
-              <a:rPr lang="en-US" altLang="zh-CN" sz="3200" b="1" dirty="0">
-                <a:latin typeface="Calibri" panose="020F0502020204030204" pitchFamily="34" charset="0"/>
-                <a:cs typeface="Calibri" panose="020F0502020204030204" pitchFamily="34" charset="0"/>
-              </a:rPr>
-              <a:t>Outline</a:t>
-            </a:r>
-            <a:endParaRPr lang="en-GB" altLang="zh-CN" sz="3200" b="1" dirty="0">
-              <a:latin typeface="Calibri" panose="020F0502020204030204" pitchFamily="34" charset="0"/>
-              <a:cs typeface="Calibri" panose="020F0502020204030204" pitchFamily="34" charset="0"/>
-            </a:endParaRPr>
-          </a:p>
-        </p:txBody>
-      </p:sp>
-      <p:sp>
-        <p:nvSpPr>
-          <p:cNvPr id="21506" name="文本框 6"/>
-          <p:cNvSpPr txBox="1"/>
-          <p:nvPr/>
-        </p:nvSpPr>
-        <p:spPr>
-          <a:xfrm>
-            <a:off x="246455" y="859156"/>
-            <a:ext cx="8651359" cy="5486400"/>
-          </a:xfrm>
-          <a:prstGeom prst="rect">
-            <a:avLst/>
-          </a:prstGeom>
-          <a:noFill/>
-          <a:ln w="9525">
-            <a:noFill/>
-          </a:ln>
-        </p:spPr>
-        <p:txBody>
-          <a:bodyPr wrap="square" lIns="0" tIns="0" rIns="0" bIns="0" anchor="t"/>
-          <a:lstStyle/>
-          <a:p>
-            <a:pPr marL="171450" lvl="0" indent="-171450" fontAlgn="auto">
-              <a:lnSpc>
-                <a:spcPct val="200000"/>
-              </a:lnSpc>
-              <a:spcBef>
-                <a:spcPts val="700"/>
-              </a:spcBef>
-              <a:buFont typeface="Arial" panose="020B0604020202020204" pitchFamily="34" charset="0"/>
-              <a:buChar char="•"/>
-            </a:pPr>
-            <a:r>
-              <a:rPr lang="en-US" dirty="0">
-                <a:latin typeface="Calibri" panose="020F0502020204030204" pitchFamily="34" charset="0"/>
-                <a:cs typeface="Calibri" panose="020F0502020204030204" pitchFamily="34" charset="0"/>
-                <a:sym typeface="+mn-ea"/>
-              </a:rPr>
-              <a:t>DataBase Design</a:t>
-            </a:r>
-            <a:endParaRPr lang="en-US" dirty="0">
-              <a:latin typeface="Calibri" panose="020F0502020204030204" pitchFamily="34" charset="0"/>
-              <a:cs typeface="Calibri" panose="020F0502020204030204" pitchFamily="34" charset="0"/>
-            </a:endParaRPr>
-          </a:p>
-          <a:p>
-            <a:pPr marL="171450" lvl="0" indent="-171450" fontAlgn="auto">
-              <a:lnSpc>
-                <a:spcPct val="200000"/>
-              </a:lnSpc>
-              <a:spcBef>
-                <a:spcPts val="700"/>
-              </a:spcBef>
-              <a:buFont typeface="Arial" panose="020B0604020202020204" pitchFamily="34" charset="0"/>
-              <a:buChar char="•"/>
-            </a:pPr>
-            <a:endParaRPr lang="en-US" dirty="0"/>
-          </a:p>
-        </p:txBody>
-      </p:sp>
-      <p:sp>
-        <p:nvSpPr>
-          <p:cNvPr id="6" name="TextBox 6"/>
-          <p:cNvSpPr txBox="1"/>
-          <p:nvPr/>
-        </p:nvSpPr>
-        <p:spPr>
-          <a:xfrm>
-            <a:off x="25183" y="6636420"/>
-            <a:ext cx="3270445" cy="184664"/>
-          </a:xfrm>
-          <a:prstGeom prst="rect">
-            <a:avLst/>
-          </a:prstGeom>
-          <a:ln w="12700">
-            <a:miter lim="400000"/>
-          </a:ln>
-        </p:spPr>
-        <p:txBody>
-          <a:bodyPr wrap="none" lIns="34289" tIns="34289" rIns="34289" bIns="34289">
-            <a:spAutoFit/>
-          </a:bodyPr>
-          <a:lstStyle>
-            <a:lvl1pPr defTabSz="914400">
-              <a:defRPr sz="1000">
-                <a:solidFill>
-                  <a:srgbClr val="FFFFFF"/>
-                </a:solidFill>
-                <a:latin typeface="Montserrat"/>
-                <a:ea typeface="Montserrat"/>
-                <a:cs typeface="Montserrat"/>
-                <a:sym typeface="Montserrat"/>
-              </a:defRPr>
-            </a:lvl1pPr>
-          </a:lstStyle>
-          <a:p>
-            <a:r>
-              <a:rPr lang="en-US" sz="750" dirty="0">
-                <a:solidFill>
-                  <a:schemeClr val="tx1"/>
-                </a:solidFill>
-                <a:latin typeface="Montserrat" panose="00000500000000000000" pitchFamily="2" charset="0"/>
-              </a:rPr>
-              <a:t>© 2017-2020    SmartMesh Foundation Pte. Ltd.  |  MeshBox Foundation Pte. Ltd.</a:t>
-            </a:r>
-            <a:endParaRPr lang="en-US" sz="750" dirty="0">
-              <a:solidFill>
-                <a:schemeClr val="tx1"/>
-              </a:solidFill>
-              <a:latin typeface="Montserrat" panose="00000500000000000000" pitchFamily="2" charset="0"/>
-              <a:sym typeface="Arial" panose="020B0604020202020204"/>
-            </a:endParaRPr>
-          </a:p>
-        </p:txBody>
-      </p:sp>
-      <p:sp>
-        <p:nvSpPr>
-          <p:cNvPr id="7" name="TextBox 6"/>
-          <p:cNvSpPr txBox="1">
-            <a:spLocks noChangeArrowheads="1"/>
-          </p:cNvSpPr>
-          <p:nvPr/>
-        </p:nvSpPr>
-        <p:spPr bwMode="auto">
-          <a:xfrm>
-            <a:off x="7872314" y="6569155"/>
-            <a:ext cx="1289447" cy="253916"/>
-          </a:xfrm>
-          <a:prstGeom prst="rect">
-            <a:avLst/>
-          </a:prstGeom>
-          <a:noFill/>
-          <a:ln w="9525">
-            <a:noFill/>
-            <a:miter lim="800000"/>
-          </a:ln>
-        </p:spPr>
-        <p:txBody>
-          <a:bodyPr>
-            <a:spAutoFit/>
-          </a:bodyPr>
-          <a:lstStyle/>
-          <a:p>
-            <a:pPr algn="r"/>
-            <a:fld id="{6F888031-CE6A-4173-BB2B-520974F34056}" type="slidenum">
-              <a:rPr lang="en-GB" sz="1050">
-                <a:latin typeface="Calibri" panose="020F0502020204030204" pitchFamily="34" charset="0"/>
-              </a:rPr>
-            </a:fld>
-            <a:endParaRPr lang="en-GB" sz="1050" dirty="0">
-              <a:latin typeface="Calibri" panose="020F0502020204030204" pitchFamily="34" charset="0"/>
-            </a:endParaRPr>
-          </a:p>
-        </p:txBody>
-      </p:sp>
-    </p:spTree>
-  </p:cSld>
-  <p:clrMapOvr>
-    <a:masterClrMapping/>
-  </p:clrMapOvr>
-  <p:transition spd="med">
-    <p:fade/>
-  </p:transition>
-</p:sld>
-</file>
-
-<file path=ppt/slides/slide20.xml><?xml version="1.0" encoding="utf-8"?>
+<file path=ppt/slides/slide31.xml><?xml version="1.0" encoding="utf-8"?>
 <p:sld xmlns:a="http://schemas.openxmlformats.org/drawingml/2006/main" xmlns:r="http://schemas.openxmlformats.org/officeDocument/2006/relationships" xmlns:p="http://schemas.openxmlformats.org/presentationml/2006/main">
   <p:cSld>
     <p:spTree>
@@ -10086,7 +13015,7 @@
                   <a:srgbClr val="262626"/>
                 </a:solidFill>
               </a:rPr>
-              <a:t>Orbit Chat (Orbit Core)</a:t>
+              <a:t>Chatting / Social Media</a:t>
             </a:r>
             <a:endParaRPr lang="en-US" altLang="en-US" sz="1540" dirty="0">
               <a:solidFill>
@@ -10108,36 +13037,74 @@
                   <a:srgbClr val="262626"/>
                 </a:solidFill>
               </a:rPr>
-              <a:t>https://github.com/orbitdb/orbit-web/blob/d1079653976495e5ae749f1410e11e6af980a6ec/src/workers/network.worker.js</a:t>
-            </a:r>
-            <a:endParaRPr lang="en-US" altLang="en-US" sz="1540" dirty="0">
-              <a:solidFill>
-                <a:srgbClr val="262626"/>
-              </a:solidFill>
-            </a:endParaRPr>
-          </a:p>
-          <a:p>
-            <a:pPr marL="228600" lvl="0" indent="-228600" defTabSz="342900">
-              <a:lnSpc>
-                <a:spcPct val="120000"/>
-              </a:lnSpc>
-              <a:buFont typeface="Arial" panose="020B0604020202020204" pitchFamily="34" charset="0"/>
-              <a:buChar char="•"/>
-            </a:pPr>
-            <a:endParaRPr lang="en-US" altLang="en-US" sz="1540" dirty="0">
-              <a:solidFill>
-                <a:srgbClr val="262626"/>
-              </a:solidFill>
-            </a:endParaRPr>
-          </a:p>
-          <a:p>
-            <a:pPr marL="228600" lvl="0" indent="-228600" defTabSz="342900">
-              <a:lnSpc>
-                <a:spcPct val="120000"/>
-              </a:lnSpc>
-              <a:buFont typeface="Arial" panose="020B0604020202020204" pitchFamily="34" charset="0"/>
-              <a:buChar char="•"/>
-            </a:pPr>
+              <a:t>Marketplace</a:t>
+            </a:r>
+            <a:endParaRPr lang="en-US" altLang="en-US" sz="1540" dirty="0">
+              <a:solidFill>
+                <a:srgbClr val="262626"/>
+              </a:solidFill>
+            </a:endParaRPr>
+          </a:p>
+          <a:p>
+            <a:pPr marL="228600" lvl="0" indent="-228600" defTabSz="342900">
+              <a:lnSpc>
+                <a:spcPct val="120000"/>
+              </a:lnSpc>
+              <a:buFont typeface="Arial" panose="020B0604020202020204" pitchFamily="34" charset="0"/>
+              <a:buChar char="•"/>
+            </a:pPr>
+            <a:r>
+              <a:rPr lang="en-US" altLang="en-US" sz="1540" dirty="0">
+                <a:solidFill>
+                  <a:srgbClr val="262626"/>
+                </a:solidFill>
+              </a:rPr>
+              <a:t>File Store</a:t>
+            </a:r>
+            <a:endParaRPr lang="en-US" altLang="en-US" sz="1540" dirty="0">
+              <a:solidFill>
+                <a:srgbClr val="262626"/>
+              </a:solidFill>
+            </a:endParaRPr>
+          </a:p>
+          <a:p>
+            <a:pPr marL="228600" lvl="0" indent="-228600" defTabSz="342900">
+              <a:lnSpc>
+                <a:spcPct val="120000"/>
+              </a:lnSpc>
+              <a:buFont typeface="Arial" panose="020B0604020202020204" pitchFamily="34" charset="0"/>
+              <a:buChar char="•"/>
+            </a:pPr>
+            <a:r>
+              <a:rPr lang="en-US" altLang="en-US" sz="1540" dirty="0">
+                <a:solidFill>
+                  <a:srgbClr val="262626"/>
+                </a:solidFill>
+              </a:rPr>
+              <a:t>CDN</a:t>
+            </a:r>
+            <a:endParaRPr lang="en-US" altLang="en-US" sz="1540" dirty="0">
+              <a:solidFill>
+                <a:srgbClr val="262626"/>
+              </a:solidFill>
+            </a:endParaRPr>
+          </a:p>
+          <a:p>
+            <a:pPr marL="228600" lvl="0" indent="-228600" defTabSz="342900">
+              <a:lnSpc>
+                <a:spcPct val="120000"/>
+              </a:lnSpc>
+              <a:buFont typeface="Arial" panose="020B0604020202020204" pitchFamily="34" charset="0"/>
+              <a:buChar char="•"/>
+            </a:pPr>
+            <a:r>
+              <a:rPr lang="en-US" altLang="en-US" sz="1540" dirty="0">
+                <a:solidFill>
+                  <a:srgbClr val="262626"/>
+                </a:solidFill>
+              </a:rPr>
+              <a:t>Others</a:t>
+            </a:r>
             <a:endParaRPr lang="en-US" altLang="en-US" sz="1540" dirty="0">
               <a:solidFill>
                 <a:srgbClr val="262626"/>
@@ -10146,30 +13113,6 @@
           </a:p>
         </p:txBody>
       </p:sp>
-      <p:pic>
-        <p:nvPicPr>
-          <p:cNvPr id="4" name="图片 3"/>
-          <p:cNvPicPr>
-            <a:picLocks noChangeAspect="1"/>
-          </p:cNvPicPr>
-          <p:nvPr/>
-        </p:nvPicPr>
-        <p:blipFill>
-          <a:blip r:embed="rId1"/>
-          <a:stretch>
-            <a:fillRect/>
-          </a:stretch>
-        </p:blipFill>
-        <p:spPr>
-          <a:xfrm>
-            <a:off x="628650" y="2334895"/>
-            <a:ext cx="5962650" cy="2914650"/>
-          </a:xfrm>
-          <a:prstGeom prst="rect">
-            <a:avLst/>
-          </a:prstGeom>
-        </p:spPr>
-      </p:pic>
     </p:spTree>
   </p:cSld>
   <p:clrMapOvr>
@@ -10178,7 +13121,7 @@
 </p:sld>
 </file>
 
-<file path=ppt/slides/slide21.xml><?xml version="1.0" encoding="utf-8"?>
+<file path=ppt/slides/slide32.xml><?xml version="1.0" encoding="utf-8"?>
 <p:sld xmlns:a="http://schemas.openxmlformats.org/drawingml/2006/main" xmlns:r="http://schemas.openxmlformats.org/officeDocument/2006/relationships" xmlns:p="http://schemas.openxmlformats.org/presentationml/2006/main">
   <p:cSld>
     <p:spTree>
@@ -10267,6 +13210,606 @@
                   <a:srgbClr val="262626"/>
                 </a:solidFill>
               </a:rPr>
+              <a:t>1 IPFS Board (OrbitDB)</a:t>
+            </a:r>
+            <a:endParaRPr lang="en-US" altLang="en-US" sz="1540" dirty="0">
+              <a:solidFill>
+                <a:srgbClr val="262626"/>
+              </a:solidFill>
+            </a:endParaRPr>
+          </a:p>
+          <a:p>
+            <a:pPr marL="228600" lvl="0" indent="-228600" defTabSz="342900">
+              <a:lnSpc>
+                <a:spcPct val="120000"/>
+              </a:lnSpc>
+              <a:buFont typeface="Arial" panose="020B0604020202020204" pitchFamily="34" charset="0"/>
+              <a:buChar char="•"/>
+            </a:pPr>
+            <a:r>
+              <a:rPr lang="en-US" altLang="en-US" sz="1540" dirty="0">
+                <a:solidFill>
+                  <a:srgbClr val="262626"/>
+                </a:solidFill>
+              </a:rPr>
+              <a:t>https://github.com/fazo96/ipfs-boards/tree/master/src</a:t>
+            </a:r>
+            <a:endParaRPr lang="en-US" altLang="en-US" sz="1540" dirty="0">
+              <a:solidFill>
+                <a:srgbClr val="262626"/>
+              </a:solidFill>
+            </a:endParaRPr>
+          </a:p>
+          <a:p>
+            <a:pPr marL="228600" lvl="0" indent="-228600" defTabSz="342900">
+              <a:lnSpc>
+                <a:spcPct val="120000"/>
+              </a:lnSpc>
+              <a:buFont typeface="Arial" panose="020B0604020202020204" pitchFamily="34" charset="0"/>
+              <a:buChar char="•"/>
+            </a:pPr>
+            <a:endParaRPr lang="en-US" altLang="en-US" sz="1540" dirty="0">
+              <a:solidFill>
+                <a:srgbClr val="262626"/>
+              </a:solidFill>
+            </a:endParaRPr>
+          </a:p>
+          <a:p>
+            <a:pPr marL="228600" lvl="0" indent="-228600" defTabSz="342900">
+              <a:lnSpc>
+                <a:spcPct val="120000"/>
+              </a:lnSpc>
+              <a:buFont typeface="Arial" panose="020B0604020202020204" pitchFamily="34" charset="0"/>
+              <a:buChar char="•"/>
+            </a:pPr>
+            <a:r>
+              <a:rPr lang="en-US" altLang="en-US" sz="1540" dirty="0">
+                <a:solidFill>
+                  <a:srgbClr val="262626"/>
+                </a:solidFill>
+              </a:rPr>
+              <a:t>BoardStore removed</a:t>
+            </a:r>
+            <a:endParaRPr lang="en-US" altLang="en-US" sz="1540" dirty="0">
+              <a:solidFill>
+                <a:srgbClr val="262626"/>
+              </a:solidFill>
+            </a:endParaRPr>
+          </a:p>
+          <a:p>
+            <a:pPr marL="228600" lvl="0" indent="-228600" defTabSz="342900">
+              <a:lnSpc>
+                <a:spcPct val="120000"/>
+              </a:lnSpc>
+              <a:buFont typeface="Arial" panose="020B0604020202020204" pitchFamily="34" charset="0"/>
+              <a:buChar char="•"/>
+            </a:pPr>
+            <a:r>
+              <a:rPr lang="en-US" altLang="en-US" sz="1540" dirty="0">
+                <a:solidFill>
+                  <a:srgbClr val="262626"/>
+                </a:solidFill>
+              </a:rPr>
+              <a:t>ipfs-boards/src/orbitdb/index.js </a:t>
+            </a:r>
+            <a:endParaRPr lang="en-US" altLang="en-US" sz="1540" dirty="0">
+              <a:solidFill>
+                <a:srgbClr val="262626"/>
+              </a:solidFill>
+            </a:endParaRPr>
+          </a:p>
+          <a:p>
+            <a:pPr marL="228600" lvl="0" indent="-228600" defTabSz="342900">
+              <a:lnSpc>
+                <a:spcPct val="120000"/>
+              </a:lnSpc>
+              <a:buFont typeface="Arial" panose="020B0604020202020204" pitchFamily="34" charset="0"/>
+              <a:buChar char="•"/>
+            </a:pPr>
+            <a:endParaRPr lang="en-US" altLang="en-US" sz="1540" dirty="0">
+              <a:solidFill>
+                <a:srgbClr val="262626"/>
+              </a:solidFill>
+            </a:endParaRPr>
+          </a:p>
+          <a:p>
+            <a:pPr marL="228600" lvl="0" indent="-228600" defTabSz="342900">
+              <a:lnSpc>
+                <a:spcPct val="120000"/>
+              </a:lnSpc>
+              <a:buFont typeface="Arial" panose="020B0604020202020204" pitchFamily="34" charset="0"/>
+              <a:buChar char="•"/>
+            </a:pPr>
+            <a:endParaRPr lang="en-US" altLang="en-US" sz="1540" dirty="0">
+              <a:solidFill>
+                <a:srgbClr val="262626"/>
+              </a:solidFill>
+            </a:endParaRPr>
+          </a:p>
+          <a:p>
+            <a:pPr marL="228600" lvl="0" indent="-228600" defTabSz="342900">
+              <a:lnSpc>
+                <a:spcPct val="120000"/>
+              </a:lnSpc>
+              <a:buFont typeface="Arial" panose="020B0604020202020204" pitchFamily="34" charset="0"/>
+              <a:buChar char="•"/>
+            </a:pPr>
+            <a:endParaRPr lang="en-US" altLang="en-US" sz="1540" dirty="0">
+              <a:solidFill>
+                <a:srgbClr val="262626"/>
+              </a:solidFill>
+            </a:endParaRPr>
+          </a:p>
+          <a:p>
+            <a:pPr marL="228600" lvl="0" indent="-228600" defTabSz="342900">
+              <a:lnSpc>
+                <a:spcPct val="120000"/>
+              </a:lnSpc>
+              <a:buFont typeface="Arial" panose="020B0604020202020204" pitchFamily="34" charset="0"/>
+              <a:buChar char="•"/>
+            </a:pPr>
+            <a:r>
+              <a:rPr lang="en-US" altLang="en-US" sz="1540" dirty="0">
+                <a:solidFill>
+                  <a:srgbClr val="262626"/>
+                </a:solidFill>
+              </a:rPr>
+              <a:t>ipfs-boards/src/sagas/posts.js (how to implement)</a:t>
+            </a:r>
+            <a:endParaRPr lang="en-US" altLang="en-US" sz="1540" dirty="0">
+              <a:solidFill>
+                <a:srgbClr val="262626"/>
+              </a:solidFill>
+            </a:endParaRPr>
+          </a:p>
+        </p:txBody>
+      </p:sp>
+      <p:pic>
+        <p:nvPicPr>
+          <p:cNvPr id="5" name="图片 4"/>
+          <p:cNvPicPr>
+            <a:picLocks noChangeAspect="1"/>
+          </p:cNvPicPr>
+          <p:nvPr/>
+        </p:nvPicPr>
+        <p:blipFill>
+          <a:blip r:embed="rId1"/>
+          <a:stretch>
+            <a:fillRect/>
+          </a:stretch>
+        </p:blipFill>
+        <p:spPr>
+          <a:xfrm>
+            <a:off x="628650" y="2971800"/>
+            <a:ext cx="4191000" cy="914400"/>
+          </a:xfrm>
+          <a:prstGeom prst="rect">
+            <a:avLst/>
+          </a:prstGeom>
+        </p:spPr>
+      </p:pic>
+      <p:pic>
+        <p:nvPicPr>
+          <p:cNvPr id="6" name="图片 5"/>
+          <p:cNvPicPr>
+            <a:picLocks noChangeAspect="1"/>
+          </p:cNvPicPr>
+          <p:nvPr/>
+        </p:nvPicPr>
+        <p:blipFill>
+          <a:blip r:embed="rId2"/>
+          <a:stretch>
+            <a:fillRect/>
+          </a:stretch>
+        </p:blipFill>
+        <p:spPr>
+          <a:xfrm>
+            <a:off x="628650" y="4661535"/>
+            <a:ext cx="4724400" cy="1933575"/>
+          </a:xfrm>
+          <a:prstGeom prst="rect">
+            <a:avLst/>
+          </a:prstGeom>
+        </p:spPr>
+      </p:pic>
+    </p:spTree>
+  </p:cSld>
+  <p:clrMapOvr>
+    <a:masterClrMapping/>
+  </p:clrMapOvr>
+</p:sld>
+</file>
+
+<file path=ppt/slides/slide33.xml><?xml version="1.0" encoding="utf-8"?>
+<p:sld xmlns:a="http://schemas.openxmlformats.org/drawingml/2006/main" xmlns:r="http://schemas.openxmlformats.org/officeDocument/2006/relationships" xmlns:p="http://schemas.openxmlformats.org/presentationml/2006/main">
+  <p:cSld>
+    <p:spTree>
+      <p:nvGrpSpPr>
+        <p:cNvPr id="1" name=""/>
+        <p:cNvGrpSpPr/>
+        <p:nvPr/>
+      </p:nvGrpSpPr>
+      <p:grpSpPr>
+        <a:xfrm>
+          <a:off x="0" y="0"/>
+          <a:ext cx="0" cy="0"/>
+          <a:chOff x="0" y="0"/>
+          <a:chExt cx="0" cy="0"/>
+        </a:xfrm>
+      </p:grpSpPr>
+      <p:sp>
+        <p:nvSpPr>
+          <p:cNvPr id="2" name="Title 1"/>
+          <p:cNvSpPr>
+            <a:spLocks noGrp="1"/>
+          </p:cNvSpPr>
+          <p:nvPr>
+            <p:ph type="title"/>
+          </p:nvPr>
+        </p:nvSpPr>
+        <p:spPr>
+          <a:xfrm>
+            <a:off x="628650" y="155263"/>
+            <a:ext cx="7886700" cy="526790"/>
+          </a:xfrm>
+        </p:spPr>
+        <p:txBody>
+          <a:bodyPr>
+            <a:normAutofit fontScale="90000"/>
+          </a:bodyPr>
+          <a:lstStyle/>
+          <a:p>
+            <a:pPr algn="ctr"/>
+            <a:r>
+              <a:rPr lang="en-US" sz="3200" b="1" dirty="0">
+                <a:latin typeface="Calibri" panose="020F0502020204030204" pitchFamily="34" charset="0"/>
+                <a:cs typeface="Calibri" panose="020F0502020204030204" pitchFamily="34" charset="0"/>
+              </a:rPr>
+              <a:t>Cases</a:t>
+            </a:r>
+            <a:endParaRPr lang="en-US" sz="3200" b="1" dirty="0">
+              <a:latin typeface="Calibri" panose="020F0502020204030204" pitchFamily="34" charset="0"/>
+              <a:cs typeface="Calibri" panose="020F0502020204030204" pitchFamily="34" charset="0"/>
+            </a:endParaRPr>
+          </a:p>
+        </p:txBody>
+      </p:sp>
+      <p:sp>
+        <p:nvSpPr>
+          <p:cNvPr id="3" name="Content Placeholder 2"/>
+          <p:cNvSpPr>
+            <a:spLocks noGrp="1"/>
+          </p:cNvSpPr>
+          <p:nvPr>
+            <p:ph idx="1"/>
+          </p:nvPr>
+        </p:nvSpPr>
+        <p:spPr>
+          <a:xfrm>
+            <a:off x="628650" y="989044"/>
+            <a:ext cx="7886700" cy="5605719"/>
+          </a:xfrm>
+        </p:spPr>
+        <p:txBody>
+          <a:bodyPr>
+            <a:normAutofit lnSpcReduction="10000"/>
+          </a:bodyPr>
+          <a:lstStyle/>
+          <a:p>
+            <a:pPr marL="228600" lvl="0" indent="-228600" defTabSz="342900">
+              <a:lnSpc>
+                <a:spcPct val="120000"/>
+              </a:lnSpc>
+              <a:buFont typeface="Arial" panose="020B0604020202020204" pitchFamily="34" charset="0"/>
+              <a:buChar char="•"/>
+            </a:pPr>
+            <a:r>
+              <a:rPr lang="en-US" altLang="en-US" sz="1540" dirty="0">
+                <a:solidFill>
+                  <a:srgbClr val="262626"/>
+                </a:solidFill>
+              </a:rPr>
+              <a:t>Orbit Chat (Orbit Core)</a:t>
+            </a:r>
+            <a:endParaRPr lang="en-US" altLang="en-US" sz="1540" dirty="0">
+              <a:solidFill>
+                <a:srgbClr val="262626"/>
+              </a:solidFill>
+            </a:endParaRPr>
+          </a:p>
+          <a:p>
+            <a:pPr marL="228600" lvl="0" indent="-228600" defTabSz="342900">
+              <a:lnSpc>
+                <a:spcPct val="120000"/>
+              </a:lnSpc>
+              <a:buFont typeface="Arial" panose="020B0604020202020204" pitchFamily="34" charset="0"/>
+              <a:buChar char="•"/>
+            </a:pPr>
+            <a:r>
+              <a:rPr lang="en-US" altLang="en-US" sz="1540" dirty="0">
+                <a:solidFill>
+                  <a:srgbClr val="262626"/>
+                </a:solidFill>
+              </a:rPr>
+              <a:t>https://github.com/orbitdb/orbit-web/blob/d1079653976495e5ae749f1410e11e6af980a6ec/src/workers/network.worker.js</a:t>
+            </a:r>
+            <a:endParaRPr lang="en-US" altLang="en-US" sz="1540" dirty="0">
+              <a:solidFill>
+                <a:srgbClr val="262626"/>
+              </a:solidFill>
+            </a:endParaRPr>
+          </a:p>
+          <a:p>
+            <a:pPr marL="228600" lvl="0" indent="-228600" defTabSz="342900">
+              <a:lnSpc>
+                <a:spcPct val="120000"/>
+              </a:lnSpc>
+              <a:buFont typeface="Arial" panose="020B0604020202020204" pitchFamily="34" charset="0"/>
+              <a:buChar char="•"/>
+            </a:pPr>
+            <a:endParaRPr lang="en-US" altLang="en-US" sz="1540" dirty="0">
+              <a:solidFill>
+                <a:srgbClr val="262626"/>
+              </a:solidFill>
+            </a:endParaRPr>
+          </a:p>
+          <a:p>
+            <a:pPr marL="228600" lvl="0" indent="-228600" defTabSz="342900">
+              <a:lnSpc>
+                <a:spcPct val="120000"/>
+              </a:lnSpc>
+              <a:buFont typeface="Arial" panose="020B0604020202020204" pitchFamily="34" charset="0"/>
+              <a:buChar char="•"/>
+            </a:pPr>
+            <a:endParaRPr lang="en-US" altLang="en-US" sz="1540" dirty="0">
+              <a:solidFill>
+                <a:srgbClr val="262626"/>
+              </a:solidFill>
+            </a:endParaRPr>
+          </a:p>
+          <a:p>
+            <a:pPr marL="228600" lvl="0" indent="-228600" defTabSz="342900">
+              <a:lnSpc>
+                <a:spcPct val="120000"/>
+              </a:lnSpc>
+              <a:buFont typeface="Arial" panose="020B0604020202020204" pitchFamily="34" charset="0"/>
+              <a:buChar char="•"/>
+            </a:pPr>
+            <a:endParaRPr lang="en-US" altLang="en-US" sz="1540" dirty="0">
+              <a:solidFill>
+                <a:srgbClr val="262626"/>
+              </a:solidFill>
+            </a:endParaRPr>
+          </a:p>
+          <a:p>
+            <a:pPr marL="228600" lvl="0" indent="-228600" defTabSz="342900">
+              <a:lnSpc>
+                <a:spcPct val="120000"/>
+              </a:lnSpc>
+              <a:buFont typeface="Arial" panose="020B0604020202020204" pitchFamily="34" charset="0"/>
+              <a:buChar char="•"/>
+            </a:pPr>
+            <a:endParaRPr lang="en-US" altLang="en-US" sz="1540" dirty="0">
+              <a:solidFill>
+                <a:srgbClr val="262626"/>
+              </a:solidFill>
+            </a:endParaRPr>
+          </a:p>
+          <a:p>
+            <a:pPr marL="228600" lvl="0" indent="-228600" defTabSz="342900">
+              <a:lnSpc>
+                <a:spcPct val="120000"/>
+              </a:lnSpc>
+              <a:buFont typeface="Arial" panose="020B0604020202020204" pitchFamily="34" charset="0"/>
+              <a:buChar char="•"/>
+            </a:pPr>
+            <a:endParaRPr lang="en-US" altLang="en-US" sz="1540" dirty="0">
+              <a:solidFill>
+                <a:srgbClr val="262626"/>
+              </a:solidFill>
+            </a:endParaRPr>
+          </a:p>
+          <a:p>
+            <a:pPr marL="228600" lvl="0" indent="-228600" defTabSz="342900">
+              <a:lnSpc>
+                <a:spcPct val="120000"/>
+              </a:lnSpc>
+              <a:buFont typeface="Arial" panose="020B0604020202020204" pitchFamily="34" charset="0"/>
+              <a:buChar char="•"/>
+            </a:pPr>
+            <a:endParaRPr lang="en-US" altLang="en-US" sz="1540" dirty="0">
+              <a:solidFill>
+                <a:srgbClr val="262626"/>
+              </a:solidFill>
+            </a:endParaRPr>
+          </a:p>
+          <a:p>
+            <a:pPr marL="228600" lvl="0" indent="-228600" defTabSz="342900">
+              <a:lnSpc>
+                <a:spcPct val="120000"/>
+              </a:lnSpc>
+              <a:buFont typeface="Arial" panose="020B0604020202020204" pitchFamily="34" charset="0"/>
+              <a:buChar char="•"/>
+            </a:pPr>
+            <a:endParaRPr lang="en-US" altLang="en-US" sz="1540" dirty="0">
+              <a:solidFill>
+                <a:srgbClr val="262626"/>
+              </a:solidFill>
+            </a:endParaRPr>
+          </a:p>
+          <a:p>
+            <a:pPr marL="228600" lvl="0" indent="-228600" defTabSz="342900">
+              <a:lnSpc>
+                <a:spcPct val="120000"/>
+              </a:lnSpc>
+              <a:buFont typeface="Arial" panose="020B0604020202020204" pitchFamily="34" charset="0"/>
+              <a:buChar char="•"/>
+            </a:pPr>
+            <a:endParaRPr lang="en-US" altLang="en-US" sz="1540" dirty="0">
+              <a:solidFill>
+                <a:srgbClr val="262626"/>
+              </a:solidFill>
+            </a:endParaRPr>
+          </a:p>
+          <a:p>
+            <a:pPr marL="228600" lvl="0" indent="-228600" defTabSz="342900">
+              <a:lnSpc>
+                <a:spcPct val="120000"/>
+              </a:lnSpc>
+              <a:buFont typeface="Arial" panose="020B0604020202020204" pitchFamily="34" charset="0"/>
+              <a:buChar char="•"/>
+            </a:pPr>
+            <a:endParaRPr lang="en-US" altLang="en-US" sz="1540" dirty="0">
+              <a:solidFill>
+                <a:srgbClr val="262626"/>
+              </a:solidFill>
+            </a:endParaRPr>
+          </a:p>
+          <a:p>
+            <a:pPr marL="228600" lvl="0" indent="-228600" defTabSz="342900">
+              <a:lnSpc>
+                <a:spcPct val="120000"/>
+              </a:lnSpc>
+              <a:buFont typeface="Arial" panose="020B0604020202020204" pitchFamily="34" charset="0"/>
+              <a:buChar char="•"/>
+            </a:pPr>
+            <a:r>
+              <a:rPr lang="en-US" altLang="en-US" sz="1540" dirty="0">
+                <a:solidFill>
+                  <a:srgbClr val="262626"/>
+                </a:solidFill>
+              </a:rPr>
+              <a:t>function handleSendTextMessage ({ options })  (implementation)</a:t>
+            </a:r>
+            <a:endParaRPr lang="en-US" altLang="en-US" sz="1540" dirty="0">
+              <a:solidFill>
+                <a:srgbClr val="262626"/>
+              </a:solidFill>
+            </a:endParaRPr>
+          </a:p>
+        </p:txBody>
+      </p:sp>
+      <p:pic>
+        <p:nvPicPr>
+          <p:cNvPr id="4" name="图片 3"/>
+          <p:cNvPicPr>
+            <a:picLocks noChangeAspect="1"/>
+          </p:cNvPicPr>
+          <p:nvPr/>
+        </p:nvPicPr>
+        <p:blipFill>
+          <a:blip r:embed="rId1"/>
+          <a:stretch>
+            <a:fillRect/>
+          </a:stretch>
+        </p:blipFill>
+        <p:spPr>
+          <a:xfrm>
+            <a:off x="628650" y="2334895"/>
+            <a:ext cx="5962650" cy="2914650"/>
+          </a:xfrm>
+          <a:prstGeom prst="rect">
+            <a:avLst/>
+          </a:prstGeom>
+        </p:spPr>
+      </p:pic>
+    </p:spTree>
+  </p:cSld>
+  <p:clrMapOvr>
+    <a:masterClrMapping/>
+  </p:clrMapOvr>
+</p:sld>
+</file>
+
+<file path=ppt/slides/slide34.xml><?xml version="1.0" encoding="utf-8"?>
+<p:sld xmlns:a="http://schemas.openxmlformats.org/drawingml/2006/main" xmlns:r="http://schemas.openxmlformats.org/officeDocument/2006/relationships" xmlns:p="http://schemas.openxmlformats.org/presentationml/2006/main">
+  <p:cSld>
+    <p:spTree>
+      <p:nvGrpSpPr>
+        <p:cNvPr id="1" name=""/>
+        <p:cNvGrpSpPr/>
+        <p:nvPr/>
+      </p:nvGrpSpPr>
+      <p:grpSpPr>
+        <a:xfrm>
+          <a:off x="0" y="0"/>
+          <a:ext cx="0" cy="0"/>
+          <a:chOff x="0" y="0"/>
+          <a:chExt cx="0" cy="0"/>
+        </a:xfrm>
+      </p:grpSpPr>
+      <p:sp>
+        <p:nvSpPr>
+          <p:cNvPr id="2" name="Title 1"/>
+          <p:cNvSpPr>
+            <a:spLocks noGrp="1"/>
+          </p:cNvSpPr>
+          <p:nvPr>
+            <p:ph type="title"/>
+          </p:nvPr>
+        </p:nvSpPr>
+        <p:spPr>
+          <a:xfrm>
+            <a:off x="628650" y="155263"/>
+            <a:ext cx="7886700" cy="526790"/>
+          </a:xfrm>
+        </p:spPr>
+        <p:txBody>
+          <a:bodyPr>
+            <a:normAutofit fontScale="90000"/>
+          </a:bodyPr>
+          <a:lstStyle/>
+          <a:p>
+            <a:pPr algn="ctr"/>
+            <a:r>
+              <a:rPr lang="en-US" sz="3200" b="1" dirty="0">
+                <a:latin typeface="Calibri" panose="020F0502020204030204" pitchFamily="34" charset="0"/>
+                <a:cs typeface="Calibri" panose="020F0502020204030204" pitchFamily="34" charset="0"/>
+              </a:rPr>
+              <a:t>Cases</a:t>
+            </a:r>
+            <a:endParaRPr lang="en-US" sz="3200" b="1" dirty="0">
+              <a:latin typeface="Calibri" panose="020F0502020204030204" pitchFamily="34" charset="0"/>
+              <a:cs typeface="Calibri" panose="020F0502020204030204" pitchFamily="34" charset="0"/>
+            </a:endParaRPr>
+          </a:p>
+        </p:txBody>
+      </p:sp>
+      <p:sp>
+        <p:nvSpPr>
+          <p:cNvPr id="3" name="Content Placeholder 2"/>
+          <p:cNvSpPr>
+            <a:spLocks noGrp="1"/>
+          </p:cNvSpPr>
+          <p:nvPr>
+            <p:ph idx="1"/>
+          </p:nvPr>
+        </p:nvSpPr>
+        <p:spPr>
+          <a:xfrm>
+            <a:off x="628650" y="989044"/>
+            <a:ext cx="7886700" cy="5605719"/>
+          </a:xfrm>
+        </p:spPr>
+        <p:txBody>
+          <a:bodyPr>
+            <a:normAutofit lnSpcReduction="10000"/>
+          </a:bodyPr>
+          <a:lstStyle/>
+          <a:p>
+            <a:pPr marL="228600" lvl="0" indent="-228600" defTabSz="342900">
+              <a:lnSpc>
+                <a:spcPct val="120000"/>
+              </a:lnSpc>
+              <a:buFont typeface="Arial" panose="020B0604020202020204" pitchFamily="34" charset="0"/>
+              <a:buChar char="•"/>
+            </a:pPr>
+            <a:r>
+              <a:rPr lang="en-US" altLang="en-US" sz="1540" dirty="0">
+                <a:solidFill>
+                  <a:srgbClr val="262626"/>
+                </a:solidFill>
+              </a:rPr>
               <a:t>ipfs-pubsub-chat (pubsub)</a:t>
             </a:r>
             <a:endParaRPr lang="en-US" altLang="en-US" sz="1540" dirty="0">
@@ -10359,7 +13902,7 @@
 </p:sld>
 </file>
 
-<file path=ppt/slides/slide22.xml><?xml version="1.0" encoding="utf-8"?>
+<file path=ppt/slides/slide35.xml><?xml version="1.0" encoding="utf-8"?>
 <p:sld xmlns:a="http://schemas.openxmlformats.org/drawingml/2006/main" xmlns:r="http://schemas.openxmlformats.org/officeDocument/2006/relationships" xmlns:p="http://schemas.openxmlformats.org/presentationml/2006/main">
   <p:cSld>
     <p:spTree>
@@ -10550,7 +14093,7 @@
 </p:sld>
 </file>
 
-<file path=ppt/slides/slide23.xml><?xml version="1.0" encoding="utf-8"?>
+<file path=ppt/slides/slide36.xml><?xml version="1.0" encoding="utf-8"?>
 <p:sld xmlns:a="http://schemas.openxmlformats.org/drawingml/2006/main" xmlns:r="http://schemas.openxmlformats.org/officeDocument/2006/relationships" xmlns:p="http://schemas.openxmlformats.org/presentationml/2006/main">
   <p:cSld>
     <p:spTree>
@@ -10837,7 +14380,7 @@
 </p:sld>
 </file>
 
-<file path=ppt/slides/slide24.xml><?xml version="1.0" encoding="utf-8"?>
+<file path=ppt/slides/slide37.xml><?xml version="1.0" encoding="utf-8"?>
 <p:sld xmlns:a="http://schemas.openxmlformats.org/drawingml/2006/main" xmlns:r="http://schemas.openxmlformats.org/officeDocument/2006/relationships" xmlns:p="http://schemas.openxmlformats.org/presentationml/2006/main">
   <p:cSld>
     <p:spTree>
@@ -11035,365 +14578,6 @@
               </a:lnSpc>
               <a:buFont typeface="Arial" panose="020B0604020202020204" pitchFamily="34" charset="0"/>
               <a:buChar char="•"/>
-            </a:pPr>
-            <a:endParaRPr lang="en-US" altLang="en-US" sz="1540" dirty="0">
-              <a:solidFill>
-                <a:srgbClr val="262626"/>
-              </a:solidFill>
-            </a:endParaRPr>
-          </a:p>
-        </p:txBody>
-      </p:sp>
-    </p:spTree>
-  </p:cSld>
-  <p:clrMapOvr>
-    <a:masterClrMapping/>
-  </p:clrMapOvr>
-</p:sld>
-</file>
-
-<file path=ppt/slides/slide3.xml><?xml version="1.0" encoding="utf-8"?>
-<p:sld xmlns:a="http://schemas.openxmlformats.org/drawingml/2006/main" xmlns:r="http://schemas.openxmlformats.org/officeDocument/2006/relationships" xmlns:p="http://schemas.openxmlformats.org/presentationml/2006/main">
-  <p:cSld>
-    <p:spTree>
-      <p:nvGrpSpPr>
-        <p:cNvPr id="1" name=""/>
-        <p:cNvGrpSpPr/>
-        <p:nvPr/>
-      </p:nvGrpSpPr>
-      <p:grpSpPr>
-        <a:xfrm>
-          <a:off x="0" y="0"/>
-          <a:ext cx="0" cy="0"/>
-          <a:chOff x="0" y="0"/>
-          <a:chExt cx="0" cy="0"/>
-        </a:xfrm>
-      </p:grpSpPr>
-      <p:sp>
-        <p:nvSpPr>
-          <p:cNvPr id="2" name="Title 1"/>
-          <p:cNvSpPr>
-            <a:spLocks noGrp="1"/>
-          </p:cNvSpPr>
-          <p:nvPr>
-            <p:ph type="title"/>
-          </p:nvPr>
-        </p:nvSpPr>
-        <p:spPr>
-          <a:xfrm>
-            <a:off x="628650" y="155263"/>
-            <a:ext cx="7886700" cy="526790"/>
-          </a:xfrm>
-        </p:spPr>
-        <p:txBody>
-          <a:bodyPr>
-            <a:normAutofit fontScale="90000"/>
-          </a:bodyPr>
-          <a:lstStyle/>
-          <a:p>
-            <a:pPr algn="ctr"/>
-            <a:r>
-              <a:rPr lang="en-US" sz="3200" b="1" dirty="0">
-                <a:latin typeface="Calibri" panose="020F0502020204030204" pitchFamily="34" charset="0"/>
-                <a:cs typeface="Calibri" panose="020F0502020204030204" pitchFamily="34" charset="0"/>
-              </a:rPr>
-              <a:t>IPFS</a:t>
-            </a:r>
-            <a:endParaRPr lang="en-US" sz="3200" b="1" dirty="0">
-              <a:latin typeface="Calibri" panose="020F0502020204030204" pitchFamily="34" charset="0"/>
-              <a:cs typeface="Calibri" panose="020F0502020204030204" pitchFamily="34" charset="0"/>
-            </a:endParaRPr>
-          </a:p>
-        </p:txBody>
-      </p:sp>
-      <p:sp>
-        <p:nvSpPr>
-          <p:cNvPr id="3" name="Content Placeholder 2"/>
-          <p:cNvSpPr>
-            <a:spLocks noGrp="1"/>
-          </p:cNvSpPr>
-          <p:nvPr>
-            <p:ph idx="1"/>
-          </p:nvPr>
-        </p:nvSpPr>
-        <p:spPr>
-          <a:xfrm>
-            <a:off x="628650" y="989044"/>
-            <a:ext cx="7886700" cy="5605719"/>
-          </a:xfrm>
-        </p:spPr>
-        <p:txBody>
-          <a:bodyPr>
-            <a:normAutofit lnSpcReduction="10000"/>
-          </a:bodyPr>
-          <a:lstStyle/>
-          <a:p>
-            <a:pPr marL="228600" lvl="0" indent="-228600" defTabSz="342900">
-              <a:lnSpc>
-                <a:spcPct val="120000"/>
-              </a:lnSpc>
-              <a:buFont typeface="Arial" panose="020B0604020202020204" pitchFamily="34" charset="0"/>
-              <a:buChar char="•"/>
-            </a:pPr>
-            <a:r>
-              <a:rPr lang="en-US" altLang="en-US" sz="1540" dirty="0">
-                <a:solidFill>
-                  <a:srgbClr val="262626"/>
-                </a:solidFill>
-              </a:rPr>
-              <a:t>What is IPFS</a:t>
-            </a:r>
-            <a:endParaRPr lang="en-US" altLang="en-US" sz="1540" dirty="0">
-              <a:solidFill>
-                <a:srgbClr val="262626"/>
-              </a:solidFill>
-            </a:endParaRPr>
-          </a:p>
-          <a:p>
-            <a:pPr marL="228600" lvl="0" indent="-228600" defTabSz="342900">
-              <a:lnSpc>
-                <a:spcPct val="120000"/>
-              </a:lnSpc>
-              <a:buFont typeface="Arial" panose="020B0604020202020204" pitchFamily="34" charset="0"/>
-              <a:buChar char="•"/>
-            </a:pPr>
-            <a:r>
-              <a:rPr lang="en-US" altLang="en-US" sz="1540" dirty="0">
-                <a:solidFill>
-                  <a:srgbClr val="262626"/>
-                </a:solidFill>
-              </a:rPr>
-              <a:t>IPFS is a distributed system for storing and accessing files, websites, applications, and data.</a:t>
-            </a:r>
-            <a:endParaRPr lang="en-US" altLang="en-US" sz="1540" dirty="0">
-              <a:solidFill>
-                <a:srgbClr val="262626"/>
-              </a:solidFill>
-            </a:endParaRPr>
-          </a:p>
-          <a:p>
-            <a:pPr marL="228600" lvl="0" indent="-228600" defTabSz="342900">
-              <a:lnSpc>
-                <a:spcPct val="120000"/>
-              </a:lnSpc>
-              <a:buFont typeface="Arial" panose="020B0604020202020204" pitchFamily="34" charset="0"/>
-              <a:buChar char="•"/>
-            </a:pPr>
-            <a:endParaRPr lang="en-US" altLang="en-US" sz="1540" dirty="0">
-              <a:solidFill>
-                <a:srgbClr val="262626"/>
-              </a:solidFill>
-            </a:endParaRPr>
-          </a:p>
-          <a:p>
-            <a:pPr marL="228600" lvl="0" indent="-228600" defTabSz="342900">
-              <a:lnSpc>
-                <a:spcPct val="120000"/>
-              </a:lnSpc>
-              <a:buFont typeface="Arial" panose="020B0604020202020204" pitchFamily="34" charset="0"/>
-              <a:buChar char="•"/>
-            </a:pPr>
-            <a:r>
-              <a:rPr lang="en-US" altLang="en-US" sz="1540" dirty="0">
-                <a:solidFill>
-                  <a:srgbClr val="262626"/>
-                </a:solidFill>
-              </a:rPr>
-              <a:t>There are three fundamental principles to understand IPFS:</a:t>
-            </a:r>
-            <a:endParaRPr lang="en-US" altLang="en-US" sz="1540" dirty="0">
-              <a:solidFill>
-                <a:srgbClr val="262626"/>
-              </a:solidFill>
-            </a:endParaRPr>
-          </a:p>
-          <a:p>
-            <a:pPr marL="228600" lvl="0" indent="-228600" defTabSz="342900">
-              <a:lnSpc>
-                <a:spcPct val="120000"/>
-              </a:lnSpc>
-              <a:buFont typeface="Arial" panose="020B0604020202020204" pitchFamily="34" charset="0"/>
-              <a:buChar char="•"/>
-            </a:pPr>
-            <a:endParaRPr lang="en-US" altLang="en-US" sz="1540" dirty="0">
-              <a:solidFill>
-                <a:srgbClr val="262626"/>
-              </a:solidFill>
-            </a:endParaRPr>
-          </a:p>
-          <a:p>
-            <a:pPr marL="228600" lvl="0" indent="-228600" defTabSz="342900">
-              <a:lnSpc>
-                <a:spcPct val="120000"/>
-              </a:lnSpc>
-              <a:buFont typeface="Arial" panose="020B0604020202020204" pitchFamily="34" charset="0"/>
-              <a:buChar char="•"/>
-            </a:pPr>
-            <a:r>
-              <a:rPr lang="en-US" altLang="en-US" sz="1540" dirty="0">
-                <a:solidFill>
-                  <a:srgbClr val="262626"/>
-                </a:solidFill>
-              </a:rPr>
-              <a:t>1. Unique identification via content addressing</a:t>
-            </a:r>
-            <a:endParaRPr lang="en-US" altLang="en-US" sz="1540" dirty="0">
-              <a:solidFill>
-                <a:srgbClr val="262626"/>
-              </a:solidFill>
-            </a:endParaRPr>
-          </a:p>
-          <a:p>
-            <a:pPr marL="228600" lvl="0" indent="-228600" defTabSz="342900">
-              <a:lnSpc>
-                <a:spcPct val="120000"/>
-              </a:lnSpc>
-              <a:buFont typeface="Arial" panose="020B0604020202020204" pitchFamily="34" charset="0"/>
-              <a:buChar char="•"/>
-            </a:pPr>
-            <a:endParaRPr lang="en-US" altLang="en-US" sz="1540" dirty="0">
-              <a:solidFill>
-                <a:srgbClr val="262626"/>
-              </a:solidFill>
-            </a:endParaRPr>
-          </a:p>
-          <a:p>
-            <a:pPr marL="228600" lvl="0" indent="-228600" defTabSz="342900">
-              <a:lnSpc>
-                <a:spcPct val="120000"/>
-              </a:lnSpc>
-              <a:buFont typeface="Arial" panose="020B0604020202020204" pitchFamily="34" charset="0"/>
-              <a:buChar char="•"/>
-            </a:pPr>
-            <a:r>
-              <a:rPr lang="en-US" altLang="en-US" sz="1540" dirty="0">
-                <a:solidFill>
-                  <a:srgbClr val="262626"/>
-                </a:solidFill>
-              </a:rPr>
-              <a:t>For Instance: /ipfs/QmXoypizjW3WknFiJnKLwHCnL72vedxjQkDDP1mXWo6uco/wiki/Aardvark.html</a:t>
-            </a:r>
-            <a:endParaRPr lang="en-US" altLang="en-US" sz="1540" dirty="0">
-              <a:solidFill>
-                <a:srgbClr val="262626"/>
-              </a:solidFill>
-            </a:endParaRPr>
-          </a:p>
-          <a:p>
-            <a:pPr marL="228600" lvl="0" indent="-228600" defTabSz="342900">
-              <a:lnSpc>
-                <a:spcPct val="120000"/>
-              </a:lnSpc>
-              <a:buFont typeface="Arial" panose="020B0604020202020204" pitchFamily="34" charset="0"/>
-              <a:buChar char="•"/>
-            </a:pPr>
-            <a:endParaRPr lang="en-US" altLang="en-US" sz="1540" dirty="0">
-              <a:solidFill>
-                <a:srgbClr val="262626"/>
-              </a:solidFill>
-            </a:endParaRPr>
-          </a:p>
-          <a:p>
-            <a:pPr marL="228600" lvl="0" indent="-228600" defTabSz="342900">
-              <a:lnSpc>
-                <a:spcPct val="120000"/>
-              </a:lnSpc>
-              <a:buFont typeface="Arial" panose="020B0604020202020204" pitchFamily="34" charset="0"/>
-              <a:buChar char="•"/>
-            </a:pPr>
-            <a:r>
-              <a:rPr lang="en-US" altLang="en-US" sz="1540" dirty="0">
-                <a:solidFill>
-                  <a:srgbClr val="262626"/>
-                </a:solidFill>
-              </a:rPr>
-              <a:t>Web identify content by where it's located</a:t>
-            </a:r>
-            <a:endParaRPr lang="en-US" altLang="en-US" sz="1540" dirty="0">
-              <a:solidFill>
-                <a:srgbClr val="262626"/>
-              </a:solidFill>
-            </a:endParaRPr>
-          </a:p>
-          <a:p>
-            <a:pPr marL="228600" lvl="0" indent="-228600" defTabSz="342900">
-              <a:lnSpc>
-                <a:spcPct val="120000"/>
-              </a:lnSpc>
-              <a:buFont typeface="Arial" panose="020B0604020202020204" pitchFamily="34" charset="0"/>
-              <a:buChar char="•"/>
-            </a:pPr>
-            <a:endParaRPr lang="en-US" altLang="en-US" sz="1540" dirty="0">
-              <a:solidFill>
-                <a:srgbClr val="262626"/>
-              </a:solidFill>
-            </a:endParaRPr>
-          </a:p>
-          <a:p>
-            <a:pPr marL="228600" lvl="0" indent="-228600" defTabSz="342900">
-              <a:lnSpc>
-                <a:spcPct val="120000"/>
-              </a:lnSpc>
-              <a:buFont typeface="Arial" panose="020B0604020202020204" pitchFamily="34" charset="0"/>
-              <a:buChar char="•"/>
-            </a:pPr>
-            <a:r>
-              <a:rPr lang="en-US" altLang="en-US" sz="1540" dirty="0">
-                <a:solidFill>
-                  <a:srgbClr val="262626"/>
-                </a:solidFill>
-              </a:rPr>
-              <a:t>IPFS uses content addressing to identify content by what's in it.  </a:t>
-            </a:r>
-            <a:endParaRPr lang="en-US" altLang="en-US" sz="1540" dirty="0">
-              <a:solidFill>
-                <a:srgbClr val="262626"/>
-              </a:solidFill>
-            </a:endParaRPr>
-          </a:p>
-          <a:p>
-            <a:pPr marL="228600" lvl="0" indent="-228600" defTabSz="342900">
-              <a:lnSpc>
-                <a:spcPct val="120000"/>
-              </a:lnSpc>
-              <a:buFont typeface="Arial" panose="020B0604020202020204" pitchFamily="34" charset="0"/>
-              <a:buChar char="•"/>
-            </a:pPr>
-            <a:r>
-              <a:rPr lang="en-US" altLang="en-US" sz="1540" dirty="0">
-                <a:solidFill>
-                  <a:srgbClr val="262626"/>
-                </a:solidFill>
-              </a:rPr>
-              <a:t>The hash is unique to the content that it came from, even though it may look short compared to the original content</a:t>
-            </a:r>
-            <a:endParaRPr lang="en-US" altLang="en-US" sz="1540" dirty="0">
-              <a:solidFill>
-                <a:srgbClr val="262626"/>
-              </a:solidFill>
-            </a:endParaRPr>
-          </a:p>
-          <a:p>
-            <a:pPr marL="228600" lvl="0" indent="-228600" defTabSz="342900">
-              <a:lnSpc>
-                <a:spcPct val="120000"/>
-              </a:lnSpc>
-              <a:buFont typeface="Arial" panose="020B0604020202020204" pitchFamily="34" charset="0"/>
-              <a:buChar char="•"/>
-            </a:pPr>
-            <a:endParaRPr lang="en-US" altLang="en-US" sz="1540" dirty="0">
-              <a:solidFill>
-                <a:srgbClr val="262626"/>
-              </a:solidFill>
-            </a:endParaRPr>
-          </a:p>
-          <a:p>
-            <a:pPr marL="0" lvl="0" indent="0" defTabSz="342900">
-              <a:lnSpc>
-                <a:spcPct val="120000"/>
-              </a:lnSpc>
-              <a:buFont typeface="Arial" panose="020B0604020202020204" pitchFamily="34" charset="0"/>
-              <a:buNone/>
             </a:pPr>
             <a:endParaRPr lang="en-US" altLang="en-US" sz="1540" dirty="0">
               <a:solidFill>
@@ -11456,7 +14640,7 @@
                 <a:latin typeface="Calibri" panose="020F0502020204030204" pitchFamily="34" charset="0"/>
                 <a:cs typeface="Calibri" panose="020F0502020204030204" pitchFamily="34" charset="0"/>
               </a:rPr>
-              <a:t>IPFS</a:t>
+              <a:t>DAG</a:t>
             </a:r>
             <a:endParaRPr lang="en-US" sz="3200" b="1" dirty="0">
               <a:latin typeface="Calibri" panose="020F0502020204030204" pitchFamily="34" charset="0"/>
@@ -11495,12 +14679,72 @@
               <a:buChar char="•"/>
             </a:pPr>
             <a:r>
+              <a:rPr lang="en-US" altLang="en-US" sz="1535" dirty="0">
+                <a:solidFill>
+                  <a:srgbClr val="262626"/>
+                </a:solidFill>
+                <a:sym typeface="+mn-ea"/>
+              </a:rPr>
+              <a:t>    Content linking via directed acyclic graphs (DAGs)</a:t>
+            </a:r>
+            <a:endParaRPr lang="en-US" altLang="en-US" sz="1535" dirty="0">
+              <a:solidFill>
+                <a:srgbClr val="262626"/>
+              </a:solidFill>
+            </a:endParaRPr>
+          </a:p>
+          <a:p>
+            <a:pPr marL="228600" lvl="0" indent="-228600" defTabSz="342900">
+              <a:lnSpc>
+                <a:spcPct val="120000"/>
+              </a:lnSpc>
+              <a:buFont typeface="Arial" panose="020B0604020202020204" pitchFamily="34" charset="0"/>
+              <a:buChar char="•"/>
+            </a:pPr>
+            <a:r>
+              <a:rPr lang="en-US" altLang="en-US" sz="1535" dirty="0">
+                <a:solidFill>
+                  <a:srgbClr val="262626"/>
+                </a:solidFill>
+                <a:sym typeface="+mn-ea"/>
+              </a:rPr>
+              <a:t>a directed acyclic graph (DAG ) is a directed graph with no directed cycles. That is, it consists of vertices and edges (also called arcs), with each edge directed from one vertex to another, such that following those directions will never form a closed loop. </a:t>
+            </a:r>
+            <a:endParaRPr lang="en-US" altLang="en-US" sz="1535" dirty="0">
+              <a:solidFill>
+                <a:srgbClr val="262626"/>
+              </a:solidFill>
+            </a:endParaRPr>
+          </a:p>
+          <a:p>
+            <a:pPr marL="228600" lvl="0" indent="-228600" defTabSz="342900">
+              <a:lnSpc>
+                <a:spcPct val="120000"/>
+              </a:lnSpc>
+              <a:buFont typeface="Arial" panose="020B0604020202020204" pitchFamily="34" charset="0"/>
+              <a:buChar char="•"/>
+            </a:pPr>
+            <a:endParaRPr lang="en-US" altLang="en-US" sz="1540" dirty="0">
+              <a:solidFill>
+                <a:srgbClr val="262626"/>
+              </a:solidFill>
+            </a:endParaRPr>
+          </a:p>
+          <a:p>
+            <a:pPr marL="228600" lvl="0" indent="-228600" defTabSz="342900">
+              <a:lnSpc>
+                <a:spcPct val="120000"/>
+              </a:lnSpc>
+              <a:buFont typeface="Arial" panose="020B0604020202020204" pitchFamily="34" charset="0"/>
+              <a:buChar char="•"/>
+            </a:pPr>
+            <a:r>
               <a:rPr lang="en-US" altLang="en-US" sz="1540" dirty="0">
                 <a:solidFill>
                   <a:srgbClr val="262626"/>
                 </a:solidFill>
               </a:rPr>
-              <a:t>    Content linking via directed acyclic graphs (DAGs)</a:t>
+              <a:t>  Transactions                                                                                  Edges</a:t>
             </a:r>
             <a:endParaRPr lang="en-US" altLang="en-US" sz="1540" dirty="0">
               <a:solidFill>
@@ -11512,7 +14756,7 @@
       </p:sp>
       <p:pic>
         <p:nvPicPr>
-          <p:cNvPr id="5" name="图片 4" descr="db01cda7ba19e87ce9dbc75bf994a886"/>
+          <p:cNvPr id="4" name="图片 3"/>
           <p:cNvPicPr>
             <a:picLocks noChangeAspect="1"/>
           </p:cNvPicPr>
@@ -11526,8 +14770,32 @@
         </p:blipFill>
         <p:spPr>
           <a:xfrm>
-            <a:off x="628650" y="1868170"/>
-            <a:ext cx="4406265" cy="4235450"/>
+            <a:off x="219710" y="3171825"/>
+            <a:ext cx="3495675" cy="3686175"/>
+          </a:xfrm>
+          <a:prstGeom prst="rect">
+            <a:avLst/>
+          </a:prstGeom>
+        </p:spPr>
+      </p:pic>
+      <p:pic>
+        <p:nvPicPr>
+          <p:cNvPr id="6" name="图片 5"/>
+          <p:cNvPicPr>
+            <a:picLocks noChangeAspect="1"/>
+          </p:cNvPicPr>
+          <p:nvPr/>
+        </p:nvPicPr>
+        <p:blipFill>
+          <a:blip r:embed="rId2"/>
+          <a:stretch>
+            <a:fillRect/>
+          </a:stretch>
+        </p:blipFill>
+        <p:spPr>
+          <a:xfrm>
+            <a:off x="5084445" y="3172460"/>
+            <a:ext cx="3321050" cy="3685540"/>
           </a:xfrm>
           <a:prstGeom prst="rect">
             <a:avLst/>
@@ -11587,7 +14855,7 @@
                 <a:latin typeface="Calibri" panose="020F0502020204030204" pitchFamily="34" charset="0"/>
                 <a:cs typeface="Calibri" panose="020F0502020204030204" pitchFamily="34" charset="0"/>
               </a:rPr>
-              <a:t>IPFS</a:t>
+              <a:t>DAG</a:t>
             </a:r>
             <a:endParaRPr lang="en-US" sz="3200" b="1" dirty="0">
               <a:latin typeface="Calibri" panose="020F0502020204030204" pitchFamily="34" charset="0"/>
@@ -11625,66 +14893,6 @@
               <a:buFont typeface="Arial" panose="020B0604020202020204" pitchFamily="34" charset="0"/>
               <a:buChar char="•"/>
             </a:pPr>
-            <a:r>
-              <a:rPr lang="en-US" altLang="en-US" sz="1540" dirty="0">
-                <a:solidFill>
-                  <a:srgbClr val="262626"/>
-                </a:solidFill>
-              </a:rPr>
-              <a:t>Content linking via directed acyclic graphs (DAGs) Merkle DAG </a:t>
-            </a:r>
-            <a:endParaRPr lang="en-US" altLang="en-US" sz="1540" dirty="0">
-              <a:solidFill>
-                <a:srgbClr val="262626"/>
-              </a:solidFill>
-            </a:endParaRPr>
-          </a:p>
-          <a:p>
-            <a:pPr marL="228600" lvl="0" indent="-228600" defTabSz="342900">
-              <a:lnSpc>
-                <a:spcPct val="120000"/>
-              </a:lnSpc>
-              <a:buFont typeface="Arial" panose="020B0604020202020204" pitchFamily="34" charset="0"/>
-              <a:buChar char="•"/>
-            </a:pPr>
-            <a:r>
-              <a:rPr lang="en-US" altLang="en-US" sz="1540" dirty="0">
-                <a:solidFill>
-                  <a:srgbClr val="262626"/>
-                </a:solidFill>
-              </a:rPr>
-              <a:t>when doing IPFS ADD</a:t>
-            </a:r>
-            <a:endParaRPr lang="en-US" altLang="en-US" sz="1540" dirty="0">
-              <a:solidFill>
-                <a:srgbClr val="262626"/>
-              </a:solidFill>
-            </a:endParaRPr>
-          </a:p>
-          <a:p>
-            <a:pPr marL="228600" lvl="0" indent="-228600" defTabSz="342900">
-              <a:lnSpc>
-                <a:spcPct val="120000"/>
-              </a:lnSpc>
-              <a:buFont typeface="Arial" panose="020B0604020202020204" pitchFamily="34" charset="0"/>
-              <a:buChar char="•"/>
-            </a:pPr>
-            <a:r>
-              <a:rPr lang="en-US" altLang="en-US" sz="1540" dirty="0">
-                <a:solidFill>
-                  <a:srgbClr val="FF0000"/>
-                </a:solidFill>
-              </a:rPr>
-              <a:t>Demo</a:t>
-            </a:r>
-            <a:r>
-              <a:rPr lang="en-US" altLang="en-US" sz="1540" dirty="0">
-                <a:solidFill>
-                  <a:srgbClr val="262626"/>
-                </a:solidFill>
-              </a:rPr>
-              <a:t>: https://dag.ipfs.io/</a:t>
-            </a:r>
             <a:endParaRPr lang="en-US" altLang="en-US" sz="1540" dirty="0">
               <a:solidFill>
                 <a:srgbClr val="262626"/>
@@ -11695,7 +14903,7 @@
       </p:sp>
       <p:pic>
         <p:nvPicPr>
-          <p:cNvPr id="6" name="图片 5" descr="800px-Hash_Tree.svg"/>
+          <p:cNvPr id="5" name="图片 4"/>
           <p:cNvPicPr>
             <a:picLocks noChangeAspect="1"/>
           </p:cNvPicPr>
@@ -11709,8 +14917,8 @@
         </p:blipFill>
         <p:spPr>
           <a:xfrm>
-            <a:off x="501650" y="2311400"/>
-            <a:ext cx="7620000" cy="4848225"/>
+            <a:off x="1517650" y="2153285"/>
+            <a:ext cx="6890385" cy="3277235"/>
           </a:xfrm>
           <a:prstGeom prst="rect">
             <a:avLst/>
@@ -11770,7 +14978,7 @@
                 <a:latin typeface="Calibri" panose="020F0502020204030204" pitchFamily="34" charset="0"/>
                 <a:cs typeface="Calibri" panose="020F0502020204030204" pitchFamily="34" charset="0"/>
               </a:rPr>
-              <a:t>IPFS</a:t>
+              <a:t>DAG</a:t>
             </a:r>
             <a:endParaRPr lang="en-US" sz="3200" b="1" dirty="0">
               <a:latin typeface="Calibri" panose="020F0502020204030204" pitchFamily="34" charset="0"/>
@@ -11801,122 +15009,6 @@
           </a:bodyPr>
           <a:lstStyle/>
           <a:p>
-            <a:pPr marL="228600" lvl="0" indent="-228600" defTabSz="342900">
-              <a:lnSpc>
-                <a:spcPct val="120000"/>
-              </a:lnSpc>
-              <a:buFont typeface="Arial" panose="020B0604020202020204" pitchFamily="34" charset="0"/>
-              <a:buChar char="•"/>
-            </a:pPr>
-            <a:r>
-              <a:rPr lang="en-US" altLang="en-US" sz="1540" dirty="0">
-                <a:solidFill>
-                  <a:srgbClr val="262626"/>
-                </a:solidFill>
-              </a:rPr>
-              <a:t>    Content discovery via distributed hash tables (DHTs)</a:t>
-            </a:r>
-            <a:endParaRPr lang="en-US" altLang="en-US" sz="1540" dirty="0">
-              <a:solidFill>
-                <a:srgbClr val="262626"/>
-              </a:solidFill>
-            </a:endParaRPr>
-          </a:p>
-          <a:p>
-            <a:pPr marL="228600" lvl="0" indent="-228600" defTabSz="342900">
-              <a:lnSpc>
-                <a:spcPct val="120000"/>
-              </a:lnSpc>
-              <a:buFont typeface="Arial" panose="020B0604020202020204" pitchFamily="34" charset="0"/>
-              <a:buChar char="•"/>
-            </a:pPr>
-            <a:r>
-              <a:rPr lang="en-US" altLang="en-US" sz="1540" dirty="0">
-                <a:solidFill>
-                  <a:srgbClr val="262626"/>
-                </a:solidFill>
-              </a:rPr>
-              <a:t>To find which peers are hosting the content you're after (discovery), IPFS uses a distributed hash table, or DHT</a:t>
-            </a:r>
-            <a:endParaRPr lang="en-US" altLang="en-US" sz="1540" dirty="0">
-              <a:solidFill>
-                <a:srgbClr val="262626"/>
-              </a:solidFill>
-            </a:endParaRPr>
-          </a:p>
-          <a:p>
-            <a:pPr marL="228600" lvl="0" indent="-228600" defTabSz="342900">
-              <a:lnSpc>
-                <a:spcPct val="120000"/>
-              </a:lnSpc>
-              <a:buFont typeface="Arial" panose="020B0604020202020204" pitchFamily="34" charset="0"/>
-              <a:buChar char="•"/>
-            </a:pPr>
-            <a:r>
-              <a:rPr lang="en-US" altLang="en-US" sz="1540" dirty="0">
-                <a:solidFill>
-                  <a:srgbClr val="262626"/>
-                </a:solidFill>
-              </a:rPr>
-              <a:t>What makes libp2p especially useful for peer to peer connections is connection multiplexing</a:t>
-            </a:r>
-            <a:endParaRPr lang="en-US" altLang="en-US" sz="1540" dirty="0">
-              <a:solidFill>
-                <a:srgbClr val="262626"/>
-              </a:solidFill>
-            </a:endParaRPr>
-          </a:p>
-          <a:p>
-            <a:pPr marL="228600" lvl="0" indent="-228600" defTabSz="342900">
-              <a:lnSpc>
-                <a:spcPct val="120000"/>
-              </a:lnSpc>
-              <a:buFont typeface="Arial" panose="020B0604020202020204" pitchFamily="34" charset="0"/>
-              <a:buChar char="•"/>
-            </a:pPr>
-            <a:r>
-              <a:rPr lang="en-US" altLang="en-US" sz="1540" dirty="0">
-                <a:solidFill>
-                  <a:srgbClr val="262626"/>
-                </a:solidFill>
-              </a:rPr>
-              <a:t>Bitswap allows you to connect to the peer or peers that have the content you want, send them your wantlist  and have them send you the blocks you requested.</a:t>
-            </a:r>
-            <a:endParaRPr lang="en-US" altLang="en-US" sz="1540" dirty="0">
-              <a:solidFill>
-                <a:srgbClr val="262626"/>
-              </a:solidFill>
-            </a:endParaRPr>
-          </a:p>
-          <a:p>
-            <a:pPr marL="228600" lvl="0" indent="-228600" defTabSz="342900">
-              <a:lnSpc>
-                <a:spcPct val="120000"/>
-              </a:lnSpc>
-              <a:buFont typeface="Arial" panose="020B0604020202020204" pitchFamily="34" charset="0"/>
-              <a:buChar char="•"/>
-            </a:pPr>
-            <a:endParaRPr lang="en-US" altLang="en-US" sz="1540" dirty="0">
-              <a:solidFill>
-                <a:srgbClr val="262626"/>
-              </a:solidFill>
-            </a:endParaRPr>
-          </a:p>
-          <a:p>
-            <a:pPr marL="228600" lvl="0" indent="-228600" defTabSz="342900">
-              <a:lnSpc>
-                <a:spcPct val="120000"/>
-              </a:lnSpc>
-              <a:buFont typeface="Arial" panose="020B0604020202020204" pitchFamily="34" charset="0"/>
-              <a:buChar char="•"/>
-            </a:pPr>
-            <a:endParaRPr lang="en-US" altLang="en-US" sz="1540" dirty="0">
-              <a:solidFill>
-                <a:srgbClr val="262626"/>
-              </a:solidFill>
-            </a:endParaRPr>
-          </a:p>
-          <a:p>
             <a:pPr marL="0" lvl="0" indent="0" defTabSz="342900">
               <a:lnSpc>
                 <a:spcPct val="120000"/>
@@ -11934,7 +15026,7 @@
       </p:sp>
       <p:pic>
         <p:nvPicPr>
-          <p:cNvPr id="5" name="图片 4"/>
+          <p:cNvPr id="7" name="图片 6"/>
           <p:cNvPicPr>
             <a:picLocks noChangeAspect="1"/>
           </p:cNvPicPr>
@@ -11948,8 +15040,8 @@
         </p:blipFill>
         <p:spPr>
           <a:xfrm>
-            <a:off x="988695" y="3335020"/>
-            <a:ext cx="5967095" cy="3522980"/>
+            <a:off x="628650" y="2117090"/>
+            <a:ext cx="7886065" cy="3502025"/>
           </a:xfrm>
           <a:prstGeom prst="rect">
             <a:avLst/>
@@ -12009,7 +15101,7 @@
                 <a:latin typeface="Calibri" panose="020F0502020204030204" pitchFamily="34" charset="0"/>
                 <a:cs typeface="Calibri" panose="020F0502020204030204" pitchFamily="34" charset="0"/>
               </a:rPr>
-              <a:t>IPFS Cluster</a:t>
+              <a:t>DAG</a:t>
             </a:r>
             <a:endParaRPr lang="en-US" sz="3200" b="1" dirty="0">
               <a:latin typeface="Calibri" panose="020F0502020204030204" pitchFamily="34" charset="0"/>
@@ -12047,78 +15139,6 @@
               <a:buFont typeface="Arial" panose="020B0604020202020204" pitchFamily="34" charset="0"/>
               <a:buChar char="•"/>
             </a:pPr>
-            <a:r>
-              <a:rPr lang="en-US" altLang="en-US" sz="1540" dirty="0">
-                <a:solidFill>
-                  <a:srgbClr val="262626"/>
-                </a:solidFill>
-              </a:rPr>
-              <a:t>IPFS Cluster: </a:t>
-            </a:r>
-            <a:endParaRPr lang="en-US" altLang="en-US" sz="1540" dirty="0">
-              <a:solidFill>
-                <a:srgbClr val="262626"/>
-              </a:solidFill>
-            </a:endParaRPr>
-          </a:p>
-          <a:p>
-            <a:pPr marL="228600" lvl="0" indent="-228600" defTabSz="342900">
-              <a:lnSpc>
-                <a:spcPct val="120000"/>
-              </a:lnSpc>
-              <a:buFont typeface="Arial" panose="020B0604020202020204" pitchFamily="34" charset="0"/>
-              <a:buChar char="•"/>
-            </a:pPr>
-            <a:r>
-              <a:rPr lang="en-US" altLang="en-US" sz="1540" dirty="0">
-                <a:solidFill>
-                  <a:srgbClr val="262626"/>
-                </a:solidFill>
-              </a:rPr>
-              <a:t>Automatic replication and pinning across your IPFS network</a:t>
-            </a:r>
-            <a:endParaRPr lang="en-US" altLang="en-US" sz="1540" dirty="0">
-              <a:solidFill>
-                <a:srgbClr val="262626"/>
-              </a:solidFill>
-            </a:endParaRPr>
-          </a:p>
-          <a:p>
-            <a:pPr marL="228600" lvl="0" indent="-228600" defTabSz="342900">
-              <a:lnSpc>
-                <a:spcPct val="120000"/>
-              </a:lnSpc>
-              <a:buFont typeface="Arial" panose="020B0604020202020204" pitchFamily="34" charset="0"/>
-              <a:buChar char="•"/>
-            </a:pPr>
-            <a:endParaRPr lang="en-US" altLang="en-US" sz="1540" dirty="0">
-              <a:solidFill>
-                <a:srgbClr val="262626"/>
-              </a:solidFill>
-            </a:endParaRPr>
-          </a:p>
-          <a:p>
-            <a:pPr marL="228600" lvl="0" indent="-228600" defTabSz="342900">
-              <a:lnSpc>
-                <a:spcPct val="120000"/>
-              </a:lnSpc>
-              <a:buFont typeface="Arial" panose="020B0604020202020204" pitchFamily="34" charset="0"/>
-              <a:buChar char="•"/>
-            </a:pPr>
-            <a:endParaRPr lang="en-US" altLang="en-US" sz="1540" dirty="0">
-              <a:solidFill>
-                <a:srgbClr val="262626"/>
-              </a:solidFill>
-            </a:endParaRPr>
-          </a:p>
-          <a:p>
-            <a:pPr marL="0" lvl="0" indent="0" defTabSz="342900">
-              <a:lnSpc>
-                <a:spcPct val="120000"/>
-              </a:lnSpc>
-              <a:buFont typeface="Arial" panose="020B0604020202020204" pitchFamily="34" charset="0"/>
-              <a:buNone/>
-            </a:pPr>
             <a:endParaRPr lang="en-US" altLang="en-US" sz="1540" dirty="0">
               <a:solidFill>
                 <a:srgbClr val="262626"/>
@@ -12143,8 +15163,8 @@
         </p:blipFill>
         <p:spPr>
           <a:xfrm>
-            <a:off x="821055" y="1990725"/>
-            <a:ext cx="7465695" cy="4605020"/>
+            <a:off x="358775" y="1780540"/>
+            <a:ext cx="8426450" cy="3700145"/>
           </a:xfrm>
           <a:prstGeom prst="rect">
             <a:avLst/>
@@ -12204,7 +15224,7 @@
                 <a:latin typeface="Calibri" panose="020F0502020204030204" pitchFamily="34" charset="0"/>
                 <a:cs typeface="Calibri" panose="020F0502020204030204" pitchFamily="34" charset="0"/>
               </a:rPr>
-              <a:t>IPFS Cluster</a:t>
+              <a:t>DAG</a:t>
             </a:r>
             <a:endParaRPr lang="en-US" sz="3200" b="1" dirty="0">
               <a:latin typeface="Calibri" panose="020F0502020204030204" pitchFamily="34" charset="0"/>
@@ -12213,317 +15233,32 @@
           </a:p>
         </p:txBody>
       </p:sp>
-      <p:sp>
-        <p:nvSpPr>
-          <p:cNvPr id="3" name="Content Placeholder 2"/>
-          <p:cNvSpPr>
-            <a:spLocks noGrp="1"/>
-          </p:cNvSpPr>
+      <p:pic>
+        <p:nvPicPr>
+          <p:cNvPr id="5" name="内容占位符 4"/>
+          <p:cNvPicPr>
+            <a:picLocks noChangeAspect="1"/>
+          </p:cNvPicPr>
           <p:nvPr>
             <p:ph idx="1"/>
           </p:nvPr>
-        </p:nvSpPr>
+        </p:nvPicPr>
+        <p:blipFill>
+          <a:blip r:embed="rId1"/>
+          <a:stretch>
+            <a:fillRect/>
+          </a:stretch>
+        </p:blipFill>
         <p:spPr>
           <a:xfrm>
-            <a:off x="628650" y="989044"/>
-            <a:ext cx="7886700" cy="5605719"/>
+            <a:off x="1647190" y="989330"/>
+            <a:ext cx="5848350" cy="5605780"/>
           </a:xfrm>
+          <a:prstGeom prst="rect">
+            <a:avLst/>
+          </a:prstGeom>
         </p:spPr>
-        <p:txBody>
-          <a:bodyPr>
-            <a:normAutofit lnSpcReduction="10000"/>
-          </a:bodyPr>
-          <a:lstStyle/>
-          <a:p>
-            <a:pPr marL="228600" lvl="0" indent="-228600" defTabSz="342900">
-              <a:lnSpc>
-                <a:spcPct val="120000"/>
-              </a:lnSpc>
-              <a:buFont typeface="Arial" panose="020B0604020202020204" pitchFamily="34" charset="0"/>
-              <a:buChar char="•"/>
-            </a:pPr>
-            <a:r>
-              <a:rPr lang="en-US" altLang="en-US" sz="1540" dirty="0">
-                <a:solidFill>
-                  <a:srgbClr val="262626"/>
-                </a:solidFill>
-              </a:rPr>
-              <a:t>IPFS Cluster</a:t>
-            </a:r>
-            <a:endParaRPr lang="en-US" altLang="en-US" sz="1540" dirty="0">
-              <a:solidFill>
-                <a:srgbClr val="262626"/>
-              </a:solidFill>
-            </a:endParaRPr>
-          </a:p>
-          <a:p>
-            <a:pPr marL="228600" lvl="0" indent="-228600" defTabSz="342900">
-              <a:lnSpc>
-                <a:spcPct val="120000"/>
-              </a:lnSpc>
-              <a:buFont typeface="Arial" panose="020B0604020202020204" pitchFamily="34" charset="0"/>
-              <a:buChar char="•"/>
-            </a:pPr>
-            <a:r>
-              <a:rPr lang="en-US" altLang="en-US" sz="1540" dirty="0">
-                <a:solidFill>
-                  <a:srgbClr val="262626"/>
-                </a:solidFill>
-              </a:rPr>
-              <a:t>how to build your CDN using IPFS cluster?</a:t>
-            </a:r>
-            <a:endParaRPr lang="en-US" altLang="en-US" sz="1540" dirty="0">
-              <a:solidFill>
-                <a:srgbClr val="262626"/>
-              </a:solidFill>
-            </a:endParaRPr>
-          </a:p>
-          <a:p>
-            <a:pPr marL="228600" lvl="0" indent="-228600" defTabSz="342900">
-              <a:lnSpc>
-                <a:spcPct val="120000"/>
-              </a:lnSpc>
-              <a:buFont typeface="Arial" panose="020B0604020202020204" pitchFamily="34" charset="0"/>
-              <a:buChar char="•"/>
-            </a:pPr>
-            <a:r>
-              <a:rPr lang="en-US" altLang="en-US" sz="1540" dirty="0">
-                <a:solidFill>
-                  <a:srgbClr val="262626"/>
-                </a:solidFill>
-              </a:rPr>
-              <a:t> Step 1:</a:t>
-            </a:r>
-            <a:endParaRPr lang="en-US" altLang="en-US" sz="1540" dirty="0">
-              <a:solidFill>
-                <a:srgbClr val="262626"/>
-              </a:solidFill>
-            </a:endParaRPr>
-          </a:p>
-          <a:p>
-            <a:pPr marL="228600" lvl="0" indent="-228600" defTabSz="342900">
-              <a:lnSpc>
-                <a:spcPct val="120000"/>
-              </a:lnSpc>
-              <a:buFont typeface="Arial" panose="020B0604020202020204" pitchFamily="34" charset="0"/>
-              <a:buChar char="•"/>
-            </a:pPr>
-            <a:r>
-              <a:rPr lang="en-US" altLang="en-US" sz="1540" dirty="0">
-                <a:solidFill>
-                  <a:srgbClr val="262626"/>
-                </a:solidFill>
-              </a:rPr>
-              <a:t>domain name or a subdomain</a:t>
-            </a:r>
-            <a:endParaRPr lang="en-US" altLang="en-US" sz="1540" dirty="0">
-              <a:solidFill>
-                <a:srgbClr val="262626"/>
-              </a:solidFill>
-            </a:endParaRPr>
-          </a:p>
-          <a:p>
-            <a:pPr marL="228600" lvl="0" indent="-228600" defTabSz="342900">
-              <a:lnSpc>
-                <a:spcPct val="120000"/>
-              </a:lnSpc>
-              <a:buFont typeface="Arial" panose="020B0604020202020204" pitchFamily="34" charset="0"/>
-              <a:buChar char="•"/>
-            </a:pPr>
-            <a:endParaRPr lang="en-US" altLang="en-US" sz="1540" dirty="0">
-              <a:solidFill>
-                <a:srgbClr val="262626"/>
-              </a:solidFill>
-            </a:endParaRPr>
-          </a:p>
-          <a:p>
-            <a:pPr marL="228600" lvl="0" indent="-228600" defTabSz="342900">
-              <a:lnSpc>
-                <a:spcPct val="120000"/>
-              </a:lnSpc>
-              <a:buFont typeface="Arial" panose="020B0604020202020204" pitchFamily="34" charset="0"/>
-              <a:buChar char="•"/>
-            </a:pPr>
-            <a:r>
-              <a:rPr lang="en-US" altLang="en-US" sz="1540" dirty="0">
-                <a:solidFill>
-                  <a:srgbClr val="262626"/>
-                </a:solidFill>
-              </a:rPr>
-              <a:t>Step 2:</a:t>
-            </a:r>
-            <a:endParaRPr lang="en-US" altLang="en-US" sz="1540" dirty="0">
-              <a:solidFill>
-                <a:srgbClr val="262626"/>
-              </a:solidFill>
-            </a:endParaRPr>
-          </a:p>
-          <a:p>
-            <a:pPr marL="228600" lvl="0" indent="-228600" defTabSz="342900">
-              <a:lnSpc>
-                <a:spcPct val="120000"/>
-              </a:lnSpc>
-              <a:buFont typeface="Arial" panose="020B0604020202020204" pitchFamily="34" charset="0"/>
-              <a:buChar char="•"/>
-            </a:pPr>
-            <a:r>
-              <a:rPr lang="en-US" altLang="en-US" sz="1540" dirty="0">
-                <a:solidFill>
-                  <a:srgbClr val="262626"/>
-                </a:solidFill>
-              </a:rPr>
-              <a:t>a minimum of two servers in different regions. The servers can be dedicated or virtual (IPFS Cluster)</a:t>
-            </a:r>
-            <a:endParaRPr lang="en-US" altLang="en-US" sz="1540" dirty="0">
-              <a:solidFill>
-                <a:srgbClr val="262626"/>
-              </a:solidFill>
-            </a:endParaRPr>
-          </a:p>
-          <a:p>
-            <a:pPr marL="228600" lvl="0" indent="-228600" defTabSz="342900">
-              <a:lnSpc>
-                <a:spcPct val="120000"/>
-              </a:lnSpc>
-              <a:buFont typeface="Arial" panose="020B0604020202020204" pitchFamily="34" charset="0"/>
-              <a:buChar char="•"/>
-            </a:pPr>
-            <a:endParaRPr lang="en-US" altLang="en-US" sz="1540" dirty="0">
-              <a:solidFill>
-                <a:srgbClr val="262626"/>
-              </a:solidFill>
-            </a:endParaRPr>
-          </a:p>
-          <a:p>
-            <a:pPr marL="228600" lvl="0" indent="-228600" defTabSz="342900">
-              <a:lnSpc>
-                <a:spcPct val="120000"/>
-              </a:lnSpc>
-              <a:buFont typeface="Arial" panose="020B0604020202020204" pitchFamily="34" charset="0"/>
-              <a:buChar char="•"/>
-            </a:pPr>
-            <a:r>
-              <a:rPr lang="en-US" altLang="en-US" sz="1540" dirty="0">
-                <a:solidFill>
-                  <a:srgbClr val="262626"/>
-                </a:solidFill>
-              </a:rPr>
-              <a:t>Step 3:</a:t>
-            </a:r>
-            <a:endParaRPr lang="en-US" altLang="en-US" sz="1540" dirty="0">
-              <a:solidFill>
-                <a:srgbClr val="262626"/>
-              </a:solidFill>
-            </a:endParaRPr>
-          </a:p>
-          <a:p>
-            <a:pPr marL="228600" lvl="0" indent="-228600" defTabSz="342900">
-              <a:lnSpc>
-                <a:spcPct val="120000"/>
-              </a:lnSpc>
-              <a:buFont typeface="Arial" panose="020B0604020202020204" pitchFamily="34" charset="0"/>
-              <a:buChar char="•"/>
-            </a:pPr>
-            <a:r>
-              <a:rPr lang="en-US" altLang="en-US" sz="1540" dirty="0">
-                <a:solidFill>
-                  <a:srgbClr val="262626"/>
-                </a:solidFill>
-              </a:rPr>
-              <a:t>geoDNS tool. With it, a user sending a request to the domain will be directed to the nearest server</a:t>
-            </a:r>
-            <a:endParaRPr lang="en-US" altLang="en-US" sz="1540" dirty="0">
-              <a:solidFill>
-                <a:srgbClr val="262626"/>
-              </a:solidFill>
-            </a:endParaRPr>
-          </a:p>
-          <a:p>
-            <a:pPr marL="228600" lvl="0" indent="-228600" defTabSz="342900">
-              <a:lnSpc>
-                <a:spcPct val="120000"/>
-              </a:lnSpc>
-              <a:buFont typeface="Arial" panose="020B0604020202020204" pitchFamily="34" charset="0"/>
-              <a:buChar char="•"/>
-            </a:pPr>
-            <a:endParaRPr lang="en-US" altLang="en-US" sz="1540" dirty="0">
-              <a:solidFill>
-                <a:srgbClr val="262626"/>
-              </a:solidFill>
-            </a:endParaRPr>
-          </a:p>
-          <a:p>
-            <a:pPr marL="228600" lvl="0" indent="-228600" defTabSz="342900">
-              <a:lnSpc>
-                <a:spcPct val="120000"/>
-              </a:lnSpc>
-              <a:buFont typeface="Arial" panose="020B0604020202020204" pitchFamily="34" charset="0"/>
-              <a:buChar char="•"/>
-            </a:pPr>
-            <a:endParaRPr lang="en-US" altLang="en-US" sz="1540" dirty="0">
-              <a:solidFill>
-                <a:srgbClr val="262626"/>
-              </a:solidFill>
-            </a:endParaRPr>
-          </a:p>
-          <a:p>
-            <a:pPr marL="228600" lvl="0" indent="-228600" defTabSz="342900">
-              <a:lnSpc>
-                <a:spcPct val="120000"/>
-              </a:lnSpc>
-              <a:buFont typeface="Arial" panose="020B0604020202020204" pitchFamily="34" charset="0"/>
-              <a:buChar char="•"/>
-            </a:pPr>
-            <a:endParaRPr lang="en-US" altLang="en-US" sz="1540" dirty="0">
-              <a:solidFill>
-                <a:srgbClr val="262626"/>
-              </a:solidFill>
-            </a:endParaRPr>
-          </a:p>
-          <a:p>
-            <a:pPr marL="228600" lvl="0" indent="-228600" defTabSz="342900">
-              <a:lnSpc>
-                <a:spcPct val="120000"/>
-              </a:lnSpc>
-              <a:buFont typeface="Arial" panose="020B0604020202020204" pitchFamily="34" charset="0"/>
-              <a:buChar char="•"/>
-            </a:pPr>
-            <a:endParaRPr lang="en-US" altLang="en-US" sz="1540" dirty="0">
-              <a:solidFill>
-                <a:srgbClr val="262626"/>
-              </a:solidFill>
-            </a:endParaRPr>
-          </a:p>
-          <a:p>
-            <a:pPr marL="228600" lvl="0" indent="-228600" defTabSz="342900">
-              <a:lnSpc>
-                <a:spcPct val="120000"/>
-              </a:lnSpc>
-              <a:buFont typeface="Arial" panose="020B0604020202020204" pitchFamily="34" charset="0"/>
-              <a:buChar char="•"/>
-            </a:pPr>
-            <a:endParaRPr lang="en-US" altLang="en-US" sz="1540" dirty="0">
-              <a:solidFill>
-                <a:srgbClr val="262626"/>
-              </a:solidFill>
-            </a:endParaRPr>
-          </a:p>
-          <a:p>
-            <a:pPr marL="0" lvl="0" indent="0" defTabSz="342900">
-              <a:lnSpc>
-                <a:spcPct val="120000"/>
-              </a:lnSpc>
-              <a:buFont typeface="Arial" panose="020B0604020202020204" pitchFamily="34" charset="0"/>
-              <a:buNone/>
-            </a:pPr>
-            <a:endParaRPr lang="en-US" altLang="en-US" sz="1540" dirty="0">
-              <a:solidFill>
-                <a:srgbClr val="262626"/>
-              </a:solidFill>
-            </a:endParaRPr>
-          </a:p>
-        </p:txBody>
-      </p:sp>
+      </p:pic>
     </p:spTree>
   </p:cSld>
   <p:clrMapOvr>
@@ -12577,7 +15312,7 @@
                 <a:latin typeface="Calibri" panose="020F0502020204030204" pitchFamily="34" charset="0"/>
                 <a:cs typeface="Calibri" panose="020F0502020204030204" pitchFamily="34" charset="0"/>
               </a:rPr>
-              <a:t>IPFS Cluster</a:t>
+              <a:t>DAG</a:t>
             </a:r>
             <a:endParaRPr lang="en-US" sz="3200" b="1" dirty="0">
               <a:latin typeface="Calibri" panose="020F0502020204030204" pitchFamily="34" charset="0"/>
@@ -12586,245 +15321,30 @@
           </a:p>
         </p:txBody>
       </p:sp>
-      <p:sp>
-        <p:nvSpPr>
-          <p:cNvPr id="3" name="Content Placeholder 2"/>
-          <p:cNvSpPr>
-            <a:spLocks noGrp="1"/>
-          </p:cNvSpPr>
-          <p:nvPr>
-            <p:ph idx="1"/>
-          </p:nvPr>
-        </p:nvSpPr>
+      <p:pic>
+        <p:nvPicPr>
+          <p:cNvPr id="7" name="图片 6"/>
+          <p:cNvPicPr>
+            <a:picLocks noChangeAspect="1"/>
+          </p:cNvPicPr>
+          <p:nvPr/>
+        </p:nvPicPr>
+        <p:blipFill>
+          <a:blip r:embed="rId1"/>
+          <a:stretch>
+            <a:fillRect/>
+          </a:stretch>
+        </p:blipFill>
         <p:spPr>
           <a:xfrm>
-            <a:off x="628650" y="989044"/>
-            <a:ext cx="7886700" cy="5605719"/>
+            <a:off x="628650" y="2087880"/>
+            <a:ext cx="6086475" cy="3219450"/>
           </a:xfrm>
+          <a:prstGeom prst="rect">
+            <a:avLst/>
+          </a:prstGeom>
         </p:spPr>
-        <p:txBody>
-          <a:bodyPr>
-            <a:normAutofit lnSpcReduction="10000"/>
-          </a:bodyPr>
-          <a:lstStyle/>
-          <a:p>
-            <a:pPr marL="228600" lvl="0" indent="-228600" defTabSz="342900">
-              <a:lnSpc>
-                <a:spcPct val="120000"/>
-              </a:lnSpc>
-              <a:buFont typeface="Arial" panose="020B0604020202020204" pitchFamily="34" charset="0"/>
-              <a:buChar char="•"/>
-            </a:pPr>
-            <a:r>
-              <a:rPr lang="en-US" altLang="en-US" sz="1540" dirty="0">
-                <a:solidFill>
-                  <a:srgbClr val="262626"/>
-                </a:solidFill>
-              </a:rPr>
-              <a:t>IPFS Cluster</a:t>
-            </a:r>
-            <a:endParaRPr lang="en-US" altLang="en-US" sz="1540" dirty="0">
-              <a:solidFill>
-                <a:srgbClr val="262626"/>
-              </a:solidFill>
-            </a:endParaRPr>
-          </a:p>
-          <a:p>
-            <a:pPr marL="228600" lvl="0" indent="-228600" defTabSz="342900">
-              <a:lnSpc>
-                <a:spcPct val="120000"/>
-              </a:lnSpc>
-              <a:buFont typeface="Arial" panose="020B0604020202020204" pitchFamily="34" charset="0"/>
-              <a:buChar char="•"/>
-            </a:pPr>
-            <a:r>
-              <a:rPr lang="en-US" altLang="en-US" sz="1540" dirty="0">
-                <a:solidFill>
-                  <a:srgbClr val="262626"/>
-                </a:solidFill>
-              </a:rPr>
-              <a:t>how to build your CND using IPFS cluster?</a:t>
-            </a:r>
-            <a:endParaRPr lang="en-US" altLang="en-US" sz="1540" dirty="0">
-              <a:solidFill>
-                <a:srgbClr val="262626"/>
-              </a:solidFill>
-            </a:endParaRPr>
-          </a:p>
-          <a:p>
-            <a:pPr marL="228600" lvl="0" indent="-228600" defTabSz="342900">
-              <a:lnSpc>
-                <a:spcPct val="120000"/>
-              </a:lnSpc>
-              <a:buFont typeface="Arial" panose="020B0604020202020204" pitchFamily="34" charset="0"/>
-              <a:buChar char="•"/>
-            </a:pPr>
-            <a:endParaRPr lang="en-US" altLang="en-US" sz="1540" dirty="0">
-              <a:solidFill>
-                <a:srgbClr val="262626"/>
-              </a:solidFill>
-            </a:endParaRPr>
-          </a:p>
-          <a:p>
-            <a:pPr marL="228600" lvl="0" indent="-228600" defTabSz="342900">
-              <a:lnSpc>
-                <a:spcPct val="120000"/>
-              </a:lnSpc>
-              <a:buFont typeface="Arial" panose="020B0604020202020204" pitchFamily="34" charset="0"/>
-              <a:buChar char="•"/>
-            </a:pPr>
-            <a:r>
-              <a:rPr lang="en-US" altLang="en-US" sz="1540" dirty="0">
-                <a:solidFill>
-                  <a:srgbClr val="262626"/>
-                </a:solidFill>
-              </a:rPr>
-              <a:t>Here's how geoDNS works:</a:t>
-            </a:r>
-            <a:endParaRPr lang="en-US" altLang="en-US" sz="1540" dirty="0">
-              <a:solidFill>
-                <a:srgbClr val="262626"/>
-              </a:solidFill>
-            </a:endParaRPr>
-          </a:p>
-          <a:p>
-            <a:pPr marL="228600" lvl="0" indent="-228600" defTabSz="342900">
-              <a:lnSpc>
-                <a:spcPct val="120000"/>
-              </a:lnSpc>
-              <a:buFont typeface="Arial" panose="020B0604020202020204" pitchFamily="34" charset="0"/>
-              <a:buChar char="•"/>
-            </a:pPr>
-            <a:endParaRPr lang="en-US" altLang="en-US" sz="1540" dirty="0">
-              <a:solidFill>
-                <a:srgbClr val="262626"/>
-              </a:solidFill>
-            </a:endParaRPr>
-          </a:p>
-          <a:p>
-            <a:pPr marL="228600" lvl="0" indent="-228600" defTabSz="342900">
-              <a:lnSpc>
-                <a:spcPct val="120000"/>
-              </a:lnSpc>
-              <a:buFont typeface="Arial" panose="020B0604020202020204" pitchFamily="34" charset="0"/>
-              <a:buChar char="•"/>
-            </a:pPr>
-            <a:r>
-              <a:rPr lang="en-US" altLang="en-US" sz="1540" dirty="0">
-                <a:solidFill>
-                  <a:srgbClr val="262626"/>
-                </a:solidFill>
-              </a:rPr>
-              <a:t>It gets the client's IP (if they sent the DNS request) or the IP of the recursive DNS server that is used for processing the request. Generally speaking, such recursive servers are usually the DNSs of the Internet providers.</a:t>
-            </a:r>
-            <a:endParaRPr lang="en-US" altLang="en-US" sz="1540" dirty="0">
-              <a:solidFill>
-                <a:srgbClr val="262626"/>
-              </a:solidFill>
-            </a:endParaRPr>
-          </a:p>
-          <a:p>
-            <a:pPr marL="228600" lvl="0" indent="-228600" defTabSz="342900">
-              <a:lnSpc>
-                <a:spcPct val="120000"/>
-              </a:lnSpc>
-              <a:buFont typeface="Arial" panose="020B0604020202020204" pitchFamily="34" charset="0"/>
-              <a:buChar char="•"/>
-            </a:pPr>
-            <a:r>
-              <a:rPr lang="en-US" altLang="en-US" sz="1540" dirty="0">
-                <a:solidFill>
-                  <a:srgbClr val="262626"/>
-                </a:solidFill>
-              </a:rPr>
-              <a:t>By the client's IP it identifies their country or region. This operation requires the use of GeoIP database, which are available in no short supply. There are even decent free options.</a:t>
-            </a:r>
-            <a:endParaRPr lang="en-US" altLang="en-US" sz="1540" dirty="0">
-              <a:solidFill>
-                <a:srgbClr val="262626"/>
-              </a:solidFill>
-            </a:endParaRPr>
-          </a:p>
-          <a:p>
-            <a:pPr marL="228600" lvl="0" indent="-228600" defTabSz="342900">
-              <a:lnSpc>
-                <a:spcPct val="120000"/>
-              </a:lnSpc>
-              <a:buFont typeface="Arial" panose="020B0604020202020204" pitchFamily="34" charset="0"/>
-              <a:buChar char="•"/>
-            </a:pPr>
-            <a:r>
-              <a:rPr lang="en-US" altLang="en-US" sz="1540" dirty="0">
-                <a:solidFill>
-                  <a:srgbClr val="262626"/>
-                </a:solidFill>
-              </a:rPr>
-              <a:t>Depending on the client's location, geoDNS returns him the IP address of the closest CDN server.</a:t>
-            </a:r>
-            <a:endParaRPr lang="en-US" altLang="en-US" sz="1540" dirty="0">
-              <a:solidFill>
-                <a:srgbClr val="262626"/>
-              </a:solidFill>
-            </a:endParaRPr>
-          </a:p>
-          <a:p>
-            <a:pPr marL="228600" lvl="0" indent="-228600" defTabSz="342900">
-              <a:lnSpc>
-                <a:spcPct val="120000"/>
-              </a:lnSpc>
-              <a:buFont typeface="Arial" panose="020B0604020202020204" pitchFamily="34" charset="0"/>
-              <a:buChar char="•"/>
-            </a:pPr>
-            <a:endParaRPr lang="en-US" altLang="en-US" sz="1540" dirty="0">
-              <a:solidFill>
-                <a:srgbClr val="262626"/>
-              </a:solidFill>
-            </a:endParaRPr>
-          </a:p>
-          <a:p>
-            <a:pPr marL="228600" lvl="0" indent="-228600" defTabSz="342900">
-              <a:lnSpc>
-                <a:spcPct val="120000"/>
-              </a:lnSpc>
-              <a:buFont typeface="Arial" panose="020B0604020202020204" pitchFamily="34" charset="0"/>
-              <a:buChar char="•"/>
-            </a:pPr>
-            <a:endParaRPr lang="en-US" altLang="en-US" sz="1540" dirty="0">
-              <a:solidFill>
-                <a:srgbClr val="262626"/>
-              </a:solidFill>
-            </a:endParaRPr>
-          </a:p>
-          <a:p>
-            <a:pPr marL="228600" lvl="0" indent="-228600" defTabSz="342900">
-              <a:lnSpc>
-                <a:spcPct val="120000"/>
-              </a:lnSpc>
-              <a:buFont typeface="Arial" panose="020B0604020202020204" pitchFamily="34" charset="0"/>
-              <a:buChar char="•"/>
-            </a:pPr>
-            <a:endParaRPr lang="en-US" altLang="en-US" sz="1540" dirty="0">
-              <a:solidFill>
-                <a:srgbClr val="262626"/>
-              </a:solidFill>
-            </a:endParaRPr>
-          </a:p>
-          <a:p>
-            <a:pPr marL="0" lvl="0" indent="0" defTabSz="342900">
-              <a:lnSpc>
-                <a:spcPct val="120000"/>
-              </a:lnSpc>
-              <a:buFont typeface="Arial" panose="020B0604020202020204" pitchFamily="34" charset="0"/>
-              <a:buNone/>
-            </a:pPr>
-            <a:endParaRPr lang="en-US" altLang="en-US" sz="1540" dirty="0">
-              <a:solidFill>
-                <a:srgbClr val="262626"/>
-              </a:solidFill>
-            </a:endParaRPr>
-          </a:p>
-        </p:txBody>
-      </p:sp>
+      </p:pic>
     </p:spTree>
   </p:cSld>
   <p:clrMapOvr>
